--- a/src/main/resources/PPTX/Gamified Market.pptx
+++ b/src/main/resources/PPTX/Gamified Market.pptx
@@ -11479,8 +11479,8 @@
         </p:nvSpPr>
         <p:spPr>
           <a:xfrm>
-            <a:off x="1185519" y="2287109"/>
-            <a:ext cx="10240012" cy="4331806"/>
+            <a:off x="792784" y="2258533"/>
+            <a:ext cx="11025481" cy="4532791"/>
           </a:xfrm>
         </p:spPr>
         <p:txBody>
@@ -11490,7 +11490,7 @@
           <a:lstStyle/>
           <a:p>
             <a:r>
-              <a:rPr lang="en-US" sz="1100" b="0" i="0" dirty="0">
+              <a:rPr lang="en-US" sz="1200" b="0" i="0" dirty="0">
                 <a:solidFill>
                   <a:srgbClr val="000000"/>
                 </a:solidFill>
@@ -11500,7 +11500,7 @@
               <a:t>A user registers with a username, a password and an email. A registered user logs in and accesses a HOME PAGE where a “Questionnaire of the day” is published. The HOME PAGE displays the name and the image of the “product of the day” and the product reviews by other users. The HOME PAGE comprises a link to access a QUESTIONNAIRE PAGE with a questionnaire divided in two sections: a section with a variable number of marketing questions about the product of the day and a section with fixed inputs for collecting statistical data about the user. The user fills in the marketing section, then accesses (with a </a:t>
             </a:r>
             <a:r>
-              <a:rPr lang="en-US" sz="1100" b="0" i="1" dirty="0">
+              <a:rPr lang="en-US" sz="1200" b="0" i="1" dirty="0">
                 <a:solidFill>
                   <a:srgbClr val="000000"/>
                 </a:solidFill>
@@ -11510,7 +11510,7 @@
               <a:t>next </a:t>
             </a:r>
             <a:r>
-              <a:rPr lang="en-US" sz="1100" b="0" i="0" dirty="0">
+              <a:rPr lang="en-US" sz="1200" b="0" i="0" dirty="0">
                 <a:solidFill>
                   <a:srgbClr val="000000"/>
                 </a:solidFill>
@@ -11520,7 +11520,7 @@
               <a:t>button) the statistical section where s/he can complete the questionnaire and submit it (with a </a:t>
             </a:r>
             <a:r>
-              <a:rPr lang="en-US" sz="1100" b="0" i="1" dirty="0">
+              <a:rPr lang="en-US" sz="1200" b="0" i="1" dirty="0">
                 <a:solidFill>
                   <a:srgbClr val="000000"/>
                 </a:solidFill>
@@ -11530,7 +11530,7 @@
               <a:t>submit </a:t>
             </a:r>
             <a:r>
-              <a:rPr lang="en-US" sz="1100" b="0" i="0" dirty="0">
+              <a:rPr lang="en-US" sz="1200" b="0" i="0" dirty="0">
                 <a:solidFill>
                   <a:srgbClr val="000000"/>
                 </a:solidFill>
@@ -11540,7 +11540,7 @@
               <a:t>button), cancel it (with a </a:t>
             </a:r>
             <a:r>
-              <a:rPr lang="en-US" sz="1100" b="0" i="1" dirty="0">
+              <a:rPr lang="en-US" sz="1200" b="0" i="1" dirty="0">
                 <a:solidFill>
                   <a:srgbClr val="000000"/>
                 </a:solidFill>
@@ -11550,7 +11550,7 @@
               <a:t>cancel </a:t>
             </a:r>
             <a:r>
-              <a:rPr lang="en-US" sz="1100" b="0" i="0" dirty="0">
+              <a:rPr lang="en-US" sz="1200" b="0" i="0" dirty="0">
                 <a:solidFill>
                   <a:srgbClr val="000000"/>
                 </a:solidFill>
@@ -11560,7 +11560,7 @@
               <a:t>button), or go back to the previous section and change the answers (with a </a:t>
             </a:r>
             <a:r>
-              <a:rPr lang="en-US" sz="1100" b="0" i="1" dirty="0">
+              <a:rPr lang="en-US" sz="1200" b="0" i="1" dirty="0">
                 <a:solidFill>
                   <a:srgbClr val="000000"/>
                 </a:solidFill>
@@ -11570,7 +11570,7 @@
               <a:t>previous </a:t>
             </a:r>
             <a:r>
-              <a:rPr lang="en-US" sz="1100" b="0" i="0" dirty="0">
+              <a:rPr lang="en-US" sz="1200" b="0" i="0" dirty="0">
                 <a:solidFill>
                   <a:srgbClr val="000000"/>
                 </a:solidFill>
@@ -11580,7 +11580,7 @@
               <a:t>button). All inputs of the marketing section are mandatory. All inputs of the statistical section are optional. After successfully submitting the questionnaire, the user is routed to a page with a thanks and greetings message. The database contains a table of offensive words. If any response of the user contains a word listed in the table, the transaction is rolled back, no data are recorded in the database, and the user’s account is blocked so that no questionnaires can be filled in by such account in the future. When the user submits the questionnaire one or more trigger compute the gamification points to assign to the user for the specific questionnaire, according to the following rule: </a:t>
             </a:r>
             <a:br>
-              <a:rPr lang="en-US" sz="1100" b="0" i="0" dirty="0">
+              <a:rPr lang="en-US" sz="1200" b="0" i="0" dirty="0">
                 <a:solidFill>
                   <a:srgbClr val="000000"/>
                 </a:solidFill>
@@ -11589,7 +11589,7 @@
               </a:rPr>
             </a:br>
             <a:r>
-              <a:rPr lang="en-US" sz="1100" b="0" i="0" dirty="0">
+              <a:rPr lang="en-US" sz="1200" b="0" i="0" dirty="0">
                 <a:solidFill>
                   <a:srgbClr val="000000"/>
                 </a:solidFill>
@@ -11599,7 +11599,7 @@
               <a:t>1. One point is assigned for every answered question of section 1</a:t>
             </a:r>
             <a:br>
-              <a:rPr lang="en-US" sz="1100" b="0" i="0" dirty="0">
+              <a:rPr lang="en-US" sz="1200" b="0" i="0" dirty="0">
                 <a:solidFill>
                   <a:srgbClr val="000000"/>
                 </a:solidFill>
@@ -11608,7 +11608,7 @@
               </a:rPr>
             </a:br>
             <a:r>
-              <a:rPr lang="en-US" sz="1100" b="0" i="0" dirty="0">
+              <a:rPr lang="en-US" sz="1200" b="0" i="0" dirty="0">
                 <a:solidFill>
                   <a:srgbClr val="000000"/>
                 </a:solidFill>
@@ -11618,7 +11618,7 @@
               <a:t>2. Two points are assigned for every answered optional question of section 2.</a:t>
             </a:r>
             <a:br>
-              <a:rPr lang="en-US" sz="1100" b="0" i="0" dirty="0">
+              <a:rPr lang="en-US" sz="1200" b="0" i="0" dirty="0">
                 <a:solidFill>
                   <a:srgbClr val="000000"/>
                 </a:solidFill>
@@ -11627,7 +11627,7 @@
               </a:rPr>
             </a:br>
             <a:r>
-              <a:rPr lang="en-US" sz="1100" b="0" i="0" dirty="0">
+              <a:rPr lang="en-US" sz="1200" b="0" i="0" dirty="0">
                 <a:solidFill>
                   <a:srgbClr val="000000"/>
                 </a:solidFill>
@@ -11637,7 +11637,7 @@
               <a:t>When the user cancels the questionnaire, no responses are stored in the database. However, the database retains the information that the user X has logged in at a given date and time. The user can access a LEADERBOARD page, which shows a list of the usernames and points of all the users who filled in the questionnaire of the day, ordered by the number of points (descending).</a:t>
             </a:r>
             <a:br>
-              <a:rPr lang="en-US" sz="1100" b="0" i="0" dirty="0">
+              <a:rPr lang="en-US" sz="1200" b="0" i="0" dirty="0">
                 <a:solidFill>
                   <a:srgbClr val="000000"/>
                 </a:solidFill>
@@ -11645,7 +11645,7 @@
                 <a:latin typeface="Calibri" panose="020F0502020204030204" pitchFamily="34" charset="0"/>
               </a:rPr>
             </a:br>
-            <a:endParaRPr lang="en-US" sz="1100" dirty="0"/>
+            <a:endParaRPr lang="en-US" sz="1200" dirty="0"/>
           </a:p>
         </p:txBody>
       </p:sp>
@@ -11760,7 +11760,7 @@
           <a:lstStyle/>
           <a:p>
             <a:br>
-              <a:rPr lang="en-US" sz="1050" b="0" i="0" dirty="0">
+              <a:rPr lang="en-US" sz="1200" b="0" i="0" dirty="0">
                 <a:solidFill>
                   <a:srgbClr val="000000"/>
                 </a:solidFill>
@@ -11769,7 +11769,7 @@
               </a:rPr>
             </a:br>
             <a:r>
-              <a:rPr lang="en-US" sz="1050" b="0" i="0" dirty="0">
+              <a:rPr lang="en-US" sz="1200" b="0" i="0" dirty="0">
                 <a:solidFill>
                   <a:srgbClr val="000000"/>
                 </a:solidFill>
@@ -11779,7 +11779,7 @@
               <a:t>The administrator can access a dedicated application on the same database, which features the</a:t>
             </a:r>
             <a:br>
-              <a:rPr lang="en-US" sz="1050" b="0" i="0" dirty="0">
+              <a:rPr lang="en-US" sz="1200" b="0" i="0" dirty="0">
                 <a:solidFill>
                   <a:srgbClr val="000000"/>
                 </a:solidFill>
@@ -11788,7 +11788,7 @@
               </a:rPr>
             </a:br>
             <a:r>
-              <a:rPr lang="en-US" sz="1050" b="0" i="0" dirty="0">
+              <a:rPr lang="en-US" sz="1200" b="0" i="0" dirty="0">
                 <a:solidFill>
                   <a:srgbClr val="000000"/>
                 </a:solidFill>
@@ -11798,7 +11798,7 @@
               <a:t>following pages :</a:t>
             </a:r>
             <a:br>
-              <a:rPr lang="en-US" sz="1050" b="0" i="0" dirty="0">
+              <a:rPr lang="en-US" sz="1200" b="0" i="0" dirty="0">
                 <a:solidFill>
                   <a:srgbClr val="000000"/>
                 </a:solidFill>
@@ -11807,7 +11807,7 @@
               </a:rPr>
             </a:br>
             <a:r>
-              <a:rPr lang="en-US" sz="1050" b="0" i="0" dirty="0">
+              <a:rPr lang="en-US" sz="1200" b="0" i="0" dirty="0">
                 <a:solidFill>
                   <a:srgbClr val="000000"/>
                 </a:solidFill>
@@ -11817,7 +11817,7 @@
               <a:t> </a:t>
             </a:r>
             <a:r>
-              <a:rPr lang="en-US" sz="1050" b="0" i="0" dirty="0">
+              <a:rPr lang="en-US" sz="1200" b="0" i="0" dirty="0">
                 <a:solidFill>
                   <a:srgbClr val="000000"/>
                 </a:solidFill>
@@ -11827,7 +11827,7 @@
               <a:t>A CREATION page for inserting the product of the day for the current date or for a posterior date and for creating a variable number of marketing questions about such product.</a:t>
             </a:r>
             <a:br>
-              <a:rPr lang="en-US" sz="1050" b="0" i="0" dirty="0">
+              <a:rPr lang="en-US" sz="1200" b="0" i="0" dirty="0">
                 <a:solidFill>
                   <a:srgbClr val="000000"/>
                 </a:solidFill>
@@ -11836,7 +11836,7 @@
               </a:rPr>
             </a:br>
             <a:r>
-              <a:rPr lang="en-US" sz="1050" b="0" i="0" dirty="0">
+              <a:rPr lang="en-US" sz="1200" b="0" i="0" dirty="0">
                 <a:solidFill>
                   <a:srgbClr val="000000"/>
                 </a:solidFill>
@@ -11964,7 +11964,7 @@
           </a:p>
           <a:p>
             <a:r>
-              <a:rPr lang="en-US" sz="1050" b="0" i="0" dirty="0">
+              <a:rPr lang="en-US" sz="1200" b="0" i="0" dirty="0">
                 <a:solidFill>
                   <a:srgbClr val="000000"/>
                 </a:solidFill>
@@ -11974,7 +11974,7 @@
               <a:t> </a:t>
             </a:r>
             <a:r>
-              <a:rPr lang="en-US" sz="1050" b="0" i="0" dirty="0">
+              <a:rPr lang="en-US" sz="1200" b="0" i="0" dirty="0">
                 <a:solidFill>
                   <a:srgbClr val="000000"/>
                 </a:solidFill>
@@ -11984,7 +11984,7 @@
               <a:t>A DELETION page for ERASING the questionnaire data and the related responses and points</a:t>
             </a:r>
             <a:br>
-              <a:rPr lang="en-US" sz="1050" b="0" i="0" dirty="0">
+              <a:rPr lang="en-US" sz="1200" b="0" i="0" dirty="0">
                 <a:solidFill>
                   <a:srgbClr val="000000"/>
                 </a:solidFill>
@@ -11993,7 +11993,7 @@
               </a:rPr>
             </a:br>
             <a:r>
-              <a:rPr lang="en-US" sz="1050" b="0" i="0" dirty="0">
+              <a:rPr lang="en-US" sz="1200" b="0" i="0" dirty="0">
                 <a:solidFill>
                   <a:srgbClr val="000000"/>
                 </a:solidFill>
@@ -12003,7 +12003,7 @@
               <a:t>of all users who filled in the questionnaire. Deletion should be possible only for a date</a:t>
             </a:r>
             <a:br>
-              <a:rPr lang="en-US" sz="1050" b="0" i="0" dirty="0">
+              <a:rPr lang="en-US" sz="1200" b="0" i="0" dirty="0">
                 <a:solidFill>
                   <a:srgbClr val="000000"/>
                 </a:solidFill>
@@ -12012,7 +12012,7 @@
               </a:rPr>
             </a:br>
             <a:r>
-              <a:rPr lang="en-US" sz="1050" b="0" i="0" dirty="0">
+              <a:rPr lang="en-US" sz="1200" b="0" i="0" dirty="0">
                 <a:solidFill>
                   <a:srgbClr val="000000"/>
                 </a:solidFill>
@@ -12022,7 +12022,7 @@
               <a:t>preceding the current date.</a:t>
             </a:r>
             <a:r>
-              <a:rPr lang="en-US" sz="1050" dirty="0"/>
+              <a:rPr lang="en-US" sz="1200" dirty="0"/>
               <a:t> </a:t>
             </a:r>
             <a:br>
@@ -12192,31 +12192,42 @@
           </a:p>
         </p:txBody>
       </p:sp>
-      <p:sp>
-        <p:nvSpPr>
-          <p:cNvPr id="3" name="Content Placeholder 2">
+      <p:pic>
+        <p:nvPicPr>
+          <p:cNvPr id="5" name="Picture 4" descr="Diagram&#10;&#10;Description automatically generated">
             <a:extLst>
               <a:ext uri="{FF2B5EF4-FFF2-40B4-BE49-F238E27FC236}">
-                <a16:creationId xmlns:a16="http://schemas.microsoft.com/office/drawing/2014/main" id="{1CC8D91C-9B80-4605-91A4-30AB3B3EC38F}"/>
+                <a16:creationId xmlns:a16="http://schemas.microsoft.com/office/drawing/2014/main" id="{90316923-5C48-41DE-98CA-A48CC5180F4E}"/>
               </a:ext>
             </a:extLst>
           </p:cNvPr>
-          <p:cNvSpPr>
-            <a:spLocks noGrp="1"/>
-          </p:cNvSpPr>
-          <p:nvPr>
-            <p:ph idx="1"/>
-          </p:nvPr>
-        </p:nvSpPr>
-        <p:spPr/>
-        <p:txBody>
-          <a:bodyPr/>
-          <a:lstStyle/>
-          <a:p>
-            <a:endParaRPr lang="en-US" dirty="0"/>
-          </a:p>
-        </p:txBody>
-      </p:sp>
+          <p:cNvPicPr>
+            <a:picLocks noChangeAspect="1"/>
+          </p:cNvPicPr>
+          <p:nvPr/>
+        </p:nvPicPr>
+        <p:blipFill>
+          <a:blip r:embed="rId2">
+            <a:extLst>
+              <a:ext uri="{28A0092B-C50C-407E-A947-70E740481C1C}">
+                <a14:useLocalDpi xmlns:a14="http://schemas.microsoft.com/office/drawing/2010/main" val="0"/>
+              </a:ext>
+            </a:extLst>
+          </a:blip>
+          <a:stretch>
+            <a:fillRect/>
+          </a:stretch>
+        </p:blipFill>
+        <p:spPr>
+          <a:xfrm>
+            <a:off x="3340893" y="2378444"/>
+            <a:ext cx="5510213" cy="4190679"/>
+          </a:xfrm>
+          <a:prstGeom prst="rect">
+            <a:avLst/>
+          </a:prstGeom>
+        </p:spPr>
+      </p:pic>
     </p:spTree>
     <p:extLst>
       <p:ext uri="{BB962C8B-B14F-4D97-AF65-F5344CB8AC3E}">
@@ -12358,7 +12369,7 @@
             </a:r>
             <a:r>
               <a:rPr lang="en-US" dirty="0" err="1"/>
-              <a:t>product_imiage</a:t>
+              <a:t>product_image</a:t>
             </a:r>
             <a:r>
               <a:rPr lang="en-US" dirty="0"/>
@@ -12500,7 +12511,7 @@
             </a:r>
             <a:r>
               <a:rPr lang="en-US" dirty="0"/>
-              <a:t>) ; //to check </a:t>
+              <a:t>) ;</a:t>
             </a:r>
           </a:p>
           <a:p>
@@ -12545,6 +12556,41 @@
             <a:r>
               <a:rPr lang="en-US" dirty="0"/>
               <a:t>, action);</a:t>
+            </a:r>
+          </a:p>
+        </p:txBody>
+      </p:sp>
+      <p:sp>
+        <p:nvSpPr>
+          <p:cNvPr id="4" name="TextBox 3">
+            <a:extLst>
+              <a:ext uri="{FF2B5EF4-FFF2-40B4-BE49-F238E27FC236}">
+                <a16:creationId xmlns:a16="http://schemas.microsoft.com/office/drawing/2014/main" id="{28B2BA33-C079-4B8D-A1FC-8079B2FFF937}"/>
+              </a:ext>
+            </a:extLst>
+          </p:cNvPr>
+          <p:cNvSpPr txBox="1"/>
+          <p:nvPr/>
+        </p:nvSpPr>
+        <p:spPr>
+          <a:xfrm>
+            <a:off x="0" y="6488567"/>
+            <a:ext cx="9979743" cy="230832"/>
+          </a:xfrm>
+          <a:prstGeom prst="rect">
+            <a:avLst/>
+          </a:prstGeom>
+          <a:noFill/>
+        </p:spPr>
+        <p:txBody>
+          <a:bodyPr wrap="square" rtlCol="0">
+            <a:spAutoFit/>
+          </a:bodyPr>
+          <a:lstStyle/>
+          <a:p>
+            <a:r>
+              <a:rPr lang="en-US" sz="900" dirty="0"/>
+              <a:t>We preferred to add also the relational model to show all the attributes without making the ER diagram heavier</a:t>
             </a:r>
           </a:p>
         </p:txBody>

--- a/src/main/resources/PPTX/Gamified Market.pptx
+++ b/src/main/resources/PPTX/Gamified Market.pptx
@@ -11,15 +11,18 @@
     <p:sldId id="259" r:id="rId5"/>
     <p:sldId id="260" r:id="rId6"/>
     <p:sldId id="261" r:id="rId7"/>
-    <p:sldId id="262" r:id="rId8"/>
-    <p:sldId id="263" r:id="rId9"/>
-    <p:sldId id="264" r:id="rId10"/>
-    <p:sldId id="268" r:id="rId11"/>
-    <p:sldId id="269" r:id="rId12"/>
-    <p:sldId id="270" r:id="rId13"/>
-    <p:sldId id="272" r:id="rId14"/>
-    <p:sldId id="273" r:id="rId15"/>
-    <p:sldId id="274" r:id="rId16"/>
+    <p:sldId id="275" r:id="rId8"/>
+    <p:sldId id="276" r:id="rId9"/>
+    <p:sldId id="262" r:id="rId10"/>
+    <p:sldId id="263" r:id="rId11"/>
+    <p:sldId id="264" r:id="rId12"/>
+    <p:sldId id="268" r:id="rId13"/>
+    <p:sldId id="269" r:id="rId14"/>
+    <p:sldId id="270" r:id="rId15"/>
+    <p:sldId id="272" r:id="rId16"/>
+    <p:sldId id="273" r:id="rId17"/>
+    <p:sldId id="274" r:id="rId18"/>
+    <p:sldId id="277" r:id="rId19"/>
   </p:sldIdLst>
   <p:sldSz cx="12192000" cy="6858000"/>
   <p:notesSz cx="6858000" cy="9144000"/>
@@ -7508,6 +7511,1220 @@
         </p:nvSpPr>
         <p:spPr>
           <a:xfrm>
+            <a:off x="1920240" y="2550401"/>
+            <a:ext cx="3880485" cy="3651504"/>
+          </a:xfrm>
+        </p:spPr>
+        <p:txBody>
+          <a:bodyPr>
+            <a:normAutofit/>
+          </a:bodyPr>
+          <a:lstStyle/>
+          <a:p>
+            <a:pPr>
+              <a:spcBef>
+                <a:spcPts val="0"/>
+              </a:spcBef>
+            </a:pPr>
+            <a:r>
+              <a:rPr lang="en-US" sz="1200" dirty="0"/>
+              <a:t>create table product</a:t>
+            </a:r>
+          </a:p>
+          <a:p>
+            <a:pPr>
+              <a:spcBef>
+                <a:spcPts val="0"/>
+              </a:spcBef>
+            </a:pPr>
+            <a:r>
+              <a:rPr lang="en-US" sz="1200" dirty="0"/>
+              <a:t>(</a:t>
+            </a:r>
+          </a:p>
+          <a:p>
+            <a:pPr>
+              <a:spcBef>
+                <a:spcPts val="0"/>
+              </a:spcBef>
+            </a:pPr>
+            <a:r>
+              <a:rPr lang="en-US" sz="1200" dirty="0"/>
+              <a:t>    </a:t>
+            </a:r>
+            <a:r>
+              <a:rPr lang="en-US" sz="1200" dirty="0" err="1"/>
+              <a:t>id_product</a:t>
+            </a:r>
+            <a:r>
+              <a:rPr lang="en-US" sz="1200" dirty="0"/>
+              <a:t>    int </a:t>
+            </a:r>
+            <a:r>
+              <a:rPr lang="en-US" sz="1200" dirty="0" err="1"/>
+              <a:t>auto_increment</a:t>
+            </a:r>
+            <a:endParaRPr lang="en-US" sz="1200" dirty="0"/>
+          </a:p>
+          <a:p>
+            <a:pPr>
+              <a:spcBef>
+                <a:spcPts val="0"/>
+              </a:spcBef>
+            </a:pPr>
+            <a:r>
+              <a:rPr lang="en-US" sz="1200" dirty="0"/>
+              <a:t>        primary key,</a:t>
+            </a:r>
+          </a:p>
+          <a:p>
+            <a:pPr>
+              <a:spcBef>
+                <a:spcPts val="0"/>
+              </a:spcBef>
+            </a:pPr>
+            <a:r>
+              <a:rPr lang="en-US" sz="1200" dirty="0"/>
+              <a:t>    name          varchar(64) not null,</a:t>
+            </a:r>
+          </a:p>
+          <a:p>
+            <a:pPr>
+              <a:spcBef>
+                <a:spcPts val="0"/>
+              </a:spcBef>
+            </a:pPr>
+            <a:r>
+              <a:rPr lang="en-US" sz="1200" dirty="0"/>
+              <a:t>    </a:t>
+            </a:r>
+            <a:r>
+              <a:rPr lang="en-US" sz="1200" dirty="0" err="1"/>
+              <a:t>product_image</a:t>
+            </a:r>
+            <a:r>
+              <a:rPr lang="en-US" sz="1200" dirty="0"/>
+              <a:t> </a:t>
+            </a:r>
+            <a:r>
+              <a:rPr lang="en-US" sz="1200" dirty="0" err="1"/>
+              <a:t>longblob</a:t>
+            </a:r>
+            <a:r>
+              <a:rPr lang="en-US" sz="1200" dirty="0"/>
+              <a:t>    not null,</a:t>
+            </a:r>
+          </a:p>
+          <a:p>
+            <a:pPr>
+              <a:spcBef>
+                <a:spcPts val="0"/>
+              </a:spcBef>
+            </a:pPr>
+            <a:r>
+              <a:rPr lang="en-US" sz="1200" dirty="0"/>
+              <a:t>    date          </a:t>
+            </a:r>
+            <a:r>
+              <a:rPr lang="en-US" sz="1200" dirty="0" err="1"/>
+              <a:t>date</a:t>
+            </a:r>
+            <a:r>
+              <a:rPr lang="en-US" sz="1200" dirty="0"/>
+              <a:t>        not null,</a:t>
+            </a:r>
+          </a:p>
+          <a:p>
+            <a:pPr>
+              <a:spcBef>
+                <a:spcPts val="0"/>
+              </a:spcBef>
+            </a:pPr>
+            <a:r>
+              <a:rPr lang="en-US" sz="1200" dirty="0"/>
+              <a:t>    constraint </a:t>
+            </a:r>
+            <a:r>
+              <a:rPr lang="en-US" sz="1200" dirty="0" err="1"/>
+              <a:t>product_date_uindex</a:t>
+            </a:r>
+            <a:endParaRPr lang="en-US" sz="1200" dirty="0"/>
+          </a:p>
+          <a:p>
+            <a:pPr>
+              <a:spcBef>
+                <a:spcPts val="0"/>
+              </a:spcBef>
+            </a:pPr>
+            <a:r>
+              <a:rPr lang="en-US" sz="1200" dirty="0"/>
+              <a:t>        unique (date)</a:t>
+            </a:r>
+          </a:p>
+          <a:p>
+            <a:pPr>
+              <a:spcBef>
+                <a:spcPts val="0"/>
+              </a:spcBef>
+            </a:pPr>
+            <a:r>
+              <a:rPr lang="en-US" sz="1200" dirty="0"/>
+              <a:t>);</a:t>
+            </a:r>
+          </a:p>
+        </p:txBody>
+      </p:sp>
+      <p:sp>
+        <p:nvSpPr>
+          <p:cNvPr id="11" name="Title 10">
+            <a:extLst>
+              <a:ext uri="{FF2B5EF4-FFF2-40B4-BE49-F238E27FC236}">
+                <a16:creationId xmlns:a16="http://schemas.microsoft.com/office/drawing/2014/main" id="{9CAC76C9-87A5-4F81-9454-24A6D2837827}"/>
+              </a:ext>
+            </a:extLst>
+          </p:cNvPr>
+          <p:cNvSpPr>
+            <a:spLocks noGrp="1"/>
+          </p:cNvSpPr>
+          <p:nvPr>
+            <p:ph type="title"/>
+          </p:nvPr>
+        </p:nvSpPr>
+        <p:spPr/>
+        <p:txBody>
+          <a:bodyPr/>
+          <a:lstStyle/>
+          <a:p>
+            <a:r>
+              <a:rPr lang="en-US" dirty="0"/>
+              <a:t>SQL DDL - Tables</a:t>
+            </a:r>
+          </a:p>
+        </p:txBody>
+      </p:sp>
+      <p:sp>
+        <p:nvSpPr>
+          <p:cNvPr id="14" name="Content Placeholder 8">
+            <a:extLst>
+              <a:ext uri="{FF2B5EF4-FFF2-40B4-BE49-F238E27FC236}">
+                <a16:creationId xmlns:a16="http://schemas.microsoft.com/office/drawing/2014/main" id="{8B50B277-F60C-4E92-96E4-AB9A129FF760}"/>
+              </a:ext>
+            </a:extLst>
+          </p:cNvPr>
+          <p:cNvSpPr txBox="1">
+            <a:spLocks/>
+          </p:cNvSpPr>
+          <p:nvPr/>
+        </p:nvSpPr>
+        <p:spPr>
+          <a:xfrm>
+            <a:off x="6096000" y="2645651"/>
+            <a:ext cx="5943599" cy="2926474"/>
+          </a:xfrm>
+          <a:prstGeom prst="rect">
+            <a:avLst/>
+          </a:prstGeom>
+        </p:spPr>
+        <p:txBody>
+          <a:bodyPr vert="horz" lIns="109728" tIns="109728" rIns="109728" bIns="91440" rtlCol="0">
+            <a:normAutofit/>
+          </a:bodyPr>
+          <a:lstStyle>
+            <a:lvl1pPr marL="0" indent="0" algn="l" defTabSz="914400" rtl="0" eaLnBrk="1" latinLnBrk="0" hangingPunct="1">
+              <a:lnSpc>
+                <a:spcPct val="140000"/>
+              </a:lnSpc>
+              <a:spcBef>
+                <a:spcPts val="930"/>
+              </a:spcBef>
+              <a:buFont typeface="Corbel" panose="020B0503020204020204" pitchFamily="34" charset="0"/>
+              <a:buNone/>
+              <a:defRPr sz="1800" b="0" kern="1200" spc="150" baseline="0">
+                <a:solidFill>
+                  <a:schemeClr val="tx1">
+                    <a:lumMod val="75000"/>
+                    <a:lumOff val="25000"/>
+                  </a:schemeClr>
+                </a:solidFill>
+                <a:latin typeface="+mn-lt"/>
+                <a:ea typeface="+mn-ea"/>
+                <a:cs typeface="+mn-cs"/>
+              </a:defRPr>
+            </a:lvl1pPr>
+            <a:lvl2pPr marL="0" indent="0" algn="l" defTabSz="914400" rtl="0" eaLnBrk="1" latinLnBrk="0" hangingPunct="1">
+              <a:lnSpc>
+                <a:spcPct val="140000"/>
+              </a:lnSpc>
+              <a:spcBef>
+                <a:spcPts val="930"/>
+              </a:spcBef>
+              <a:buFont typeface="Corbel" panose="020B0503020204020204" pitchFamily="34" charset="0"/>
+              <a:buNone/>
+              <a:defRPr sz="1600" kern="1200" spc="150" baseline="0">
+                <a:solidFill>
+                  <a:schemeClr val="tx1">
+                    <a:lumMod val="75000"/>
+                    <a:lumOff val="25000"/>
+                  </a:schemeClr>
+                </a:solidFill>
+                <a:latin typeface="+mn-lt"/>
+                <a:ea typeface="+mn-ea"/>
+                <a:cs typeface="+mn-cs"/>
+              </a:defRPr>
+            </a:lvl2pPr>
+            <a:lvl3pPr marL="0" indent="-320040" algn="l" defTabSz="914400" rtl="0" eaLnBrk="1" latinLnBrk="0" hangingPunct="1">
+              <a:lnSpc>
+                <a:spcPct val="140000"/>
+              </a:lnSpc>
+              <a:spcBef>
+                <a:spcPts val="930"/>
+              </a:spcBef>
+              <a:buFont typeface="Corbel" panose="020B0503020204020204" pitchFamily="34" charset="0"/>
+              <a:buChar char="–"/>
+              <a:defRPr sz="1400" i="1" kern="1200" spc="150" baseline="0">
+                <a:solidFill>
+                  <a:schemeClr val="tx1">
+                    <a:lumMod val="75000"/>
+                    <a:lumOff val="25000"/>
+                  </a:schemeClr>
+                </a:solidFill>
+                <a:latin typeface="+mn-lt"/>
+                <a:ea typeface="+mn-ea"/>
+                <a:cs typeface="+mn-cs"/>
+              </a:defRPr>
+            </a:lvl3pPr>
+            <a:lvl4pPr marL="0" indent="-320040" algn="l" defTabSz="914400" rtl="0" eaLnBrk="1" latinLnBrk="0" hangingPunct="1">
+              <a:lnSpc>
+                <a:spcPct val="140000"/>
+              </a:lnSpc>
+              <a:spcBef>
+                <a:spcPts val="930"/>
+              </a:spcBef>
+              <a:buFont typeface="Corbel" panose="020B0503020204020204" pitchFamily="34" charset="0"/>
+              <a:buChar char="–"/>
+              <a:defRPr sz="1400" kern="1200" spc="150" baseline="0">
+                <a:solidFill>
+                  <a:schemeClr val="tx1">
+                    <a:lumMod val="75000"/>
+                    <a:lumOff val="25000"/>
+                  </a:schemeClr>
+                </a:solidFill>
+                <a:latin typeface="+mn-lt"/>
+                <a:ea typeface="+mn-ea"/>
+                <a:cs typeface="+mn-cs"/>
+              </a:defRPr>
+            </a:lvl4pPr>
+            <a:lvl5pPr marL="0" indent="-320040" algn="l" defTabSz="914400" rtl="0" eaLnBrk="1" latinLnBrk="0" hangingPunct="1">
+              <a:lnSpc>
+                <a:spcPct val="140000"/>
+              </a:lnSpc>
+              <a:spcBef>
+                <a:spcPts val="930"/>
+              </a:spcBef>
+              <a:buFont typeface="Corbel" panose="020B0503020204020204" pitchFamily="34" charset="0"/>
+              <a:buChar char="–"/>
+              <a:defRPr sz="1400" i="1" kern="1200" spc="150" baseline="0">
+                <a:solidFill>
+                  <a:schemeClr val="tx1">
+                    <a:lumMod val="75000"/>
+                    <a:lumOff val="25000"/>
+                  </a:schemeClr>
+                </a:solidFill>
+                <a:latin typeface="+mn-lt"/>
+                <a:ea typeface="+mn-ea"/>
+                <a:cs typeface="+mn-cs"/>
+              </a:defRPr>
+            </a:lvl5pPr>
+            <a:lvl6pPr marL="1920240" indent="-320040" algn="l" defTabSz="914400" rtl="0" eaLnBrk="1" latinLnBrk="0" hangingPunct="1">
+              <a:lnSpc>
+                <a:spcPct val="111000"/>
+              </a:lnSpc>
+              <a:spcBef>
+                <a:spcPts val="930"/>
+              </a:spcBef>
+              <a:buFont typeface="Corbel" panose="020B0503020204020204" pitchFamily="34" charset="0"/>
+              <a:buChar char="–"/>
+              <a:defRPr sz="1400" kern="1200">
+                <a:solidFill>
+                  <a:schemeClr val="accent1">
+                    <a:lumMod val="75000"/>
+                  </a:schemeClr>
+                </a:solidFill>
+                <a:latin typeface="+mn-lt"/>
+                <a:ea typeface="+mn-ea"/>
+                <a:cs typeface="+mn-cs"/>
+              </a:defRPr>
+            </a:lvl6pPr>
+            <a:lvl7pPr marL="2240280" indent="-320040" algn="l" defTabSz="914400" rtl="0" eaLnBrk="1" latinLnBrk="0" hangingPunct="1">
+              <a:lnSpc>
+                <a:spcPct val="111000"/>
+              </a:lnSpc>
+              <a:spcBef>
+                <a:spcPts val="930"/>
+              </a:spcBef>
+              <a:buFont typeface="Corbel" panose="020B0503020204020204" pitchFamily="34" charset="0"/>
+              <a:buChar char="–"/>
+              <a:defRPr sz="1400" i="1" kern="1200">
+                <a:solidFill>
+                  <a:schemeClr val="accent1">
+                    <a:lumMod val="75000"/>
+                  </a:schemeClr>
+                </a:solidFill>
+                <a:latin typeface="+mn-lt"/>
+                <a:ea typeface="+mn-ea"/>
+                <a:cs typeface="+mn-cs"/>
+              </a:defRPr>
+            </a:lvl7pPr>
+            <a:lvl8pPr marL="2560320" indent="-320040" algn="l" defTabSz="914400" rtl="0" eaLnBrk="1" latinLnBrk="0" hangingPunct="1">
+              <a:lnSpc>
+                <a:spcPct val="111000"/>
+              </a:lnSpc>
+              <a:spcBef>
+                <a:spcPts val="930"/>
+              </a:spcBef>
+              <a:buFont typeface="Corbel" panose="020B0503020204020204" pitchFamily="34" charset="0"/>
+              <a:buChar char="–"/>
+              <a:defRPr sz="1400" kern="1200">
+                <a:solidFill>
+                  <a:schemeClr val="accent1">
+                    <a:lumMod val="75000"/>
+                  </a:schemeClr>
+                </a:solidFill>
+                <a:latin typeface="+mn-lt"/>
+                <a:ea typeface="+mn-ea"/>
+                <a:cs typeface="+mn-cs"/>
+              </a:defRPr>
+            </a:lvl8pPr>
+            <a:lvl9pPr marL="2880360" indent="-320040" algn="l" defTabSz="914400" rtl="0" eaLnBrk="1" latinLnBrk="0" hangingPunct="1">
+              <a:lnSpc>
+                <a:spcPct val="111000"/>
+              </a:lnSpc>
+              <a:spcBef>
+                <a:spcPts val="930"/>
+              </a:spcBef>
+              <a:buFont typeface="Corbel" panose="020B0503020204020204" pitchFamily="34" charset="0"/>
+              <a:buChar char="–"/>
+              <a:defRPr sz="1400" i="1" kern="1200">
+                <a:solidFill>
+                  <a:schemeClr val="accent1">
+                    <a:lumMod val="75000"/>
+                  </a:schemeClr>
+                </a:solidFill>
+                <a:latin typeface="+mn-lt"/>
+                <a:ea typeface="+mn-ea"/>
+                <a:cs typeface="+mn-cs"/>
+              </a:defRPr>
+            </a:lvl9pPr>
+          </a:lstStyle>
+          <a:p>
+            <a:pPr>
+              <a:spcBef>
+                <a:spcPts val="0"/>
+              </a:spcBef>
+            </a:pPr>
+            <a:r>
+              <a:rPr lang="en-US" sz="1100" dirty="0"/>
+              <a:t>create trigger </a:t>
+            </a:r>
+            <a:r>
+              <a:rPr lang="en-US" sz="1100" dirty="0" err="1"/>
+              <a:t>statistical_questions</a:t>
+            </a:r>
+            <a:endParaRPr lang="en-US" sz="1100" dirty="0"/>
+          </a:p>
+          <a:p>
+            <a:pPr>
+              <a:spcBef>
+                <a:spcPts val="0"/>
+              </a:spcBef>
+            </a:pPr>
+            <a:r>
+              <a:rPr lang="en-US" sz="1100" dirty="0"/>
+              <a:t>    after insert</a:t>
+            </a:r>
+          </a:p>
+          <a:p>
+            <a:pPr>
+              <a:spcBef>
+                <a:spcPts val="0"/>
+              </a:spcBef>
+            </a:pPr>
+            <a:r>
+              <a:rPr lang="en-US" sz="1100" dirty="0"/>
+              <a:t>    on product</a:t>
+            </a:r>
+          </a:p>
+          <a:p>
+            <a:pPr>
+              <a:spcBef>
+                <a:spcPts val="0"/>
+              </a:spcBef>
+            </a:pPr>
+            <a:r>
+              <a:rPr lang="en-US" sz="1100" dirty="0"/>
+              <a:t>    for each row</a:t>
+            </a:r>
+          </a:p>
+          <a:p>
+            <a:pPr>
+              <a:spcBef>
+                <a:spcPts val="0"/>
+              </a:spcBef>
+            </a:pPr>
+            <a:r>
+              <a:rPr lang="en-US" sz="1100" dirty="0"/>
+              <a:t>begin</a:t>
+            </a:r>
+          </a:p>
+          <a:p>
+            <a:pPr>
+              <a:spcBef>
+                <a:spcPts val="0"/>
+              </a:spcBef>
+            </a:pPr>
+            <a:r>
+              <a:rPr lang="en-US" sz="1100" dirty="0"/>
+              <a:t>    insert into questionnaire</a:t>
+            </a:r>
+          </a:p>
+          <a:p>
+            <a:pPr>
+              <a:spcBef>
+                <a:spcPts val="0"/>
+              </a:spcBef>
+            </a:pPr>
+            <a:r>
+              <a:rPr lang="en-US" sz="1100" dirty="0"/>
+              <a:t>    select </a:t>
+            </a:r>
+            <a:r>
+              <a:rPr lang="en-US" sz="1100" dirty="0" err="1"/>
+              <a:t>NEW.id_product</a:t>
+            </a:r>
+            <a:r>
+              <a:rPr lang="en-US" sz="1100" dirty="0"/>
+              <a:t>, </a:t>
+            </a:r>
+            <a:r>
+              <a:rPr lang="en-US" sz="1100" dirty="0" err="1"/>
+              <a:t>id_question</a:t>
+            </a:r>
+            <a:endParaRPr lang="en-US" sz="1100" dirty="0"/>
+          </a:p>
+          <a:p>
+            <a:pPr>
+              <a:spcBef>
+                <a:spcPts val="0"/>
+              </a:spcBef>
+            </a:pPr>
+            <a:r>
+              <a:rPr lang="en-US" sz="1100" dirty="0"/>
+              <a:t>    from question where points = 2;</a:t>
+            </a:r>
+          </a:p>
+          <a:p>
+            <a:pPr>
+              <a:spcBef>
+                <a:spcPts val="0"/>
+              </a:spcBef>
+            </a:pPr>
+            <a:r>
+              <a:rPr lang="en-US" sz="1100" dirty="0"/>
+              <a:t>end;</a:t>
+            </a:r>
+          </a:p>
+        </p:txBody>
+      </p:sp>
+    </p:spTree>
+    <p:extLst>
+      <p:ext uri="{BB962C8B-B14F-4D97-AF65-F5344CB8AC3E}">
+        <p14:creationId xmlns:p14="http://schemas.microsoft.com/office/powerpoint/2010/main" val="3415009923"/>
+      </p:ext>
+    </p:extLst>
+  </p:cSld>
+  <p:clrMapOvr>
+    <a:masterClrMapping/>
+  </p:clrMapOvr>
+</p:sld>
+</file>
+
+<file path=ppt/slides/slide11.xml><?xml version="1.0" encoding="utf-8"?>
+<p:sld xmlns:a="http://schemas.openxmlformats.org/drawingml/2006/main" xmlns:r="http://schemas.openxmlformats.org/officeDocument/2006/relationships" xmlns:p="http://schemas.openxmlformats.org/presentationml/2006/main">
+  <p:cSld>
+    <p:spTree>
+      <p:nvGrpSpPr>
+        <p:cNvPr id="1" name=""/>
+        <p:cNvGrpSpPr/>
+        <p:nvPr/>
+      </p:nvGrpSpPr>
+      <p:grpSpPr>
+        <a:xfrm>
+          <a:off x="0" y="0"/>
+          <a:ext cx="0" cy="0"/>
+          <a:chOff x="0" y="0"/>
+          <a:chExt cx="0" cy="0"/>
+        </a:xfrm>
+      </p:grpSpPr>
+      <p:sp>
+        <p:nvSpPr>
+          <p:cNvPr id="9" name="Content Placeholder 8">
+            <a:extLst>
+              <a:ext uri="{FF2B5EF4-FFF2-40B4-BE49-F238E27FC236}">
+                <a16:creationId xmlns:a16="http://schemas.microsoft.com/office/drawing/2014/main" id="{81C523DF-8F28-4498-AA49-41FC1F8C2C76}"/>
+              </a:ext>
+            </a:extLst>
+          </p:cNvPr>
+          <p:cNvSpPr>
+            <a:spLocks noGrp="1"/>
+          </p:cNvSpPr>
+          <p:nvPr>
+            <p:ph idx="1"/>
+          </p:nvPr>
+        </p:nvSpPr>
+        <p:spPr>
+          <a:xfrm>
+            <a:off x="1663040" y="2557627"/>
+            <a:ext cx="4432960" cy="3651504"/>
+          </a:xfrm>
+        </p:spPr>
+        <p:txBody>
+          <a:bodyPr>
+            <a:normAutofit/>
+          </a:bodyPr>
+          <a:lstStyle/>
+          <a:p>
+            <a:pPr>
+              <a:spcBef>
+                <a:spcPts val="0"/>
+              </a:spcBef>
+            </a:pPr>
+            <a:r>
+              <a:rPr lang="en-US" sz="1200" dirty="0"/>
+              <a:t>create table question</a:t>
+            </a:r>
+          </a:p>
+          <a:p>
+            <a:pPr>
+              <a:spcBef>
+                <a:spcPts val="0"/>
+              </a:spcBef>
+            </a:pPr>
+            <a:r>
+              <a:rPr lang="en-US" sz="1200" dirty="0"/>
+              <a:t>(</a:t>
+            </a:r>
+          </a:p>
+          <a:p>
+            <a:pPr>
+              <a:spcBef>
+                <a:spcPts val="0"/>
+              </a:spcBef>
+            </a:pPr>
+            <a:r>
+              <a:rPr lang="en-US" sz="1200" dirty="0"/>
+              <a:t>    </a:t>
+            </a:r>
+            <a:r>
+              <a:rPr lang="en-US" sz="1200" dirty="0" err="1"/>
+              <a:t>id_question</a:t>
+            </a:r>
+            <a:r>
+              <a:rPr lang="en-US" sz="1200" dirty="0"/>
+              <a:t>   int </a:t>
+            </a:r>
+            <a:r>
+              <a:rPr lang="en-US" sz="1200" dirty="0" err="1"/>
+              <a:t>auto_increment</a:t>
+            </a:r>
+            <a:endParaRPr lang="en-US" sz="1200" dirty="0"/>
+          </a:p>
+          <a:p>
+            <a:pPr>
+              <a:spcBef>
+                <a:spcPts val="0"/>
+              </a:spcBef>
+            </a:pPr>
+            <a:r>
+              <a:rPr lang="en-US" sz="1200" dirty="0"/>
+              <a:t>        primary key,</a:t>
+            </a:r>
+          </a:p>
+          <a:p>
+            <a:pPr>
+              <a:spcBef>
+                <a:spcPts val="0"/>
+              </a:spcBef>
+            </a:pPr>
+            <a:r>
+              <a:rPr lang="en-US" sz="1200" dirty="0"/>
+              <a:t>    </a:t>
+            </a:r>
+            <a:r>
+              <a:rPr lang="en-US" sz="1200" dirty="0" err="1"/>
+              <a:t>question_text</a:t>
+            </a:r>
+            <a:r>
+              <a:rPr lang="en-US" sz="1200" dirty="0"/>
+              <a:t> varchar(255) not null,</a:t>
+            </a:r>
+          </a:p>
+          <a:p>
+            <a:pPr>
+              <a:spcBef>
+                <a:spcPts val="0"/>
+              </a:spcBef>
+            </a:pPr>
+            <a:r>
+              <a:rPr lang="en-US" sz="1200" dirty="0"/>
+              <a:t>    points        int          not null,</a:t>
+            </a:r>
+          </a:p>
+          <a:p>
+            <a:pPr>
+              <a:spcBef>
+                <a:spcPts val="0"/>
+              </a:spcBef>
+            </a:pPr>
+            <a:r>
+              <a:rPr lang="en-US" sz="1200" dirty="0"/>
+              <a:t>    constraint </a:t>
+            </a:r>
+            <a:r>
+              <a:rPr lang="en-US" sz="1200" dirty="0" err="1"/>
+              <a:t>question_question_text_uindex</a:t>
+            </a:r>
+            <a:endParaRPr lang="en-US" sz="1200" dirty="0"/>
+          </a:p>
+          <a:p>
+            <a:pPr>
+              <a:spcBef>
+                <a:spcPts val="0"/>
+              </a:spcBef>
+            </a:pPr>
+            <a:r>
+              <a:rPr lang="en-US" sz="1200" dirty="0"/>
+              <a:t>        unique (</a:t>
+            </a:r>
+            <a:r>
+              <a:rPr lang="en-US" sz="1200" dirty="0" err="1"/>
+              <a:t>question_text</a:t>
+            </a:r>
+            <a:r>
+              <a:rPr lang="en-US" sz="1200" dirty="0"/>
+              <a:t>)</a:t>
+            </a:r>
+          </a:p>
+          <a:p>
+            <a:pPr>
+              <a:spcBef>
+                <a:spcPts val="0"/>
+              </a:spcBef>
+            </a:pPr>
+            <a:r>
+              <a:rPr lang="en-US" sz="1200" dirty="0"/>
+              <a:t>);</a:t>
+            </a:r>
+          </a:p>
+        </p:txBody>
+      </p:sp>
+      <p:sp>
+        <p:nvSpPr>
+          <p:cNvPr id="11" name="Title 10">
+            <a:extLst>
+              <a:ext uri="{FF2B5EF4-FFF2-40B4-BE49-F238E27FC236}">
+                <a16:creationId xmlns:a16="http://schemas.microsoft.com/office/drawing/2014/main" id="{9CAC76C9-87A5-4F81-9454-24A6D2837827}"/>
+              </a:ext>
+            </a:extLst>
+          </p:cNvPr>
+          <p:cNvSpPr>
+            <a:spLocks noGrp="1"/>
+          </p:cNvSpPr>
+          <p:nvPr>
+            <p:ph type="title"/>
+          </p:nvPr>
+        </p:nvSpPr>
+        <p:spPr/>
+        <p:txBody>
+          <a:bodyPr/>
+          <a:lstStyle/>
+          <a:p>
+            <a:r>
+              <a:rPr lang="en-US" dirty="0"/>
+              <a:t>SQL DDL - Tables</a:t>
+            </a:r>
+          </a:p>
+        </p:txBody>
+      </p:sp>
+      <p:sp>
+        <p:nvSpPr>
+          <p:cNvPr id="5" name="Content Placeholder 8">
+            <a:extLst>
+              <a:ext uri="{FF2B5EF4-FFF2-40B4-BE49-F238E27FC236}">
+                <a16:creationId xmlns:a16="http://schemas.microsoft.com/office/drawing/2014/main" id="{71B2F637-8A4B-4B36-BAB0-18CEB50AB0FE}"/>
+              </a:ext>
+            </a:extLst>
+          </p:cNvPr>
+          <p:cNvSpPr txBox="1">
+            <a:spLocks/>
+          </p:cNvSpPr>
+          <p:nvPr/>
+        </p:nvSpPr>
+        <p:spPr>
+          <a:xfrm>
+            <a:off x="6305525" y="2557627"/>
+            <a:ext cx="5172100" cy="3651504"/>
+          </a:xfrm>
+          <a:prstGeom prst="rect">
+            <a:avLst/>
+          </a:prstGeom>
+        </p:spPr>
+        <p:txBody>
+          <a:bodyPr vert="horz" lIns="109728" tIns="109728" rIns="109728" bIns="91440" rtlCol="0">
+            <a:normAutofit lnSpcReduction="10000"/>
+          </a:bodyPr>
+          <a:lstStyle>
+            <a:lvl1pPr marL="0" indent="0" algn="l" defTabSz="914400" rtl="0" eaLnBrk="1" latinLnBrk="0" hangingPunct="1">
+              <a:lnSpc>
+                <a:spcPct val="140000"/>
+              </a:lnSpc>
+              <a:spcBef>
+                <a:spcPts val="930"/>
+              </a:spcBef>
+              <a:buFont typeface="Corbel" panose="020B0503020204020204" pitchFamily="34" charset="0"/>
+              <a:buNone/>
+              <a:defRPr sz="1800" b="0" kern="1200" spc="150" baseline="0">
+                <a:solidFill>
+                  <a:schemeClr val="tx1">
+                    <a:lumMod val="75000"/>
+                    <a:lumOff val="25000"/>
+                  </a:schemeClr>
+                </a:solidFill>
+                <a:latin typeface="+mn-lt"/>
+                <a:ea typeface="+mn-ea"/>
+                <a:cs typeface="+mn-cs"/>
+              </a:defRPr>
+            </a:lvl1pPr>
+            <a:lvl2pPr marL="0" indent="0" algn="l" defTabSz="914400" rtl="0" eaLnBrk="1" latinLnBrk="0" hangingPunct="1">
+              <a:lnSpc>
+                <a:spcPct val="140000"/>
+              </a:lnSpc>
+              <a:spcBef>
+                <a:spcPts val="930"/>
+              </a:spcBef>
+              <a:buFont typeface="Corbel" panose="020B0503020204020204" pitchFamily="34" charset="0"/>
+              <a:buNone/>
+              <a:defRPr sz="1600" kern="1200" spc="150" baseline="0">
+                <a:solidFill>
+                  <a:schemeClr val="tx1">
+                    <a:lumMod val="75000"/>
+                    <a:lumOff val="25000"/>
+                  </a:schemeClr>
+                </a:solidFill>
+                <a:latin typeface="+mn-lt"/>
+                <a:ea typeface="+mn-ea"/>
+                <a:cs typeface="+mn-cs"/>
+              </a:defRPr>
+            </a:lvl2pPr>
+            <a:lvl3pPr marL="0" indent="-320040" algn="l" defTabSz="914400" rtl="0" eaLnBrk="1" latinLnBrk="0" hangingPunct="1">
+              <a:lnSpc>
+                <a:spcPct val="140000"/>
+              </a:lnSpc>
+              <a:spcBef>
+                <a:spcPts val="930"/>
+              </a:spcBef>
+              <a:buFont typeface="Corbel" panose="020B0503020204020204" pitchFamily="34" charset="0"/>
+              <a:buChar char="–"/>
+              <a:defRPr sz="1400" i="1" kern="1200" spc="150" baseline="0">
+                <a:solidFill>
+                  <a:schemeClr val="tx1">
+                    <a:lumMod val="75000"/>
+                    <a:lumOff val="25000"/>
+                  </a:schemeClr>
+                </a:solidFill>
+                <a:latin typeface="+mn-lt"/>
+                <a:ea typeface="+mn-ea"/>
+                <a:cs typeface="+mn-cs"/>
+              </a:defRPr>
+            </a:lvl3pPr>
+            <a:lvl4pPr marL="0" indent="-320040" algn="l" defTabSz="914400" rtl="0" eaLnBrk="1" latinLnBrk="0" hangingPunct="1">
+              <a:lnSpc>
+                <a:spcPct val="140000"/>
+              </a:lnSpc>
+              <a:spcBef>
+                <a:spcPts val="930"/>
+              </a:spcBef>
+              <a:buFont typeface="Corbel" panose="020B0503020204020204" pitchFamily="34" charset="0"/>
+              <a:buChar char="–"/>
+              <a:defRPr sz="1400" kern="1200" spc="150" baseline="0">
+                <a:solidFill>
+                  <a:schemeClr val="tx1">
+                    <a:lumMod val="75000"/>
+                    <a:lumOff val="25000"/>
+                  </a:schemeClr>
+                </a:solidFill>
+                <a:latin typeface="+mn-lt"/>
+                <a:ea typeface="+mn-ea"/>
+                <a:cs typeface="+mn-cs"/>
+              </a:defRPr>
+            </a:lvl4pPr>
+            <a:lvl5pPr marL="0" indent="-320040" algn="l" defTabSz="914400" rtl="0" eaLnBrk="1" latinLnBrk="0" hangingPunct="1">
+              <a:lnSpc>
+                <a:spcPct val="140000"/>
+              </a:lnSpc>
+              <a:spcBef>
+                <a:spcPts val="930"/>
+              </a:spcBef>
+              <a:buFont typeface="Corbel" panose="020B0503020204020204" pitchFamily="34" charset="0"/>
+              <a:buChar char="–"/>
+              <a:defRPr sz="1400" i="1" kern="1200" spc="150" baseline="0">
+                <a:solidFill>
+                  <a:schemeClr val="tx1">
+                    <a:lumMod val="75000"/>
+                    <a:lumOff val="25000"/>
+                  </a:schemeClr>
+                </a:solidFill>
+                <a:latin typeface="+mn-lt"/>
+                <a:ea typeface="+mn-ea"/>
+                <a:cs typeface="+mn-cs"/>
+              </a:defRPr>
+            </a:lvl5pPr>
+            <a:lvl6pPr marL="1920240" indent="-320040" algn="l" defTabSz="914400" rtl="0" eaLnBrk="1" latinLnBrk="0" hangingPunct="1">
+              <a:lnSpc>
+                <a:spcPct val="111000"/>
+              </a:lnSpc>
+              <a:spcBef>
+                <a:spcPts val="930"/>
+              </a:spcBef>
+              <a:buFont typeface="Corbel" panose="020B0503020204020204" pitchFamily="34" charset="0"/>
+              <a:buChar char="–"/>
+              <a:defRPr sz="1400" kern="1200">
+                <a:solidFill>
+                  <a:schemeClr val="accent1">
+                    <a:lumMod val="75000"/>
+                  </a:schemeClr>
+                </a:solidFill>
+                <a:latin typeface="+mn-lt"/>
+                <a:ea typeface="+mn-ea"/>
+                <a:cs typeface="+mn-cs"/>
+              </a:defRPr>
+            </a:lvl6pPr>
+            <a:lvl7pPr marL="2240280" indent="-320040" algn="l" defTabSz="914400" rtl="0" eaLnBrk="1" latinLnBrk="0" hangingPunct="1">
+              <a:lnSpc>
+                <a:spcPct val="111000"/>
+              </a:lnSpc>
+              <a:spcBef>
+                <a:spcPts val="930"/>
+              </a:spcBef>
+              <a:buFont typeface="Corbel" panose="020B0503020204020204" pitchFamily="34" charset="0"/>
+              <a:buChar char="–"/>
+              <a:defRPr sz="1400" i="1" kern="1200">
+                <a:solidFill>
+                  <a:schemeClr val="accent1">
+                    <a:lumMod val="75000"/>
+                  </a:schemeClr>
+                </a:solidFill>
+                <a:latin typeface="+mn-lt"/>
+                <a:ea typeface="+mn-ea"/>
+                <a:cs typeface="+mn-cs"/>
+              </a:defRPr>
+            </a:lvl7pPr>
+            <a:lvl8pPr marL="2560320" indent="-320040" algn="l" defTabSz="914400" rtl="0" eaLnBrk="1" latinLnBrk="0" hangingPunct="1">
+              <a:lnSpc>
+                <a:spcPct val="111000"/>
+              </a:lnSpc>
+              <a:spcBef>
+                <a:spcPts val="930"/>
+              </a:spcBef>
+              <a:buFont typeface="Corbel" panose="020B0503020204020204" pitchFamily="34" charset="0"/>
+              <a:buChar char="–"/>
+              <a:defRPr sz="1400" kern="1200">
+                <a:solidFill>
+                  <a:schemeClr val="accent1">
+                    <a:lumMod val="75000"/>
+                  </a:schemeClr>
+                </a:solidFill>
+                <a:latin typeface="+mn-lt"/>
+                <a:ea typeface="+mn-ea"/>
+                <a:cs typeface="+mn-cs"/>
+              </a:defRPr>
+            </a:lvl8pPr>
+            <a:lvl9pPr marL="2880360" indent="-320040" algn="l" defTabSz="914400" rtl="0" eaLnBrk="1" latinLnBrk="0" hangingPunct="1">
+              <a:lnSpc>
+                <a:spcPct val="111000"/>
+              </a:lnSpc>
+              <a:spcBef>
+                <a:spcPts val="930"/>
+              </a:spcBef>
+              <a:buFont typeface="Corbel" panose="020B0503020204020204" pitchFamily="34" charset="0"/>
+              <a:buChar char="–"/>
+              <a:defRPr sz="1400" i="1" kern="1200">
+                <a:solidFill>
+                  <a:schemeClr val="accent1">
+                    <a:lumMod val="75000"/>
+                  </a:schemeClr>
+                </a:solidFill>
+                <a:latin typeface="+mn-lt"/>
+                <a:ea typeface="+mn-ea"/>
+                <a:cs typeface="+mn-cs"/>
+              </a:defRPr>
+            </a:lvl9pPr>
+          </a:lstStyle>
+          <a:p>
+            <a:pPr>
+              <a:spcBef>
+                <a:spcPts val="0"/>
+              </a:spcBef>
+            </a:pPr>
+            <a:r>
+              <a:rPr lang="en-US" sz="1200" dirty="0"/>
+              <a:t>create table questionnaire</a:t>
+            </a:r>
+          </a:p>
+          <a:p>
+            <a:pPr>
+              <a:spcBef>
+                <a:spcPts val="0"/>
+              </a:spcBef>
+            </a:pPr>
+            <a:r>
+              <a:rPr lang="en-US" sz="1200" dirty="0"/>
+              <a:t>(</a:t>
+            </a:r>
+          </a:p>
+          <a:p>
+            <a:pPr>
+              <a:spcBef>
+                <a:spcPts val="0"/>
+              </a:spcBef>
+            </a:pPr>
+            <a:r>
+              <a:rPr lang="en-US" sz="1200" dirty="0"/>
+              <a:t>    </a:t>
+            </a:r>
+            <a:r>
+              <a:rPr lang="en-US" sz="1200" dirty="0" err="1"/>
+              <a:t>id_product</a:t>
+            </a:r>
+            <a:r>
+              <a:rPr lang="en-US" sz="1200" dirty="0"/>
+              <a:t>  int not null,</a:t>
+            </a:r>
+          </a:p>
+          <a:p>
+            <a:pPr>
+              <a:spcBef>
+                <a:spcPts val="0"/>
+              </a:spcBef>
+            </a:pPr>
+            <a:r>
+              <a:rPr lang="en-US" sz="1200" dirty="0"/>
+              <a:t>    </a:t>
+            </a:r>
+            <a:r>
+              <a:rPr lang="en-US" sz="1200" dirty="0" err="1"/>
+              <a:t>id_question</a:t>
+            </a:r>
+            <a:r>
+              <a:rPr lang="en-US" sz="1200" dirty="0"/>
+              <a:t> int not null,</a:t>
+            </a:r>
+          </a:p>
+          <a:p>
+            <a:pPr>
+              <a:spcBef>
+                <a:spcPts val="0"/>
+              </a:spcBef>
+            </a:pPr>
+            <a:r>
+              <a:rPr lang="en-US" sz="1200" dirty="0"/>
+              <a:t>    primary key (</a:t>
+            </a:r>
+            <a:r>
+              <a:rPr lang="en-US" sz="1200" dirty="0" err="1"/>
+              <a:t>id_product</a:t>
+            </a:r>
+            <a:r>
+              <a:rPr lang="en-US" sz="1200" dirty="0"/>
+              <a:t>, </a:t>
+            </a:r>
+            <a:r>
+              <a:rPr lang="en-US" sz="1200" dirty="0" err="1"/>
+              <a:t>id_question</a:t>
+            </a:r>
+            <a:r>
+              <a:rPr lang="en-US" sz="1200" dirty="0"/>
+              <a:t>),</a:t>
+            </a:r>
+          </a:p>
+          <a:p>
+            <a:pPr>
+              <a:spcBef>
+                <a:spcPts val="0"/>
+              </a:spcBef>
+            </a:pPr>
+            <a:r>
+              <a:rPr lang="en-US" sz="1200" dirty="0"/>
+              <a:t>    constraint </a:t>
+            </a:r>
+            <a:r>
+              <a:rPr lang="en-US" sz="1200" dirty="0" err="1"/>
+              <a:t>questionnaire_product_id_product_fk</a:t>
+            </a:r>
+            <a:endParaRPr lang="en-US" sz="1200" dirty="0"/>
+          </a:p>
+          <a:p>
+            <a:pPr>
+              <a:spcBef>
+                <a:spcPts val="0"/>
+              </a:spcBef>
+            </a:pPr>
+            <a:r>
+              <a:rPr lang="en-US" sz="1200" dirty="0"/>
+              <a:t>        foreign key (</a:t>
+            </a:r>
+            <a:r>
+              <a:rPr lang="en-US" sz="1200" dirty="0" err="1"/>
+              <a:t>id_product</a:t>
+            </a:r>
+            <a:r>
+              <a:rPr lang="en-US" sz="1200" dirty="0"/>
+              <a:t>) references product (</a:t>
+            </a:r>
+            <a:r>
+              <a:rPr lang="en-US" sz="1200" dirty="0" err="1"/>
+              <a:t>id_product</a:t>
+            </a:r>
+            <a:r>
+              <a:rPr lang="en-US" sz="1200" dirty="0"/>
+              <a:t>)</a:t>
+            </a:r>
+          </a:p>
+          <a:p>
+            <a:pPr>
+              <a:spcBef>
+                <a:spcPts val="0"/>
+              </a:spcBef>
+            </a:pPr>
+            <a:r>
+              <a:rPr lang="en-US" sz="1200" dirty="0"/>
+              <a:t>            on update cascade on delete cascade,</a:t>
+            </a:r>
+          </a:p>
+          <a:p>
+            <a:pPr>
+              <a:spcBef>
+                <a:spcPts val="0"/>
+              </a:spcBef>
+            </a:pPr>
+            <a:r>
+              <a:rPr lang="en-US" sz="1200" dirty="0"/>
+              <a:t>    constraint </a:t>
+            </a:r>
+            <a:r>
+              <a:rPr lang="en-US" sz="1200" dirty="0" err="1"/>
+              <a:t>questionnaire_question_id_question_fk</a:t>
+            </a:r>
+            <a:endParaRPr lang="en-US" sz="1200" dirty="0"/>
+          </a:p>
+          <a:p>
+            <a:pPr>
+              <a:spcBef>
+                <a:spcPts val="0"/>
+              </a:spcBef>
+            </a:pPr>
+            <a:r>
+              <a:rPr lang="en-US" sz="1200" dirty="0"/>
+              <a:t>        foreign key (</a:t>
+            </a:r>
+            <a:r>
+              <a:rPr lang="en-US" sz="1200" dirty="0" err="1"/>
+              <a:t>id_question</a:t>
+            </a:r>
+            <a:r>
+              <a:rPr lang="en-US" sz="1200" dirty="0"/>
+              <a:t>) references question (</a:t>
+            </a:r>
+            <a:r>
+              <a:rPr lang="en-US" sz="1200" dirty="0" err="1"/>
+              <a:t>id_question</a:t>
+            </a:r>
+            <a:r>
+              <a:rPr lang="en-US" sz="1200" dirty="0"/>
+              <a:t>)</a:t>
+            </a:r>
+          </a:p>
+          <a:p>
+            <a:pPr>
+              <a:spcBef>
+                <a:spcPts val="0"/>
+              </a:spcBef>
+            </a:pPr>
+            <a:r>
+              <a:rPr lang="en-US" sz="1200" dirty="0"/>
+              <a:t>            on update cascade on delete cascade</a:t>
+            </a:r>
+          </a:p>
+          <a:p>
+            <a:pPr>
+              <a:spcBef>
+                <a:spcPts val="0"/>
+              </a:spcBef>
+            </a:pPr>
+            <a:r>
+              <a:rPr lang="en-US" sz="1200" dirty="0"/>
+              <a:t>);</a:t>
+            </a:r>
+          </a:p>
+        </p:txBody>
+      </p:sp>
+    </p:spTree>
+    <p:extLst>
+      <p:ext uri="{BB962C8B-B14F-4D97-AF65-F5344CB8AC3E}">
+        <p14:creationId xmlns:p14="http://schemas.microsoft.com/office/powerpoint/2010/main" val="1389112326"/>
+      </p:ext>
+    </p:extLst>
+  </p:cSld>
+  <p:clrMapOvr>
+    <a:masterClrMapping/>
+  </p:clrMapOvr>
+</p:sld>
+</file>
+
+<file path=ppt/slides/slide12.xml><?xml version="1.0" encoding="utf-8"?>
+<p:sld xmlns:a="http://schemas.openxmlformats.org/drawingml/2006/main" xmlns:r="http://schemas.openxmlformats.org/officeDocument/2006/relationships" xmlns:p="http://schemas.openxmlformats.org/presentationml/2006/main">
+  <p:cSld>
+    <p:spTree>
+      <p:nvGrpSpPr>
+        <p:cNvPr id="1" name=""/>
+        <p:cNvGrpSpPr/>
+        <p:nvPr/>
+      </p:nvGrpSpPr>
+      <p:grpSpPr>
+        <a:xfrm>
+          <a:off x="0" y="0"/>
+          <a:ext cx="0" cy="0"/>
+          <a:chOff x="0" y="0"/>
+          <a:chExt cx="0" cy="0"/>
+        </a:xfrm>
+      </p:grpSpPr>
+      <p:sp>
+        <p:nvSpPr>
+          <p:cNvPr id="9" name="Content Placeholder 8">
+            <a:extLst>
+              <a:ext uri="{FF2B5EF4-FFF2-40B4-BE49-F238E27FC236}">
+                <a16:creationId xmlns:a16="http://schemas.microsoft.com/office/drawing/2014/main" id="{81C523DF-8F28-4498-AA49-41FC1F8C2C76}"/>
+              </a:ext>
+            </a:extLst>
+          </p:cNvPr>
+          <p:cNvSpPr>
+            <a:spLocks noGrp="1"/>
+          </p:cNvSpPr>
+          <p:nvPr>
+            <p:ph idx="1"/>
+          </p:nvPr>
+        </p:nvSpPr>
+        <p:spPr>
+          <a:xfrm>
             <a:off x="1112470" y="2378951"/>
             <a:ext cx="5193055" cy="3412249"/>
           </a:xfrm>
@@ -8415,7 +9632,7 @@
 </p:sld>
 </file>
 
-<file path=ppt/slides/slide11.xml><?xml version="1.0" encoding="utf-8"?>
+<file path=ppt/slides/slide13.xml><?xml version="1.0" encoding="utf-8"?>
 <p:sld xmlns:a="http://schemas.openxmlformats.org/drawingml/2006/main" xmlns:r="http://schemas.openxmlformats.org/officeDocument/2006/relationships" xmlns:p="http://schemas.openxmlformats.org/presentationml/2006/main">
   <p:cSld>
     <p:spTree>
@@ -9231,7 +10448,7 @@
 </p:sld>
 </file>
 
-<file path=ppt/slides/slide12.xml><?xml version="1.0" encoding="utf-8"?>
+<file path=ppt/slides/slide14.xml><?xml version="1.0" encoding="utf-8"?>
 <p:sld xmlns:a="http://schemas.openxmlformats.org/drawingml/2006/main" xmlns:r="http://schemas.openxmlformats.org/officeDocument/2006/relationships" xmlns:p="http://schemas.openxmlformats.org/presentationml/2006/main">
   <p:cSld>
     <p:spTree>
@@ -9704,7 +10921,7 @@
 </p:sld>
 </file>
 
-<file path=ppt/slides/slide13.xml><?xml version="1.0" encoding="utf-8"?>
+<file path=ppt/slides/slide15.xml><?xml version="1.0" encoding="utf-8"?>
 <p:sld xmlns:a="http://schemas.openxmlformats.org/drawingml/2006/main" xmlns:r="http://schemas.openxmlformats.org/officeDocument/2006/relationships" xmlns:p="http://schemas.openxmlformats.org/presentationml/2006/main">
   <p:cSld>
     <p:spTree>
@@ -10431,7 +11648,7 @@
 </p:sld>
 </file>
 
-<file path=ppt/slides/slide14.xml><?xml version="1.0" encoding="utf-8"?>
+<file path=ppt/slides/slide16.xml><?xml version="1.0" encoding="utf-8"?>
 <p:sld xmlns:a="http://schemas.openxmlformats.org/drawingml/2006/main" xmlns:r="http://schemas.openxmlformats.org/officeDocument/2006/relationships" xmlns:p="http://schemas.openxmlformats.org/presentationml/2006/main">
   <p:cSld>
     <p:spTree>
@@ -11309,7 +12526,7 @@
 </p:sld>
 </file>
 
-<file path=ppt/slides/slide15.xml><?xml version="1.0" encoding="utf-8"?>
+<file path=ppt/slides/slide17.xml><?xml version="1.0" encoding="utf-8"?>
 <p:sld xmlns:a="http://schemas.openxmlformats.org/drawingml/2006/main" xmlns:r="http://schemas.openxmlformats.org/officeDocument/2006/relationships" xmlns:p="http://schemas.openxmlformats.org/presentationml/2006/main">
   <p:cSld>
     <p:spTree>
@@ -11349,17 +12566,926 @@
           <a:p>
             <a:r>
               <a:rPr lang="en-US" dirty="0"/>
-              <a:t>Relationships</a:t>
+              <a:t>Relationships &lt; Answer – Product &gt;</a:t>
             </a:r>
           </a:p>
         </p:txBody>
       </p:sp>
       <p:sp>
         <p:nvSpPr>
-          <p:cNvPr id="3" name="Content Placeholder 2">
+          <p:cNvPr id="4" name="TextBox 3">
             <a:extLst>
               <a:ext uri="{FF2B5EF4-FFF2-40B4-BE49-F238E27FC236}">
-                <a16:creationId xmlns:a16="http://schemas.microsoft.com/office/drawing/2014/main" id="{A6FFC85C-CFB0-48D6-849A-67941F9A7B6A}"/>
+                <a16:creationId xmlns:a16="http://schemas.microsoft.com/office/drawing/2014/main" id="{66D7C938-1E0F-4759-AFD4-C19E2E3FB1E6}"/>
+              </a:ext>
+            </a:extLst>
+          </p:cNvPr>
+          <p:cNvSpPr txBox="1"/>
+          <p:nvPr/>
+        </p:nvSpPr>
+        <p:spPr>
+          <a:xfrm>
+            <a:off x="6496716" y="2592198"/>
+            <a:ext cx="4825625" cy="3416320"/>
+          </a:xfrm>
+          <a:prstGeom prst="rect">
+            <a:avLst/>
+          </a:prstGeom>
+          <a:noFill/>
+        </p:spPr>
+        <p:txBody>
+          <a:bodyPr wrap="square" rtlCol="0">
+            <a:spAutoFit/>
+          </a:bodyPr>
+          <a:lstStyle/>
+          <a:p>
+            <a:r>
+              <a:rPr lang="en-US" sz="1200" dirty="0"/>
+              <a:t>Answer Entity</a:t>
+            </a:r>
+          </a:p>
+          <a:p>
+            <a:endParaRPr lang="en-US" sz="1200" dirty="0"/>
+          </a:p>
+          <a:p>
+            <a:r>
+              <a:rPr lang="en-US" sz="1200" dirty="0"/>
+              <a:t>private int </a:t>
+            </a:r>
+            <a:r>
+              <a:rPr lang="en-US" sz="1200" dirty="0" err="1"/>
+              <a:t>idProduct</a:t>
+            </a:r>
+            <a:r>
+              <a:rPr lang="en-US" sz="1200" dirty="0"/>
+              <a:t>;</a:t>
+            </a:r>
+          </a:p>
+          <a:p>
+            <a:r>
+              <a:rPr lang="en-US" sz="1200" dirty="0"/>
+              <a:t>private Product </a:t>
+            </a:r>
+            <a:r>
+              <a:rPr lang="en-US" sz="1200" dirty="0" err="1"/>
+              <a:t>productByIdProduct</a:t>
+            </a:r>
+            <a:r>
+              <a:rPr lang="en-US" sz="1200" dirty="0"/>
+              <a:t>;</a:t>
+            </a:r>
+          </a:p>
+          <a:p>
+            <a:endParaRPr lang="en-US" sz="1200" dirty="0"/>
+          </a:p>
+          <a:p>
+            <a:r>
+              <a:rPr lang="en-US" sz="1200" dirty="0"/>
+              <a:t>@ManyToOne</a:t>
+            </a:r>
+          </a:p>
+          <a:p>
+            <a:r>
+              <a:rPr lang="en-US" sz="1200" dirty="0"/>
+              <a:t>@PrimaryKeyJoinColumn(name = "</a:t>
+            </a:r>
+            <a:r>
+              <a:rPr lang="en-US" sz="1200" dirty="0" err="1"/>
+              <a:t>id_product</a:t>
+            </a:r>
+            <a:r>
+              <a:rPr lang="en-US" sz="1200" dirty="0"/>
+              <a:t>", </a:t>
+            </a:r>
+          </a:p>
+          <a:p>
+            <a:r>
+              <a:rPr lang="en-US" sz="1200" dirty="0"/>
+              <a:t>	</a:t>
+            </a:r>
+            <a:r>
+              <a:rPr lang="en-US" sz="1200" dirty="0" err="1"/>
+              <a:t>referencedColumnName</a:t>
+            </a:r>
+            <a:r>
+              <a:rPr lang="en-US" sz="1200" dirty="0"/>
+              <a:t> = "</a:t>
+            </a:r>
+            <a:r>
+              <a:rPr lang="en-US" sz="1200" dirty="0" err="1"/>
+              <a:t>id_product</a:t>
+            </a:r>
+            <a:r>
+              <a:rPr lang="en-US" sz="1200" dirty="0"/>
+              <a:t>")</a:t>
+            </a:r>
+          </a:p>
+          <a:p>
+            <a:r>
+              <a:rPr lang="en-US" sz="1200" dirty="0"/>
+              <a:t>public Product </a:t>
+            </a:r>
+            <a:r>
+              <a:rPr lang="en-US" sz="1200" dirty="0" err="1"/>
+              <a:t>getProductByIdProduct</a:t>
+            </a:r>
+            <a:r>
+              <a:rPr lang="en-US" sz="1200" dirty="0"/>
+              <a:t>();</a:t>
+            </a:r>
+          </a:p>
+          <a:p>
+            <a:endParaRPr lang="en-US" sz="1200" dirty="0"/>
+          </a:p>
+          <a:p>
+            <a:r>
+              <a:rPr lang="en-US" sz="1200" dirty="0"/>
+              <a:t>________________________________________________</a:t>
+            </a:r>
+          </a:p>
+          <a:p>
+            <a:r>
+              <a:rPr lang="en-US" sz="1200" dirty="0"/>
+              <a:t>Product Entity</a:t>
+            </a:r>
+          </a:p>
+          <a:p>
+            <a:endParaRPr lang="en-US" sz="1200" dirty="0"/>
+          </a:p>
+          <a:p>
+            <a:r>
+              <a:rPr lang="en-US" sz="1200" dirty="0"/>
+              <a:t>private int </a:t>
+            </a:r>
+            <a:r>
+              <a:rPr lang="en-US" sz="1200" dirty="0" err="1"/>
+              <a:t>idProduct</a:t>
+            </a:r>
+            <a:r>
+              <a:rPr lang="en-US" sz="1200" dirty="0"/>
+              <a:t>;</a:t>
+            </a:r>
+          </a:p>
+          <a:p>
+            <a:r>
+              <a:rPr lang="en-US" sz="1200" dirty="0"/>
+              <a:t>private Collection&lt;Answer&gt; </a:t>
+            </a:r>
+            <a:r>
+              <a:rPr lang="en-US" sz="1200" dirty="0" err="1"/>
+              <a:t>answersByIdProduct</a:t>
+            </a:r>
+            <a:r>
+              <a:rPr lang="en-US" sz="1200" dirty="0"/>
+              <a:t>;</a:t>
+            </a:r>
+          </a:p>
+          <a:p>
+            <a:endParaRPr lang="en-US" sz="1200" dirty="0"/>
+          </a:p>
+          <a:p>
+            <a:r>
+              <a:rPr lang="en-US" sz="1200" dirty="0"/>
+              <a:t>@OneToMany(mappedBy = "</a:t>
+            </a:r>
+            <a:r>
+              <a:rPr lang="en-US" sz="1200" dirty="0" err="1"/>
+              <a:t>productByIdProduct</a:t>
+            </a:r>
+            <a:r>
+              <a:rPr lang="en-US" sz="1200" dirty="0"/>
+              <a:t>")</a:t>
+            </a:r>
+          </a:p>
+          <a:p>
+            <a:r>
+              <a:rPr lang="en-US" sz="1200" dirty="0"/>
+              <a:t>public Collection&lt;Answer&gt; </a:t>
+            </a:r>
+            <a:r>
+              <a:rPr lang="en-US" sz="1200" dirty="0" err="1"/>
+              <a:t>getAnswersByIdProduct</a:t>
+            </a:r>
+            <a:r>
+              <a:rPr lang="en-US" sz="1200" dirty="0"/>
+              <a:t>();</a:t>
+            </a:r>
+          </a:p>
+        </p:txBody>
+      </p:sp>
+      <p:sp>
+        <p:nvSpPr>
+          <p:cNvPr id="8" name="Rectangle 7">
+            <a:extLst>
+              <a:ext uri="{FF2B5EF4-FFF2-40B4-BE49-F238E27FC236}">
+                <a16:creationId xmlns:a16="http://schemas.microsoft.com/office/drawing/2014/main" id="{7FEE5CBD-229E-43B1-8C13-DE8D479F90AA}"/>
+              </a:ext>
+            </a:extLst>
+          </p:cNvPr>
+          <p:cNvSpPr/>
+          <p:nvPr/>
+        </p:nvSpPr>
+        <p:spPr>
+          <a:xfrm>
+            <a:off x="3633721" y="3255393"/>
+            <a:ext cx="1568918" cy="471638"/>
+          </a:xfrm>
+          <a:prstGeom prst="rect">
+            <a:avLst/>
+          </a:prstGeom>
+          <a:ln w="38100"/>
+        </p:spPr>
+        <p:style>
+          <a:lnRef idx="2">
+            <a:schemeClr val="accent1"/>
+          </a:lnRef>
+          <a:fillRef idx="1">
+            <a:schemeClr val="lt1"/>
+          </a:fillRef>
+          <a:effectRef idx="0">
+            <a:schemeClr val="accent1"/>
+          </a:effectRef>
+          <a:fontRef idx="minor">
+            <a:schemeClr val="dk1"/>
+          </a:fontRef>
+        </p:style>
+        <p:txBody>
+          <a:bodyPr rtlCol="0" anchor="ctr"/>
+          <a:lstStyle/>
+          <a:p>
+            <a:pPr algn="ctr"/>
+            <a:r>
+              <a:rPr lang="en-GB" dirty="0"/>
+              <a:t>Product</a:t>
+            </a:r>
+          </a:p>
+        </p:txBody>
+      </p:sp>
+      <p:sp>
+        <p:nvSpPr>
+          <p:cNvPr id="9" name="Rectangle 8">
+            <a:extLst>
+              <a:ext uri="{FF2B5EF4-FFF2-40B4-BE49-F238E27FC236}">
+                <a16:creationId xmlns:a16="http://schemas.microsoft.com/office/drawing/2014/main" id="{673E9010-9491-489D-B963-AF49481BA66A}"/>
+              </a:ext>
+            </a:extLst>
+          </p:cNvPr>
+          <p:cNvSpPr/>
+          <p:nvPr/>
+        </p:nvSpPr>
+        <p:spPr>
+          <a:xfrm>
+            <a:off x="869659" y="3255393"/>
+            <a:ext cx="1568918" cy="471638"/>
+          </a:xfrm>
+          <a:prstGeom prst="rect">
+            <a:avLst/>
+          </a:prstGeom>
+          <a:ln w="38100"/>
+        </p:spPr>
+        <p:style>
+          <a:lnRef idx="2">
+            <a:schemeClr val="accent1"/>
+          </a:lnRef>
+          <a:fillRef idx="1">
+            <a:schemeClr val="lt1"/>
+          </a:fillRef>
+          <a:effectRef idx="0">
+            <a:schemeClr val="accent1"/>
+          </a:effectRef>
+          <a:fontRef idx="minor">
+            <a:schemeClr val="dk1"/>
+          </a:fontRef>
+        </p:style>
+        <p:txBody>
+          <a:bodyPr rtlCol="0" anchor="ctr"/>
+          <a:lstStyle/>
+          <a:p>
+            <a:pPr algn="ctr"/>
+            <a:r>
+              <a:rPr lang="en-GB" dirty="0"/>
+              <a:t>Answer</a:t>
+            </a:r>
+          </a:p>
+        </p:txBody>
+      </p:sp>
+      <p:sp>
+        <p:nvSpPr>
+          <p:cNvPr id="10" name="Diamond 9">
+            <a:extLst>
+              <a:ext uri="{FF2B5EF4-FFF2-40B4-BE49-F238E27FC236}">
+                <a16:creationId xmlns:a16="http://schemas.microsoft.com/office/drawing/2014/main" id="{1510632B-CFD6-4D4D-9352-3A8647561F48}"/>
+              </a:ext>
+            </a:extLst>
+          </p:cNvPr>
+          <p:cNvSpPr/>
+          <p:nvPr/>
+        </p:nvSpPr>
+        <p:spPr>
+          <a:xfrm rot="5400000">
+            <a:off x="2870111" y="3282591"/>
+            <a:ext cx="394638" cy="417244"/>
+          </a:xfrm>
+          <a:prstGeom prst="diamond">
+            <a:avLst/>
+          </a:prstGeom>
+          <a:ln w="38100"/>
+        </p:spPr>
+        <p:style>
+          <a:lnRef idx="2">
+            <a:schemeClr val="accent1"/>
+          </a:lnRef>
+          <a:fillRef idx="1">
+            <a:schemeClr val="lt1"/>
+          </a:fillRef>
+          <a:effectRef idx="0">
+            <a:schemeClr val="accent1"/>
+          </a:effectRef>
+          <a:fontRef idx="minor">
+            <a:schemeClr val="dk1"/>
+          </a:fontRef>
+        </p:style>
+        <p:txBody>
+          <a:bodyPr rtlCol="0" anchor="ctr"/>
+          <a:lstStyle/>
+          <a:p>
+            <a:pPr algn="ctr"/>
+            <a:endParaRPr lang="en-GB">
+              <a:solidFill>
+                <a:schemeClr val="dk1"/>
+              </a:solidFill>
+            </a:endParaRPr>
+          </a:p>
+        </p:txBody>
+      </p:sp>
+      <p:cxnSp>
+        <p:nvCxnSpPr>
+          <p:cNvPr id="11" name="Straight Connector 10">
+            <a:extLst>
+              <a:ext uri="{FF2B5EF4-FFF2-40B4-BE49-F238E27FC236}">
+                <a16:creationId xmlns:a16="http://schemas.microsoft.com/office/drawing/2014/main" id="{CB5CF0A0-CF58-41A1-B165-8026D14B19A4}"/>
+              </a:ext>
+            </a:extLst>
+          </p:cNvPr>
+          <p:cNvCxnSpPr>
+            <a:stCxn id="8" idx="1"/>
+          </p:cNvCxnSpPr>
+          <p:nvPr/>
+        </p:nvCxnSpPr>
+        <p:spPr>
+          <a:xfrm flipH="1">
+            <a:off x="3304928" y="3491212"/>
+            <a:ext cx="328793" cy="1"/>
+          </a:xfrm>
+          <a:prstGeom prst="line">
+            <a:avLst/>
+          </a:prstGeom>
+          <a:ln w="28575">
+            <a:solidFill>
+              <a:schemeClr val="accent1"/>
+            </a:solidFill>
+          </a:ln>
+        </p:spPr>
+        <p:style>
+          <a:lnRef idx="1">
+            <a:schemeClr val="accent1"/>
+          </a:lnRef>
+          <a:fillRef idx="0">
+            <a:schemeClr val="accent1"/>
+          </a:fillRef>
+          <a:effectRef idx="0">
+            <a:schemeClr val="accent1"/>
+          </a:effectRef>
+          <a:fontRef idx="minor">
+            <a:schemeClr val="tx1"/>
+          </a:fontRef>
+        </p:style>
+      </p:cxnSp>
+      <p:cxnSp>
+        <p:nvCxnSpPr>
+          <p:cNvPr id="12" name="Straight Connector 11">
+            <a:extLst>
+              <a:ext uri="{FF2B5EF4-FFF2-40B4-BE49-F238E27FC236}">
+                <a16:creationId xmlns:a16="http://schemas.microsoft.com/office/drawing/2014/main" id="{74CA72EC-6700-46FF-99F3-DF37B7678D01}"/>
+              </a:ext>
+            </a:extLst>
+          </p:cNvPr>
+          <p:cNvCxnSpPr>
+            <a:stCxn id="10" idx="2"/>
+          </p:cNvCxnSpPr>
+          <p:nvPr/>
+        </p:nvCxnSpPr>
+        <p:spPr>
+          <a:xfrm flipH="1">
+            <a:off x="2438578" y="3491213"/>
+            <a:ext cx="420230" cy="0"/>
+          </a:xfrm>
+          <a:prstGeom prst="line">
+            <a:avLst/>
+          </a:prstGeom>
+          <a:ln w="28575">
+            <a:solidFill>
+              <a:schemeClr val="accent1"/>
+            </a:solidFill>
+          </a:ln>
+        </p:spPr>
+        <p:style>
+          <a:lnRef idx="1">
+            <a:schemeClr val="accent1"/>
+          </a:lnRef>
+          <a:fillRef idx="0">
+            <a:schemeClr val="accent1"/>
+          </a:fillRef>
+          <a:effectRef idx="0">
+            <a:schemeClr val="accent1"/>
+          </a:effectRef>
+          <a:fontRef idx="minor">
+            <a:schemeClr val="tx1"/>
+          </a:fontRef>
+        </p:style>
+      </p:cxnSp>
+      <p:sp>
+        <p:nvSpPr>
+          <p:cNvPr id="13" name="TextBox 12">
+            <a:extLst>
+              <a:ext uri="{FF2B5EF4-FFF2-40B4-BE49-F238E27FC236}">
+                <a16:creationId xmlns:a16="http://schemas.microsoft.com/office/drawing/2014/main" id="{566C25EA-9D94-43E2-A030-2DC5608314DC}"/>
+              </a:ext>
+            </a:extLst>
+          </p:cNvPr>
+          <p:cNvSpPr txBox="1"/>
+          <p:nvPr/>
+        </p:nvSpPr>
+        <p:spPr>
+          <a:xfrm>
+            <a:off x="3276052" y="3718769"/>
+            <a:ext cx="327334" cy="369332"/>
+          </a:xfrm>
+          <a:prstGeom prst="rect">
+            <a:avLst/>
+          </a:prstGeom>
+          <a:noFill/>
+        </p:spPr>
+        <p:txBody>
+          <a:bodyPr wrap="none" rtlCol="0">
+            <a:spAutoFit/>
+          </a:bodyPr>
+          <a:lstStyle/>
+          <a:p>
+            <a:r>
+              <a:rPr lang="en-GB" dirty="0"/>
+              <a:t>1</a:t>
+            </a:r>
+          </a:p>
+        </p:txBody>
+      </p:sp>
+      <p:sp>
+        <p:nvSpPr>
+          <p:cNvPr id="14" name="TextBox 13">
+            <a:extLst>
+              <a:ext uri="{FF2B5EF4-FFF2-40B4-BE49-F238E27FC236}">
+                <a16:creationId xmlns:a16="http://schemas.microsoft.com/office/drawing/2014/main" id="{8289F787-EFE5-4E4E-972E-62E8E5BABB8A}"/>
+              </a:ext>
+            </a:extLst>
+          </p:cNvPr>
+          <p:cNvSpPr txBox="1"/>
+          <p:nvPr/>
+        </p:nvSpPr>
+        <p:spPr>
+          <a:xfrm>
+            <a:off x="2319115" y="3739684"/>
+            <a:ext cx="659155" cy="369332"/>
+          </a:xfrm>
+          <a:prstGeom prst="rect">
+            <a:avLst/>
+          </a:prstGeom>
+          <a:noFill/>
+        </p:spPr>
+        <p:txBody>
+          <a:bodyPr wrap="none" rtlCol="0">
+            <a:spAutoFit/>
+          </a:bodyPr>
+          <a:lstStyle/>
+          <a:p>
+            <a:r>
+              <a:rPr lang="en-GB" dirty="0"/>
+              <a:t>0..N</a:t>
+            </a:r>
+          </a:p>
+        </p:txBody>
+      </p:sp>
+      <p:sp>
+        <p:nvSpPr>
+          <p:cNvPr id="18" name="Rectangle 17">
+            <a:extLst>
+              <a:ext uri="{FF2B5EF4-FFF2-40B4-BE49-F238E27FC236}">
+                <a16:creationId xmlns:a16="http://schemas.microsoft.com/office/drawing/2014/main" id="{6B72D087-376F-49DD-812A-68BD56C9C86C}"/>
+              </a:ext>
+            </a:extLst>
+          </p:cNvPr>
+          <p:cNvSpPr/>
+          <p:nvPr/>
+        </p:nvSpPr>
+        <p:spPr>
+          <a:xfrm>
+            <a:off x="3603386" y="4526183"/>
+            <a:ext cx="1568918" cy="471638"/>
+          </a:xfrm>
+          <a:prstGeom prst="rect">
+            <a:avLst/>
+          </a:prstGeom>
+          <a:noFill/>
+          <a:ln w="38100">
+            <a:solidFill>
+              <a:srgbClr val="00B050"/>
+            </a:solidFill>
+          </a:ln>
+        </p:spPr>
+        <p:style>
+          <a:lnRef idx="2">
+            <a:schemeClr val="accent1"/>
+          </a:lnRef>
+          <a:fillRef idx="1">
+            <a:schemeClr val="lt1"/>
+          </a:fillRef>
+          <a:effectRef idx="0">
+            <a:schemeClr val="accent1"/>
+          </a:effectRef>
+          <a:fontRef idx="minor">
+            <a:schemeClr val="dk1"/>
+          </a:fontRef>
+        </p:style>
+        <p:txBody>
+          <a:bodyPr rtlCol="0" anchor="ctr"/>
+          <a:lstStyle/>
+          <a:p>
+            <a:pPr algn="ctr"/>
+            <a:r>
+              <a:rPr lang="en-GB" dirty="0"/>
+              <a:t>Product</a:t>
+            </a:r>
+          </a:p>
+        </p:txBody>
+      </p:sp>
+      <p:sp>
+        <p:nvSpPr>
+          <p:cNvPr id="19" name="Rectangle 18">
+            <a:extLst>
+              <a:ext uri="{FF2B5EF4-FFF2-40B4-BE49-F238E27FC236}">
+                <a16:creationId xmlns:a16="http://schemas.microsoft.com/office/drawing/2014/main" id="{1125F769-FA82-481C-9E13-051B1B944D5C}"/>
+              </a:ext>
+            </a:extLst>
+          </p:cNvPr>
+          <p:cNvSpPr/>
+          <p:nvPr/>
+        </p:nvSpPr>
+        <p:spPr>
+          <a:xfrm>
+            <a:off x="839324" y="4526183"/>
+            <a:ext cx="1568918" cy="471638"/>
+          </a:xfrm>
+          <a:prstGeom prst="rect">
+            <a:avLst/>
+          </a:prstGeom>
+          <a:noFill/>
+          <a:ln w="38100">
+            <a:solidFill>
+              <a:srgbClr val="00B050"/>
+            </a:solidFill>
+          </a:ln>
+        </p:spPr>
+        <p:style>
+          <a:lnRef idx="2">
+            <a:schemeClr val="accent1"/>
+          </a:lnRef>
+          <a:fillRef idx="1">
+            <a:schemeClr val="lt1"/>
+          </a:fillRef>
+          <a:effectRef idx="0">
+            <a:schemeClr val="accent1"/>
+          </a:effectRef>
+          <a:fontRef idx="minor">
+            <a:schemeClr val="dk1"/>
+          </a:fontRef>
+        </p:style>
+        <p:txBody>
+          <a:bodyPr rtlCol="0" anchor="ctr"/>
+          <a:lstStyle/>
+          <a:p>
+            <a:pPr algn="ctr"/>
+            <a:r>
+              <a:rPr lang="en-GB" dirty="0"/>
+              <a:t>Answer</a:t>
+            </a:r>
+          </a:p>
+        </p:txBody>
+      </p:sp>
+      <p:cxnSp>
+        <p:nvCxnSpPr>
+          <p:cNvPr id="20" name="Straight Connector 19">
+            <a:extLst>
+              <a:ext uri="{FF2B5EF4-FFF2-40B4-BE49-F238E27FC236}">
+                <a16:creationId xmlns:a16="http://schemas.microsoft.com/office/drawing/2014/main" id="{DA36C2A2-71E1-44C7-9BAA-1A2A7696BD55}"/>
+              </a:ext>
+            </a:extLst>
+          </p:cNvPr>
+          <p:cNvCxnSpPr>
+            <a:stCxn id="18" idx="1"/>
+            <a:endCxn id="19" idx="3"/>
+          </p:cNvCxnSpPr>
+          <p:nvPr/>
+        </p:nvCxnSpPr>
+        <p:spPr>
+          <a:xfrm flipH="1">
+            <a:off x="2408242" y="4762002"/>
+            <a:ext cx="1195144" cy="0"/>
+          </a:xfrm>
+          <a:prstGeom prst="line">
+            <a:avLst/>
+          </a:prstGeom>
+          <a:ln w="38100">
+            <a:solidFill>
+              <a:srgbClr val="00B050"/>
+            </a:solidFill>
+            <a:headEnd type="triangle" w="med" len="med"/>
+            <a:tailEnd type="none" w="med" len="med"/>
+          </a:ln>
+        </p:spPr>
+        <p:style>
+          <a:lnRef idx="1">
+            <a:schemeClr val="accent1"/>
+          </a:lnRef>
+          <a:fillRef idx="0">
+            <a:schemeClr val="accent1"/>
+          </a:fillRef>
+          <a:effectRef idx="0">
+            <a:schemeClr val="accent1"/>
+          </a:effectRef>
+          <a:fontRef idx="minor">
+            <a:schemeClr val="tx1"/>
+          </a:fontRef>
+        </p:style>
+      </p:cxnSp>
+      <p:sp>
+        <p:nvSpPr>
+          <p:cNvPr id="21" name="Rectangle 20">
+            <a:extLst>
+              <a:ext uri="{FF2B5EF4-FFF2-40B4-BE49-F238E27FC236}">
+                <a16:creationId xmlns:a16="http://schemas.microsoft.com/office/drawing/2014/main" id="{DBEE547B-0369-4360-9A3D-F19F09A58308}"/>
+              </a:ext>
+            </a:extLst>
+          </p:cNvPr>
+          <p:cNvSpPr/>
+          <p:nvPr/>
+        </p:nvSpPr>
+        <p:spPr>
+          <a:xfrm>
+            <a:off x="3611407" y="5833615"/>
+            <a:ext cx="1568918" cy="471638"/>
+          </a:xfrm>
+          <a:prstGeom prst="rect">
+            <a:avLst/>
+          </a:prstGeom>
+          <a:noFill/>
+          <a:ln w="38100">
+            <a:solidFill>
+              <a:srgbClr val="00B050"/>
+            </a:solidFill>
+          </a:ln>
+        </p:spPr>
+        <p:style>
+          <a:lnRef idx="2">
+            <a:schemeClr val="accent1"/>
+          </a:lnRef>
+          <a:fillRef idx="1">
+            <a:schemeClr val="lt1"/>
+          </a:fillRef>
+          <a:effectRef idx="0">
+            <a:schemeClr val="accent1"/>
+          </a:effectRef>
+          <a:fontRef idx="minor">
+            <a:schemeClr val="dk1"/>
+          </a:fontRef>
+        </p:style>
+        <p:txBody>
+          <a:bodyPr rtlCol="0" anchor="ctr"/>
+          <a:lstStyle/>
+          <a:p>
+            <a:pPr algn="ctr"/>
+            <a:r>
+              <a:rPr lang="en-GB" dirty="0"/>
+              <a:t>Product</a:t>
+            </a:r>
+          </a:p>
+        </p:txBody>
+      </p:sp>
+      <p:sp>
+        <p:nvSpPr>
+          <p:cNvPr id="22" name="Rectangle 21">
+            <a:extLst>
+              <a:ext uri="{FF2B5EF4-FFF2-40B4-BE49-F238E27FC236}">
+                <a16:creationId xmlns:a16="http://schemas.microsoft.com/office/drawing/2014/main" id="{E0B63BEE-C049-4C9D-8A44-A7100226DACE}"/>
+              </a:ext>
+            </a:extLst>
+          </p:cNvPr>
+          <p:cNvSpPr/>
+          <p:nvPr/>
+        </p:nvSpPr>
+        <p:spPr>
+          <a:xfrm>
+            <a:off x="847345" y="5833615"/>
+            <a:ext cx="1568918" cy="471638"/>
+          </a:xfrm>
+          <a:prstGeom prst="rect">
+            <a:avLst/>
+          </a:prstGeom>
+          <a:noFill/>
+          <a:ln w="38100">
+            <a:solidFill>
+              <a:srgbClr val="00B050"/>
+            </a:solidFill>
+          </a:ln>
+        </p:spPr>
+        <p:style>
+          <a:lnRef idx="2">
+            <a:schemeClr val="accent1"/>
+          </a:lnRef>
+          <a:fillRef idx="1">
+            <a:schemeClr val="lt1"/>
+          </a:fillRef>
+          <a:effectRef idx="0">
+            <a:schemeClr val="accent1"/>
+          </a:effectRef>
+          <a:fontRef idx="minor">
+            <a:schemeClr val="dk1"/>
+          </a:fontRef>
+        </p:style>
+        <p:txBody>
+          <a:bodyPr rtlCol="0" anchor="ctr"/>
+          <a:lstStyle/>
+          <a:p>
+            <a:pPr algn="ctr"/>
+            <a:r>
+              <a:rPr lang="en-GB" dirty="0"/>
+              <a:t>Answer</a:t>
+            </a:r>
+          </a:p>
+        </p:txBody>
+      </p:sp>
+      <p:cxnSp>
+        <p:nvCxnSpPr>
+          <p:cNvPr id="23" name="Straight Connector 22">
+            <a:extLst>
+              <a:ext uri="{FF2B5EF4-FFF2-40B4-BE49-F238E27FC236}">
+                <a16:creationId xmlns:a16="http://schemas.microsoft.com/office/drawing/2014/main" id="{561B0CC2-8E65-4412-AD34-DCEB63DFD46F}"/>
+              </a:ext>
+            </a:extLst>
+          </p:cNvPr>
+          <p:cNvCxnSpPr>
+            <a:stCxn id="21" idx="1"/>
+            <a:endCxn id="22" idx="3"/>
+          </p:cNvCxnSpPr>
+          <p:nvPr/>
+        </p:nvCxnSpPr>
+        <p:spPr>
+          <a:xfrm flipH="1">
+            <a:off x="2416263" y="6069434"/>
+            <a:ext cx="1195144" cy="0"/>
+          </a:xfrm>
+          <a:prstGeom prst="line">
+            <a:avLst/>
+          </a:prstGeom>
+          <a:ln w="38100">
+            <a:solidFill>
+              <a:srgbClr val="00B050"/>
+            </a:solidFill>
+            <a:headEnd type="none" w="med" len="med"/>
+            <a:tailEnd type="triangle" w="med" len="med"/>
+          </a:ln>
+        </p:spPr>
+        <p:style>
+          <a:lnRef idx="1">
+            <a:schemeClr val="accent1"/>
+          </a:lnRef>
+          <a:fillRef idx="0">
+            <a:schemeClr val="accent1"/>
+          </a:fillRef>
+          <a:effectRef idx="0">
+            <a:schemeClr val="accent1"/>
+          </a:effectRef>
+          <a:fontRef idx="minor">
+            <a:schemeClr val="tx1"/>
+          </a:fontRef>
+        </p:style>
+      </p:cxnSp>
+      <p:sp>
+        <p:nvSpPr>
+          <p:cNvPr id="24" name="TextBox 23">
+            <a:extLst>
+              <a:ext uri="{FF2B5EF4-FFF2-40B4-BE49-F238E27FC236}">
+                <a16:creationId xmlns:a16="http://schemas.microsoft.com/office/drawing/2014/main" id="{4DA13EF9-6C06-45D1-A58C-A124E7E5CC9F}"/>
+              </a:ext>
+            </a:extLst>
+          </p:cNvPr>
+          <p:cNvSpPr txBox="1"/>
+          <p:nvPr/>
+        </p:nvSpPr>
+        <p:spPr>
+          <a:xfrm>
+            <a:off x="2479550" y="4460854"/>
+            <a:ext cx="1054904" cy="276999"/>
+          </a:xfrm>
+          <a:prstGeom prst="rect">
+            <a:avLst/>
+          </a:prstGeom>
+          <a:noFill/>
+        </p:spPr>
+        <p:txBody>
+          <a:bodyPr wrap="none" rtlCol="0">
+            <a:spAutoFit/>
+          </a:bodyPr>
+          <a:lstStyle/>
+          <a:p>
+            <a:r>
+              <a:rPr lang="en-GB" sz="1200" dirty="0" err="1"/>
+              <a:t>ManyToOne</a:t>
+            </a:r>
+            <a:endParaRPr lang="en-GB" sz="1200" dirty="0"/>
+          </a:p>
+        </p:txBody>
+      </p:sp>
+      <p:sp>
+        <p:nvSpPr>
+          <p:cNvPr id="25" name="TextBox 24">
+            <a:extLst>
+              <a:ext uri="{FF2B5EF4-FFF2-40B4-BE49-F238E27FC236}">
+                <a16:creationId xmlns:a16="http://schemas.microsoft.com/office/drawing/2014/main" id="{E75D4F25-D4ED-4746-96B5-7363ED1331C1}"/>
+              </a:ext>
+            </a:extLst>
+          </p:cNvPr>
+          <p:cNvSpPr txBox="1"/>
+          <p:nvPr/>
+        </p:nvSpPr>
+        <p:spPr>
+          <a:xfrm>
+            <a:off x="2514339" y="5685495"/>
+            <a:ext cx="998991" cy="261610"/>
+          </a:xfrm>
+          <a:prstGeom prst="rect">
+            <a:avLst/>
+          </a:prstGeom>
+          <a:noFill/>
+        </p:spPr>
+        <p:txBody>
+          <a:bodyPr wrap="none" rtlCol="0">
+            <a:spAutoFit/>
+          </a:bodyPr>
+          <a:lstStyle/>
+          <a:p>
+            <a:r>
+              <a:rPr lang="en-GB" sz="1100" dirty="0" err="1"/>
+              <a:t>OneToMany</a:t>
+            </a:r>
+            <a:endParaRPr lang="en-GB" sz="1100" dirty="0"/>
+          </a:p>
+        </p:txBody>
+      </p:sp>
+    </p:spTree>
+    <p:extLst>
+      <p:ext uri="{BB962C8B-B14F-4D97-AF65-F5344CB8AC3E}">
+        <p14:creationId xmlns:p14="http://schemas.microsoft.com/office/powerpoint/2010/main" val="3340410719"/>
+      </p:ext>
+    </p:extLst>
+  </p:cSld>
+  <p:clrMapOvr>
+    <a:masterClrMapping/>
+  </p:clrMapOvr>
+</p:sld>
+</file>
+
+<file path=ppt/slides/slide18.xml><?xml version="1.0" encoding="utf-8"?>
+<p:sld xmlns:a="http://schemas.openxmlformats.org/drawingml/2006/main" xmlns:r="http://schemas.openxmlformats.org/officeDocument/2006/relationships" xmlns:p="http://schemas.openxmlformats.org/presentationml/2006/main">
+  <p:cSld>
+    <p:spTree>
+      <p:nvGrpSpPr>
+        <p:cNvPr id="1" name=""/>
+        <p:cNvGrpSpPr/>
+        <p:nvPr/>
+      </p:nvGrpSpPr>
+      <p:grpSpPr>
+        <a:xfrm>
+          <a:off x="0" y="0"/>
+          <a:ext cx="0" cy="0"/>
+          <a:chOff x="0" y="0"/>
+          <a:chExt cx="0" cy="0"/>
+        </a:xfrm>
+      </p:grpSpPr>
+      <p:sp>
+        <p:nvSpPr>
+          <p:cNvPr id="2" name="Title 1">
+            <a:extLst>
+              <a:ext uri="{FF2B5EF4-FFF2-40B4-BE49-F238E27FC236}">
+                <a16:creationId xmlns:a16="http://schemas.microsoft.com/office/drawing/2014/main" id="{3C9C106C-0CF6-470F-AEFF-9578D84BE886}"/>
               </a:ext>
             </a:extLst>
           </p:cNvPr>
@@ -11367,7 +13493,7 @@
             <a:spLocks noGrp="1"/>
           </p:cNvSpPr>
           <p:nvPr>
-            <p:ph idx="1"/>
+            <p:ph type="title"/>
           </p:nvPr>
         </p:nvSpPr>
         <p:spPr/>
@@ -11375,14 +13501,854 @@
           <a:bodyPr/>
           <a:lstStyle/>
           <a:p>
-            <a:endParaRPr lang="en-US"/>
+            <a:r>
+              <a:rPr lang="en-US" dirty="0"/>
+              <a:t>Relationships &lt; Answer – User &gt;</a:t>
+            </a:r>
+          </a:p>
+        </p:txBody>
+      </p:sp>
+      <p:sp>
+        <p:nvSpPr>
+          <p:cNvPr id="4" name="TextBox 3">
+            <a:extLst>
+              <a:ext uri="{FF2B5EF4-FFF2-40B4-BE49-F238E27FC236}">
+                <a16:creationId xmlns:a16="http://schemas.microsoft.com/office/drawing/2014/main" id="{66D7C938-1E0F-4759-AFD4-C19E2E3FB1E6}"/>
+              </a:ext>
+            </a:extLst>
+          </p:cNvPr>
+          <p:cNvSpPr txBox="1"/>
+          <p:nvPr/>
+        </p:nvSpPr>
+        <p:spPr>
+          <a:xfrm>
+            <a:off x="6496716" y="2592198"/>
+            <a:ext cx="4825625" cy="2862322"/>
+          </a:xfrm>
+          <a:prstGeom prst="rect">
+            <a:avLst/>
+          </a:prstGeom>
+          <a:noFill/>
+        </p:spPr>
+        <p:txBody>
+          <a:bodyPr wrap="square" rtlCol="0">
+            <a:spAutoFit/>
+          </a:bodyPr>
+          <a:lstStyle/>
+          <a:p>
+            <a:r>
+              <a:rPr lang="en-US" sz="1200" dirty="0"/>
+              <a:t>Answer Entity</a:t>
+            </a:r>
+          </a:p>
+          <a:p>
+            <a:endParaRPr lang="en-US" sz="1200" dirty="0"/>
+          </a:p>
+          <a:p>
+            <a:r>
+              <a:rPr lang="en-US" sz="1200" dirty="0"/>
+              <a:t>private int </a:t>
+            </a:r>
+            <a:r>
+              <a:rPr lang="en-US" sz="1200" dirty="0" err="1"/>
+              <a:t>idUser</a:t>
+            </a:r>
+            <a:r>
+              <a:rPr lang="en-US" sz="1200" dirty="0"/>
+              <a:t>;</a:t>
+            </a:r>
+          </a:p>
+          <a:p>
+            <a:r>
+              <a:rPr lang="en-US" sz="1200" dirty="0"/>
+              <a:t>private Product </a:t>
+            </a:r>
+            <a:r>
+              <a:rPr lang="en-US" sz="1200" dirty="0" err="1"/>
+              <a:t>userByIdUser</a:t>
+            </a:r>
+            <a:r>
+              <a:rPr lang="en-US" sz="1200" dirty="0"/>
+              <a:t>;</a:t>
+            </a:r>
+          </a:p>
+          <a:p>
+            <a:endParaRPr lang="en-US" sz="1200" dirty="0"/>
+          </a:p>
+          <a:p>
+            <a:r>
+              <a:rPr lang="en-US" sz="1200" dirty="0"/>
+              <a:t>@Column(name = "</a:t>
+            </a:r>
+            <a:r>
+              <a:rPr lang="en-US" sz="1200" dirty="0" err="1"/>
+              <a:t>id_user</a:t>
+            </a:r>
+            <a:r>
+              <a:rPr lang="en-US" sz="1200" dirty="0"/>
+              <a:t>", nullable = false)</a:t>
+            </a:r>
+          </a:p>
+          <a:p>
+            <a:r>
+              <a:rPr lang="en-US" sz="1200" dirty="0"/>
+              <a:t>@Id</a:t>
+            </a:r>
+          </a:p>
+          <a:p>
+            <a:r>
+              <a:rPr lang="en-US" sz="1200" dirty="0"/>
+              <a:t>public int </a:t>
+            </a:r>
+            <a:r>
+              <a:rPr lang="en-US" sz="1200" dirty="0" err="1"/>
+              <a:t>getIdUser</a:t>
+            </a:r>
+            <a:r>
+              <a:rPr lang="en-US" sz="1200" dirty="0"/>
+              <a:t>() ;</a:t>
+            </a:r>
+          </a:p>
+          <a:p>
+            <a:r>
+              <a:rPr lang="en-US" sz="1200" dirty="0"/>
+              <a:t>________________________________________________</a:t>
+            </a:r>
+          </a:p>
+          <a:p>
+            <a:r>
+              <a:rPr lang="en-US" sz="1200" dirty="0"/>
+              <a:t>Product Entity</a:t>
+            </a:r>
+          </a:p>
+          <a:p>
+            <a:endParaRPr lang="en-US" sz="1200" dirty="0"/>
+          </a:p>
+          <a:p>
+            <a:r>
+              <a:rPr lang="en-US" sz="1200" dirty="0"/>
+              <a:t>private Collection&lt;Answer&gt; </a:t>
+            </a:r>
+            <a:r>
+              <a:rPr lang="en-US" sz="1200" dirty="0" err="1"/>
+              <a:t>answersByIdUser</a:t>
+            </a:r>
+            <a:r>
+              <a:rPr lang="en-US" sz="1200" dirty="0"/>
+              <a:t>;</a:t>
+            </a:r>
+          </a:p>
+          <a:p>
+            <a:endParaRPr lang="en-US" sz="1200" dirty="0"/>
+          </a:p>
+          <a:p>
+            <a:r>
+              <a:rPr lang="en-US" sz="1200" dirty="0"/>
+              <a:t>@OneToMany(mappedBy = “</a:t>
+            </a:r>
+            <a:r>
+              <a:rPr lang="en-US" sz="1200" dirty="0" err="1"/>
+              <a:t>userByIdUser</a:t>
+            </a:r>
+            <a:r>
+              <a:rPr lang="en-US" sz="1200" dirty="0"/>
+              <a:t>")</a:t>
+            </a:r>
+          </a:p>
+          <a:p>
+            <a:r>
+              <a:rPr lang="en-US" sz="1200" dirty="0"/>
+              <a:t>public Collection&lt;Answer&gt; </a:t>
+            </a:r>
+            <a:r>
+              <a:rPr lang="en-US" sz="1200"/>
+              <a:t>getAnswersByIdUser();</a:t>
+            </a:r>
+            <a:endParaRPr lang="en-US" sz="1200" dirty="0"/>
+          </a:p>
+        </p:txBody>
+      </p:sp>
+      <p:sp>
+        <p:nvSpPr>
+          <p:cNvPr id="8" name="Rectangle 7">
+            <a:extLst>
+              <a:ext uri="{FF2B5EF4-FFF2-40B4-BE49-F238E27FC236}">
+                <a16:creationId xmlns:a16="http://schemas.microsoft.com/office/drawing/2014/main" id="{7FEE5CBD-229E-43B1-8C13-DE8D479F90AA}"/>
+              </a:ext>
+            </a:extLst>
+          </p:cNvPr>
+          <p:cNvSpPr/>
+          <p:nvPr/>
+        </p:nvSpPr>
+        <p:spPr>
+          <a:xfrm>
+            <a:off x="3633721" y="3255393"/>
+            <a:ext cx="1568918" cy="471638"/>
+          </a:xfrm>
+          <a:prstGeom prst="rect">
+            <a:avLst/>
+          </a:prstGeom>
+          <a:ln w="38100"/>
+        </p:spPr>
+        <p:style>
+          <a:lnRef idx="2">
+            <a:schemeClr val="accent1"/>
+          </a:lnRef>
+          <a:fillRef idx="1">
+            <a:schemeClr val="lt1"/>
+          </a:fillRef>
+          <a:effectRef idx="0">
+            <a:schemeClr val="accent1"/>
+          </a:effectRef>
+          <a:fontRef idx="minor">
+            <a:schemeClr val="dk1"/>
+          </a:fontRef>
+        </p:style>
+        <p:txBody>
+          <a:bodyPr rtlCol="0" anchor="ctr"/>
+          <a:lstStyle/>
+          <a:p>
+            <a:pPr algn="ctr"/>
+            <a:r>
+              <a:rPr lang="en-GB" dirty="0"/>
+              <a:t>User</a:t>
+            </a:r>
+          </a:p>
+        </p:txBody>
+      </p:sp>
+      <p:sp>
+        <p:nvSpPr>
+          <p:cNvPr id="9" name="Rectangle 8">
+            <a:extLst>
+              <a:ext uri="{FF2B5EF4-FFF2-40B4-BE49-F238E27FC236}">
+                <a16:creationId xmlns:a16="http://schemas.microsoft.com/office/drawing/2014/main" id="{673E9010-9491-489D-B963-AF49481BA66A}"/>
+              </a:ext>
+            </a:extLst>
+          </p:cNvPr>
+          <p:cNvSpPr/>
+          <p:nvPr/>
+        </p:nvSpPr>
+        <p:spPr>
+          <a:xfrm>
+            <a:off x="869659" y="3255393"/>
+            <a:ext cx="1568918" cy="471638"/>
+          </a:xfrm>
+          <a:prstGeom prst="rect">
+            <a:avLst/>
+          </a:prstGeom>
+          <a:ln w="38100"/>
+        </p:spPr>
+        <p:style>
+          <a:lnRef idx="2">
+            <a:schemeClr val="accent1"/>
+          </a:lnRef>
+          <a:fillRef idx="1">
+            <a:schemeClr val="lt1"/>
+          </a:fillRef>
+          <a:effectRef idx="0">
+            <a:schemeClr val="accent1"/>
+          </a:effectRef>
+          <a:fontRef idx="minor">
+            <a:schemeClr val="dk1"/>
+          </a:fontRef>
+        </p:style>
+        <p:txBody>
+          <a:bodyPr rtlCol="0" anchor="ctr"/>
+          <a:lstStyle/>
+          <a:p>
+            <a:pPr algn="ctr"/>
+            <a:r>
+              <a:rPr lang="en-GB" dirty="0"/>
+              <a:t>Answer</a:t>
+            </a:r>
+          </a:p>
+        </p:txBody>
+      </p:sp>
+      <p:sp>
+        <p:nvSpPr>
+          <p:cNvPr id="10" name="Diamond 9">
+            <a:extLst>
+              <a:ext uri="{FF2B5EF4-FFF2-40B4-BE49-F238E27FC236}">
+                <a16:creationId xmlns:a16="http://schemas.microsoft.com/office/drawing/2014/main" id="{1510632B-CFD6-4D4D-9352-3A8647561F48}"/>
+              </a:ext>
+            </a:extLst>
+          </p:cNvPr>
+          <p:cNvSpPr/>
+          <p:nvPr/>
+        </p:nvSpPr>
+        <p:spPr>
+          <a:xfrm rot="5400000">
+            <a:off x="2870111" y="3282591"/>
+            <a:ext cx="394638" cy="417244"/>
+          </a:xfrm>
+          <a:prstGeom prst="diamond">
+            <a:avLst/>
+          </a:prstGeom>
+          <a:ln w="38100"/>
+        </p:spPr>
+        <p:style>
+          <a:lnRef idx="2">
+            <a:schemeClr val="accent1"/>
+          </a:lnRef>
+          <a:fillRef idx="1">
+            <a:schemeClr val="lt1"/>
+          </a:fillRef>
+          <a:effectRef idx="0">
+            <a:schemeClr val="accent1"/>
+          </a:effectRef>
+          <a:fontRef idx="minor">
+            <a:schemeClr val="dk1"/>
+          </a:fontRef>
+        </p:style>
+        <p:txBody>
+          <a:bodyPr rtlCol="0" anchor="ctr"/>
+          <a:lstStyle/>
+          <a:p>
+            <a:pPr algn="ctr"/>
+            <a:endParaRPr lang="en-GB">
+              <a:solidFill>
+                <a:schemeClr val="dk1"/>
+              </a:solidFill>
+            </a:endParaRPr>
+          </a:p>
+        </p:txBody>
+      </p:sp>
+      <p:cxnSp>
+        <p:nvCxnSpPr>
+          <p:cNvPr id="11" name="Straight Connector 10">
+            <a:extLst>
+              <a:ext uri="{FF2B5EF4-FFF2-40B4-BE49-F238E27FC236}">
+                <a16:creationId xmlns:a16="http://schemas.microsoft.com/office/drawing/2014/main" id="{CB5CF0A0-CF58-41A1-B165-8026D14B19A4}"/>
+              </a:ext>
+            </a:extLst>
+          </p:cNvPr>
+          <p:cNvCxnSpPr>
+            <a:stCxn id="8" idx="1"/>
+          </p:cNvCxnSpPr>
+          <p:nvPr/>
+        </p:nvCxnSpPr>
+        <p:spPr>
+          <a:xfrm flipH="1">
+            <a:off x="3304928" y="3491212"/>
+            <a:ext cx="328793" cy="1"/>
+          </a:xfrm>
+          <a:prstGeom prst="line">
+            <a:avLst/>
+          </a:prstGeom>
+          <a:ln w="28575">
+            <a:solidFill>
+              <a:schemeClr val="accent1"/>
+            </a:solidFill>
+          </a:ln>
+        </p:spPr>
+        <p:style>
+          <a:lnRef idx="1">
+            <a:schemeClr val="accent1"/>
+          </a:lnRef>
+          <a:fillRef idx="0">
+            <a:schemeClr val="accent1"/>
+          </a:fillRef>
+          <a:effectRef idx="0">
+            <a:schemeClr val="accent1"/>
+          </a:effectRef>
+          <a:fontRef idx="minor">
+            <a:schemeClr val="tx1"/>
+          </a:fontRef>
+        </p:style>
+      </p:cxnSp>
+      <p:cxnSp>
+        <p:nvCxnSpPr>
+          <p:cNvPr id="12" name="Straight Connector 11">
+            <a:extLst>
+              <a:ext uri="{FF2B5EF4-FFF2-40B4-BE49-F238E27FC236}">
+                <a16:creationId xmlns:a16="http://schemas.microsoft.com/office/drawing/2014/main" id="{74CA72EC-6700-46FF-99F3-DF37B7678D01}"/>
+              </a:ext>
+            </a:extLst>
+          </p:cNvPr>
+          <p:cNvCxnSpPr>
+            <a:stCxn id="10" idx="2"/>
+          </p:cNvCxnSpPr>
+          <p:nvPr/>
+        </p:nvCxnSpPr>
+        <p:spPr>
+          <a:xfrm flipH="1">
+            <a:off x="2438578" y="3491213"/>
+            <a:ext cx="420230" cy="0"/>
+          </a:xfrm>
+          <a:prstGeom prst="line">
+            <a:avLst/>
+          </a:prstGeom>
+          <a:ln w="28575">
+            <a:solidFill>
+              <a:schemeClr val="accent1"/>
+            </a:solidFill>
+          </a:ln>
+        </p:spPr>
+        <p:style>
+          <a:lnRef idx="1">
+            <a:schemeClr val="accent1"/>
+          </a:lnRef>
+          <a:fillRef idx="0">
+            <a:schemeClr val="accent1"/>
+          </a:fillRef>
+          <a:effectRef idx="0">
+            <a:schemeClr val="accent1"/>
+          </a:effectRef>
+          <a:fontRef idx="minor">
+            <a:schemeClr val="tx1"/>
+          </a:fontRef>
+        </p:style>
+      </p:cxnSp>
+      <p:sp>
+        <p:nvSpPr>
+          <p:cNvPr id="13" name="TextBox 12">
+            <a:extLst>
+              <a:ext uri="{FF2B5EF4-FFF2-40B4-BE49-F238E27FC236}">
+                <a16:creationId xmlns:a16="http://schemas.microsoft.com/office/drawing/2014/main" id="{566C25EA-9D94-43E2-A030-2DC5608314DC}"/>
+              </a:ext>
+            </a:extLst>
+          </p:cNvPr>
+          <p:cNvSpPr txBox="1"/>
+          <p:nvPr/>
+        </p:nvSpPr>
+        <p:spPr>
+          <a:xfrm>
+            <a:off x="3276052" y="3718769"/>
+            <a:ext cx="327334" cy="369332"/>
+          </a:xfrm>
+          <a:prstGeom prst="rect">
+            <a:avLst/>
+          </a:prstGeom>
+          <a:noFill/>
+        </p:spPr>
+        <p:txBody>
+          <a:bodyPr wrap="none" rtlCol="0">
+            <a:spAutoFit/>
+          </a:bodyPr>
+          <a:lstStyle/>
+          <a:p>
+            <a:r>
+              <a:rPr lang="en-GB" dirty="0"/>
+              <a:t>1</a:t>
+            </a:r>
+          </a:p>
+        </p:txBody>
+      </p:sp>
+      <p:sp>
+        <p:nvSpPr>
+          <p:cNvPr id="14" name="TextBox 13">
+            <a:extLst>
+              <a:ext uri="{FF2B5EF4-FFF2-40B4-BE49-F238E27FC236}">
+                <a16:creationId xmlns:a16="http://schemas.microsoft.com/office/drawing/2014/main" id="{8289F787-EFE5-4E4E-972E-62E8E5BABB8A}"/>
+              </a:ext>
+            </a:extLst>
+          </p:cNvPr>
+          <p:cNvSpPr txBox="1"/>
+          <p:nvPr/>
+        </p:nvSpPr>
+        <p:spPr>
+          <a:xfrm>
+            <a:off x="2319115" y="3739684"/>
+            <a:ext cx="659155" cy="369332"/>
+          </a:xfrm>
+          <a:prstGeom prst="rect">
+            <a:avLst/>
+          </a:prstGeom>
+          <a:noFill/>
+        </p:spPr>
+        <p:txBody>
+          <a:bodyPr wrap="none" rtlCol="0">
+            <a:spAutoFit/>
+          </a:bodyPr>
+          <a:lstStyle/>
+          <a:p>
+            <a:r>
+              <a:rPr lang="en-GB" dirty="0"/>
+              <a:t>0..N</a:t>
+            </a:r>
+          </a:p>
+        </p:txBody>
+      </p:sp>
+      <p:sp>
+        <p:nvSpPr>
+          <p:cNvPr id="18" name="Rectangle 17">
+            <a:extLst>
+              <a:ext uri="{FF2B5EF4-FFF2-40B4-BE49-F238E27FC236}">
+                <a16:creationId xmlns:a16="http://schemas.microsoft.com/office/drawing/2014/main" id="{6B72D087-376F-49DD-812A-68BD56C9C86C}"/>
+              </a:ext>
+            </a:extLst>
+          </p:cNvPr>
+          <p:cNvSpPr/>
+          <p:nvPr/>
+        </p:nvSpPr>
+        <p:spPr>
+          <a:xfrm>
+            <a:off x="3603386" y="4526183"/>
+            <a:ext cx="1568918" cy="471638"/>
+          </a:xfrm>
+          <a:prstGeom prst="rect">
+            <a:avLst/>
+          </a:prstGeom>
+          <a:noFill/>
+          <a:ln w="38100">
+            <a:solidFill>
+              <a:srgbClr val="00B050"/>
+            </a:solidFill>
+          </a:ln>
+        </p:spPr>
+        <p:style>
+          <a:lnRef idx="2">
+            <a:schemeClr val="accent1"/>
+          </a:lnRef>
+          <a:fillRef idx="1">
+            <a:schemeClr val="lt1"/>
+          </a:fillRef>
+          <a:effectRef idx="0">
+            <a:schemeClr val="accent1"/>
+          </a:effectRef>
+          <a:fontRef idx="minor">
+            <a:schemeClr val="dk1"/>
+          </a:fontRef>
+        </p:style>
+        <p:txBody>
+          <a:bodyPr rtlCol="0" anchor="ctr"/>
+          <a:lstStyle/>
+          <a:p>
+            <a:pPr algn="ctr"/>
+            <a:r>
+              <a:rPr lang="en-GB" dirty="0"/>
+              <a:t>User</a:t>
+            </a:r>
+          </a:p>
+        </p:txBody>
+      </p:sp>
+      <p:sp>
+        <p:nvSpPr>
+          <p:cNvPr id="19" name="Rectangle 18">
+            <a:extLst>
+              <a:ext uri="{FF2B5EF4-FFF2-40B4-BE49-F238E27FC236}">
+                <a16:creationId xmlns:a16="http://schemas.microsoft.com/office/drawing/2014/main" id="{1125F769-FA82-481C-9E13-051B1B944D5C}"/>
+              </a:ext>
+            </a:extLst>
+          </p:cNvPr>
+          <p:cNvSpPr/>
+          <p:nvPr/>
+        </p:nvSpPr>
+        <p:spPr>
+          <a:xfrm>
+            <a:off x="839324" y="4526183"/>
+            <a:ext cx="1568918" cy="471638"/>
+          </a:xfrm>
+          <a:prstGeom prst="rect">
+            <a:avLst/>
+          </a:prstGeom>
+          <a:noFill/>
+          <a:ln w="38100">
+            <a:solidFill>
+              <a:srgbClr val="00B050"/>
+            </a:solidFill>
+          </a:ln>
+        </p:spPr>
+        <p:style>
+          <a:lnRef idx="2">
+            <a:schemeClr val="accent1"/>
+          </a:lnRef>
+          <a:fillRef idx="1">
+            <a:schemeClr val="lt1"/>
+          </a:fillRef>
+          <a:effectRef idx="0">
+            <a:schemeClr val="accent1"/>
+          </a:effectRef>
+          <a:fontRef idx="minor">
+            <a:schemeClr val="dk1"/>
+          </a:fontRef>
+        </p:style>
+        <p:txBody>
+          <a:bodyPr rtlCol="0" anchor="ctr"/>
+          <a:lstStyle/>
+          <a:p>
+            <a:pPr algn="ctr"/>
+            <a:r>
+              <a:rPr lang="en-GB" dirty="0"/>
+              <a:t>Answer</a:t>
+            </a:r>
+          </a:p>
+        </p:txBody>
+      </p:sp>
+      <p:cxnSp>
+        <p:nvCxnSpPr>
+          <p:cNvPr id="20" name="Straight Connector 19">
+            <a:extLst>
+              <a:ext uri="{FF2B5EF4-FFF2-40B4-BE49-F238E27FC236}">
+                <a16:creationId xmlns:a16="http://schemas.microsoft.com/office/drawing/2014/main" id="{DA36C2A2-71E1-44C7-9BAA-1A2A7696BD55}"/>
+              </a:ext>
+            </a:extLst>
+          </p:cNvPr>
+          <p:cNvCxnSpPr>
+            <a:stCxn id="18" idx="1"/>
+            <a:endCxn id="19" idx="3"/>
+          </p:cNvCxnSpPr>
+          <p:nvPr/>
+        </p:nvCxnSpPr>
+        <p:spPr>
+          <a:xfrm flipH="1">
+            <a:off x="2408242" y="4762002"/>
+            <a:ext cx="1195144" cy="0"/>
+          </a:xfrm>
+          <a:prstGeom prst="line">
+            <a:avLst/>
+          </a:prstGeom>
+          <a:ln w="38100">
+            <a:solidFill>
+              <a:srgbClr val="00B050"/>
+            </a:solidFill>
+            <a:headEnd type="triangle" w="med" len="med"/>
+            <a:tailEnd type="none" w="med" len="med"/>
+          </a:ln>
+        </p:spPr>
+        <p:style>
+          <a:lnRef idx="1">
+            <a:schemeClr val="accent1"/>
+          </a:lnRef>
+          <a:fillRef idx="0">
+            <a:schemeClr val="accent1"/>
+          </a:fillRef>
+          <a:effectRef idx="0">
+            <a:schemeClr val="accent1"/>
+          </a:effectRef>
+          <a:fontRef idx="minor">
+            <a:schemeClr val="tx1"/>
+          </a:fontRef>
+        </p:style>
+      </p:cxnSp>
+      <p:sp>
+        <p:nvSpPr>
+          <p:cNvPr id="21" name="Rectangle 20">
+            <a:extLst>
+              <a:ext uri="{FF2B5EF4-FFF2-40B4-BE49-F238E27FC236}">
+                <a16:creationId xmlns:a16="http://schemas.microsoft.com/office/drawing/2014/main" id="{DBEE547B-0369-4360-9A3D-F19F09A58308}"/>
+              </a:ext>
+            </a:extLst>
+          </p:cNvPr>
+          <p:cNvSpPr/>
+          <p:nvPr/>
+        </p:nvSpPr>
+        <p:spPr>
+          <a:xfrm>
+            <a:off x="3611407" y="5833615"/>
+            <a:ext cx="1568918" cy="471638"/>
+          </a:xfrm>
+          <a:prstGeom prst="rect">
+            <a:avLst/>
+          </a:prstGeom>
+          <a:noFill/>
+          <a:ln w="38100">
+            <a:solidFill>
+              <a:srgbClr val="00B050"/>
+            </a:solidFill>
+          </a:ln>
+        </p:spPr>
+        <p:style>
+          <a:lnRef idx="2">
+            <a:schemeClr val="accent1"/>
+          </a:lnRef>
+          <a:fillRef idx="1">
+            <a:schemeClr val="lt1"/>
+          </a:fillRef>
+          <a:effectRef idx="0">
+            <a:schemeClr val="accent1"/>
+          </a:effectRef>
+          <a:fontRef idx="minor">
+            <a:schemeClr val="dk1"/>
+          </a:fontRef>
+        </p:style>
+        <p:txBody>
+          <a:bodyPr rtlCol="0" anchor="ctr"/>
+          <a:lstStyle/>
+          <a:p>
+            <a:pPr algn="ctr"/>
+            <a:r>
+              <a:rPr lang="en-GB" dirty="0"/>
+              <a:t>User</a:t>
+            </a:r>
+          </a:p>
+        </p:txBody>
+      </p:sp>
+      <p:sp>
+        <p:nvSpPr>
+          <p:cNvPr id="22" name="Rectangle 21">
+            <a:extLst>
+              <a:ext uri="{FF2B5EF4-FFF2-40B4-BE49-F238E27FC236}">
+                <a16:creationId xmlns:a16="http://schemas.microsoft.com/office/drawing/2014/main" id="{E0B63BEE-C049-4C9D-8A44-A7100226DACE}"/>
+              </a:ext>
+            </a:extLst>
+          </p:cNvPr>
+          <p:cNvSpPr/>
+          <p:nvPr/>
+        </p:nvSpPr>
+        <p:spPr>
+          <a:xfrm>
+            <a:off x="847345" y="5833615"/>
+            <a:ext cx="1568918" cy="471638"/>
+          </a:xfrm>
+          <a:prstGeom prst="rect">
+            <a:avLst/>
+          </a:prstGeom>
+          <a:noFill/>
+          <a:ln w="38100">
+            <a:solidFill>
+              <a:srgbClr val="00B050"/>
+            </a:solidFill>
+          </a:ln>
+        </p:spPr>
+        <p:style>
+          <a:lnRef idx="2">
+            <a:schemeClr val="accent1"/>
+          </a:lnRef>
+          <a:fillRef idx="1">
+            <a:schemeClr val="lt1"/>
+          </a:fillRef>
+          <a:effectRef idx="0">
+            <a:schemeClr val="accent1"/>
+          </a:effectRef>
+          <a:fontRef idx="minor">
+            <a:schemeClr val="dk1"/>
+          </a:fontRef>
+        </p:style>
+        <p:txBody>
+          <a:bodyPr rtlCol="0" anchor="ctr"/>
+          <a:lstStyle/>
+          <a:p>
+            <a:pPr algn="ctr"/>
+            <a:r>
+              <a:rPr lang="en-GB" dirty="0"/>
+              <a:t>Answer</a:t>
+            </a:r>
+          </a:p>
+        </p:txBody>
+      </p:sp>
+      <p:cxnSp>
+        <p:nvCxnSpPr>
+          <p:cNvPr id="23" name="Straight Connector 22">
+            <a:extLst>
+              <a:ext uri="{FF2B5EF4-FFF2-40B4-BE49-F238E27FC236}">
+                <a16:creationId xmlns:a16="http://schemas.microsoft.com/office/drawing/2014/main" id="{561B0CC2-8E65-4412-AD34-DCEB63DFD46F}"/>
+              </a:ext>
+            </a:extLst>
+          </p:cNvPr>
+          <p:cNvCxnSpPr>
+            <a:stCxn id="21" idx="1"/>
+            <a:endCxn id="22" idx="3"/>
+          </p:cNvCxnSpPr>
+          <p:nvPr/>
+        </p:nvCxnSpPr>
+        <p:spPr>
+          <a:xfrm flipH="1">
+            <a:off x="2416263" y="6069434"/>
+            <a:ext cx="1195144" cy="0"/>
+          </a:xfrm>
+          <a:prstGeom prst="line">
+            <a:avLst/>
+          </a:prstGeom>
+          <a:ln w="38100">
+            <a:solidFill>
+              <a:srgbClr val="00B050"/>
+            </a:solidFill>
+            <a:headEnd type="none" w="med" len="med"/>
+            <a:tailEnd type="triangle" w="med" len="med"/>
+          </a:ln>
+        </p:spPr>
+        <p:style>
+          <a:lnRef idx="1">
+            <a:schemeClr val="accent1"/>
+          </a:lnRef>
+          <a:fillRef idx="0">
+            <a:schemeClr val="accent1"/>
+          </a:fillRef>
+          <a:effectRef idx="0">
+            <a:schemeClr val="accent1"/>
+          </a:effectRef>
+          <a:fontRef idx="minor">
+            <a:schemeClr val="tx1"/>
+          </a:fontRef>
+        </p:style>
+      </p:cxnSp>
+      <p:sp>
+        <p:nvSpPr>
+          <p:cNvPr id="24" name="TextBox 23">
+            <a:extLst>
+              <a:ext uri="{FF2B5EF4-FFF2-40B4-BE49-F238E27FC236}">
+                <a16:creationId xmlns:a16="http://schemas.microsoft.com/office/drawing/2014/main" id="{4DA13EF9-6C06-45D1-A58C-A124E7E5CC9F}"/>
+              </a:ext>
+            </a:extLst>
+          </p:cNvPr>
+          <p:cNvSpPr txBox="1"/>
+          <p:nvPr/>
+        </p:nvSpPr>
+        <p:spPr>
+          <a:xfrm>
+            <a:off x="2479550" y="4460854"/>
+            <a:ext cx="1054904" cy="276999"/>
+          </a:xfrm>
+          <a:prstGeom prst="rect">
+            <a:avLst/>
+          </a:prstGeom>
+          <a:noFill/>
+        </p:spPr>
+        <p:txBody>
+          <a:bodyPr wrap="none" rtlCol="0">
+            <a:spAutoFit/>
+          </a:bodyPr>
+          <a:lstStyle/>
+          <a:p>
+            <a:r>
+              <a:rPr lang="en-GB" sz="1200" dirty="0" err="1"/>
+              <a:t>ManyToOne</a:t>
+            </a:r>
+            <a:endParaRPr lang="en-GB" sz="1200" dirty="0"/>
+          </a:p>
+        </p:txBody>
+      </p:sp>
+      <p:sp>
+        <p:nvSpPr>
+          <p:cNvPr id="25" name="TextBox 24">
+            <a:extLst>
+              <a:ext uri="{FF2B5EF4-FFF2-40B4-BE49-F238E27FC236}">
+                <a16:creationId xmlns:a16="http://schemas.microsoft.com/office/drawing/2014/main" id="{E75D4F25-D4ED-4746-96B5-7363ED1331C1}"/>
+              </a:ext>
+            </a:extLst>
+          </p:cNvPr>
+          <p:cNvSpPr txBox="1"/>
+          <p:nvPr/>
+        </p:nvSpPr>
+        <p:spPr>
+          <a:xfrm>
+            <a:off x="2514339" y="5685495"/>
+            <a:ext cx="998991" cy="261610"/>
+          </a:xfrm>
+          <a:prstGeom prst="rect">
+            <a:avLst/>
+          </a:prstGeom>
+          <a:noFill/>
+        </p:spPr>
+        <p:txBody>
+          <a:bodyPr wrap="none" rtlCol="0">
+            <a:spAutoFit/>
+          </a:bodyPr>
+          <a:lstStyle/>
+          <a:p>
+            <a:r>
+              <a:rPr lang="en-GB" sz="1100" dirty="0" err="1"/>
+              <a:t>OneToMany</a:t>
+            </a:r>
+            <a:endParaRPr lang="en-GB" sz="1100" dirty="0"/>
           </a:p>
         </p:txBody>
       </p:sp>
     </p:spTree>
     <p:extLst>
       <p:ext uri="{BB962C8B-B14F-4D97-AF65-F5344CB8AC3E}">
-        <p14:creationId xmlns:p14="http://schemas.microsoft.com/office/powerpoint/2010/main" val="3340410719"/>
+        <p14:creationId xmlns:p14="http://schemas.microsoft.com/office/powerpoint/2010/main" val="3482618717"/>
       </p:ext>
     </p:extLst>
   </p:cSld>
@@ -12574,8 +15540,8 @@
         </p:nvSpPr>
         <p:spPr>
           <a:xfrm>
-            <a:off x="0" y="6488567"/>
-            <a:ext cx="9979743" cy="230832"/>
+            <a:off x="0" y="6415780"/>
+            <a:ext cx="9979743" cy="369332"/>
           </a:xfrm>
           <a:prstGeom prst="rect">
             <a:avLst/>
@@ -12590,7 +15556,13 @@
           <a:p>
             <a:r>
               <a:rPr lang="en-US" sz="900" dirty="0"/>
-              <a:t>We preferred to add also the relational model to show all the attributes without making the ER diagram heavier</a:t>
+              <a:t>We preferred to add also the relational model to show all the attributes without making the ER diagram heavier.</a:t>
+            </a:r>
+          </a:p>
+          <a:p>
+            <a:r>
+              <a:rPr lang="en-US" sz="900" dirty="0"/>
+              <a:t>All the foreign keys are represented using the same name as the one on the owner table.</a:t>
             </a:r>
           </a:p>
         </p:txBody>
@@ -12627,356 +15599,10 @@
       </p:grpSpPr>
       <p:sp>
         <p:nvSpPr>
-          <p:cNvPr id="9" name="Content Placeholder 8">
+          <p:cNvPr id="2" name="Title 1">
             <a:extLst>
               <a:ext uri="{FF2B5EF4-FFF2-40B4-BE49-F238E27FC236}">
-                <a16:creationId xmlns:a16="http://schemas.microsoft.com/office/drawing/2014/main" id="{81C523DF-8F28-4498-AA49-41FC1F8C2C76}"/>
-              </a:ext>
-            </a:extLst>
-          </p:cNvPr>
-          <p:cNvSpPr>
-            <a:spLocks noGrp="1"/>
-          </p:cNvSpPr>
-          <p:nvPr>
-            <p:ph idx="1"/>
-          </p:nvPr>
-        </p:nvSpPr>
-        <p:spPr>
-          <a:xfrm>
-            <a:off x="967740" y="2312276"/>
-            <a:ext cx="5537835" cy="4317123"/>
-          </a:xfrm>
-        </p:spPr>
-        <p:txBody>
-          <a:bodyPr>
-            <a:noAutofit/>
-          </a:bodyPr>
-          <a:lstStyle/>
-          <a:p>
-            <a:pPr>
-              <a:spcBef>
-                <a:spcPts val="0"/>
-              </a:spcBef>
-            </a:pPr>
-            <a:r>
-              <a:rPr lang="en-US" sz="1050" dirty="0"/>
-              <a:t>create table answer</a:t>
-            </a:r>
-          </a:p>
-          <a:p>
-            <a:pPr>
-              <a:spcBef>
-                <a:spcPts val="0"/>
-              </a:spcBef>
-            </a:pPr>
-            <a:r>
-              <a:rPr lang="en-US" sz="1050" dirty="0"/>
-              <a:t>(</a:t>
-            </a:r>
-          </a:p>
-          <a:p>
-            <a:pPr>
-              <a:spcBef>
-                <a:spcPts val="0"/>
-              </a:spcBef>
-            </a:pPr>
-            <a:r>
-              <a:rPr lang="en-US" sz="1050" dirty="0"/>
-              <a:t>    </a:t>
-            </a:r>
-            <a:r>
-              <a:rPr lang="en-US" sz="1050" dirty="0" err="1"/>
-              <a:t>id_product</a:t>
-            </a:r>
-            <a:r>
-              <a:rPr lang="en-US" sz="1050" dirty="0"/>
-              <a:t>  int  not null,</a:t>
-            </a:r>
-          </a:p>
-          <a:p>
-            <a:pPr>
-              <a:spcBef>
-                <a:spcPts val="0"/>
-              </a:spcBef>
-            </a:pPr>
-            <a:r>
-              <a:rPr lang="en-US" sz="1050" dirty="0"/>
-              <a:t>    </a:t>
-            </a:r>
-            <a:r>
-              <a:rPr lang="en-US" sz="1050" dirty="0" err="1"/>
-              <a:t>id_user</a:t>
-            </a:r>
-            <a:r>
-              <a:rPr lang="en-US" sz="1050" dirty="0"/>
-              <a:t>     int  not null,</a:t>
-            </a:r>
-          </a:p>
-          <a:p>
-            <a:pPr>
-              <a:spcBef>
-                <a:spcPts val="0"/>
-              </a:spcBef>
-            </a:pPr>
-            <a:r>
-              <a:rPr lang="en-US" sz="1050" dirty="0"/>
-              <a:t>    </a:t>
-            </a:r>
-            <a:r>
-              <a:rPr lang="en-US" sz="1050" dirty="0" err="1"/>
-              <a:t>id_question</a:t>
-            </a:r>
-            <a:r>
-              <a:rPr lang="en-US" sz="1050" dirty="0"/>
-              <a:t> int  not null,</a:t>
-            </a:r>
-          </a:p>
-          <a:p>
-            <a:pPr>
-              <a:spcBef>
-                <a:spcPts val="0"/>
-              </a:spcBef>
-            </a:pPr>
-            <a:r>
-              <a:rPr lang="en-US" sz="1050" dirty="0"/>
-              <a:t>    </a:t>
-            </a:r>
-            <a:r>
-              <a:rPr lang="en-US" sz="1050" dirty="0" err="1"/>
-              <a:t>answer_text</a:t>
-            </a:r>
-            <a:r>
-              <a:rPr lang="en-US" sz="1050" dirty="0"/>
-              <a:t> text not null,</a:t>
-            </a:r>
-          </a:p>
-          <a:p>
-            <a:pPr>
-              <a:spcBef>
-                <a:spcPts val="0"/>
-              </a:spcBef>
-            </a:pPr>
-            <a:r>
-              <a:rPr lang="en-US" sz="1050" dirty="0"/>
-              <a:t>    constraint </a:t>
-            </a:r>
-            <a:r>
-              <a:rPr lang="en-US" sz="1050" dirty="0" err="1"/>
-              <a:t>answer_pk</a:t>
-            </a:r>
-            <a:endParaRPr lang="en-US" sz="1050" dirty="0"/>
-          </a:p>
-          <a:p>
-            <a:pPr>
-              <a:spcBef>
-                <a:spcPts val="0"/>
-              </a:spcBef>
-            </a:pPr>
-            <a:r>
-              <a:rPr lang="en-US" sz="1050" dirty="0"/>
-              <a:t>        unique (</a:t>
-            </a:r>
-            <a:r>
-              <a:rPr lang="en-US" sz="1050" dirty="0" err="1"/>
-              <a:t>id_product</a:t>
-            </a:r>
-            <a:r>
-              <a:rPr lang="en-US" sz="1050" dirty="0"/>
-              <a:t>, </a:t>
-            </a:r>
-            <a:r>
-              <a:rPr lang="en-US" sz="1050" dirty="0" err="1"/>
-              <a:t>id_user</a:t>
-            </a:r>
-            <a:r>
-              <a:rPr lang="en-US" sz="1050" dirty="0"/>
-              <a:t>, </a:t>
-            </a:r>
-            <a:r>
-              <a:rPr lang="en-US" sz="1050" dirty="0" err="1"/>
-              <a:t>id_question</a:t>
-            </a:r>
-            <a:r>
-              <a:rPr lang="en-US" sz="1050" dirty="0"/>
-              <a:t>),</a:t>
-            </a:r>
-          </a:p>
-          <a:p>
-            <a:pPr>
-              <a:spcBef>
-                <a:spcPts val="0"/>
-              </a:spcBef>
-            </a:pPr>
-            <a:r>
-              <a:rPr lang="en-US" sz="1050" dirty="0"/>
-              <a:t>    constraint </a:t>
-            </a:r>
-            <a:r>
-              <a:rPr lang="en-US" sz="1050" dirty="0" err="1"/>
-              <a:t>answer_product_id_product_fk</a:t>
-            </a:r>
-            <a:endParaRPr lang="en-US" sz="1050" dirty="0"/>
-          </a:p>
-          <a:p>
-            <a:pPr>
-              <a:spcBef>
-                <a:spcPts val="0"/>
-              </a:spcBef>
-            </a:pPr>
-            <a:r>
-              <a:rPr lang="en-US" sz="1050" dirty="0"/>
-              <a:t>        foreign key (</a:t>
-            </a:r>
-            <a:r>
-              <a:rPr lang="en-US" sz="1050" dirty="0" err="1"/>
-              <a:t>id_product</a:t>
-            </a:r>
-            <a:r>
-              <a:rPr lang="en-US" sz="1050" dirty="0"/>
-              <a:t>) references product (</a:t>
-            </a:r>
-            <a:r>
-              <a:rPr lang="en-US" sz="1050" dirty="0" err="1"/>
-              <a:t>id_product</a:t>
-            </a:r>
-            <a:r>
-              <a:rPr lang="en-US" sz="1050" dirty="0"/>
-              <a:t>)</a:t>
-            </a:r>
-          </a:p>
-          <a:p>
-            <a:pPr>
-              <a:spcBef>
-                <a:spcPts val="0"/>
-              </a:spcBef>
-            </a:pPr>
-            <a:r>
-              <a:rPr lang="en-US" sz="1050" dirty="0"/>
-              <a:t>            on update cascade on delete cascade,</a:t>
-            </a:r>
-          </a:p>
-          <a:p>
-            <a:pPr>
-              <a:spcBef>
-                <a:spcPts val="0"/>
-              </a:spcBef>
-            </a:pPr>
-            <a:r>
-              <a:rPr lang="en-US" sz="1050" dirty="0"/>
-              <a:t>    constraint </a:t>
-            </a:r>
-            <a:r>
-              <a:rPr lang="en-US" sz="1050" dirty="0" err="1"/>
-              <a:t>answer_question_id_question_fk</a:t>
-            </a:r>
-            <a:endParaRPr lang="en-US" sz="1050" dirty="0"/>
-          </a:p>
-          <a:p>
-            <a:pPr>
-              <a:spcBef>
-                <a:spcPts val="0"/>
-              </a:spcBef>
-            </a:pPr>
-            <a:r>
-              <a:rPr lang="en-US" sz="1050" dirty="0"/>
-              <a:t>        foreign key (</a:t>
-            </a:r>
-            <a:r>
-              <a:rPr lang="en-US" sz="1050" dirty="0" err="1"/>
-              <a:t>id_question</a:t>
-            </a:r>
-            <a:r>
-              <a:rPr lang="en-US" sz="1050" dirty="0"/>
-              <a:t>) references question (</a:t>
-            </a:r>
-            <a:r>
-              <a:rPr lang="en-US" sz="1050" dirty="0" err="1"/>
-              <a:t>id_question</a:t>
-            </a:r>
-            <a:r>
-              <a:rPr lang="en-US" sz="1050" dirty="0"/>
-              <a:t>)</a:t>
-            </a:r>
-          </a:p>
-          <a:p>
-            <a:pPr>
-              <a:spcBef>
-                <a:spcPts val="0"/>
-              </a:spcBef>
-            </a:pPr>
-            <a:r>
-              <a:rPr lang="en-US" sz="1050" dirty="0"/>
-              <a:t>            on update cascade on delete cascade,</a:t>
-            </a:r>
-          </a:p>
-          <a:p>
-            <a:pPr>
-              <a:spcBef>
-                <a:spcPts val="0"/>
-              </a:spcBef>
-            </a:pPr>
-            <a:r>
-              <a:rPr lang="en-US" sz="1050" dirty="0"/>
-              <a:t>    constraint </a:t>
-            </a:r>
-            <a:r>
-              <a:rPr lang="en-US" sz="1050" dirty="0" err="1"/>
-              <a:t>answer_user_id_user_fk</a:t>
-            </a:r>
-            <a:endParaRPr lang="en-US" sz="1050" dirty="0"/>
-          </a:p>
-          <a:p>
-            <a:pPr>
-              <a:spcBef>
-                <a:spcPts val="0"/>
-              </a:spcBef>
-            </a:pPr>
-            <a:r>
-              <a:rPr lang="en-US" sz="1050" dirty="0"/>
-              <a:t>        foreign key (</a:t>
-            </a:r>
-            <a:r>
-              <a:rPr lang="en-US" sz="1050" dirty="0" err="1"/>
-              <a:t>id_user</a:t>
-            </a:r>
-            <a:r>
-              <a:rPr lang="en-US" sz="1050" dirty="0"/>
-              <a:t>) references user (</a:t>
-            </a:r>
-            <a:r>
-              <a:rPr lang="en-US" sz="1050" dirty="0" err="1"/>
-              <a:t>id_user</a:t>
-            </a:r>
-            <a:r>
-              <a:rPr lang="en-US" sz="1050" dirty="0"/>
-              <a:t>)</a:t>
-            </a:r>
-          </a:p>
-          <a:p>
-            <a:pPr>
-              <a:spcBef>
-                <a:spcPts val="0"/>
-              </a:spcBef>
-            </a:pPr>
-            <a:r>
-              <a:rPr lang="en-US" sz="1050" dirty="0"/>
-              <a:t>            on update cascade</a:t>
-            </a:r>
-          </a:p>
-          <a:p>
-            <a:r>
-              <a:rPr lang="en-US" sz="1050" dirty="0"/>
-              <a:t>);</a:t>
-            </a:r>
-          </a:p>
-        </p:txBody>
-      </p:sp>
-      <p:sp>
-        <p:nvSpPr>
-          <p:cNvPr id="11" name="Title 10">
-            <a:extLst>
-              <a:ext uri="{FF2B5EF4-FFF2-40B4-BE49-F238E27FC236}">
-                <a16:creationId xmlns:a16="http://schemas.microsoft.com/office/drawing/2014/main" id="{9CAC76C9-87A5-4F81-9454-24A6D2837827}"/>
+                <a16:creationId xmlns:a16="http://schemas.microsoft.com/office/drawing/2014/main" id="{340CCA89-4734-4AFA-87F4-AFF5A0C034AE}"/>
               </a:ext>
             </a:extLst>
           </p:cNvPr>
@@ -12994,17 +15620,734 @@
           <a:p>
             <a:r>
               <a:rPr lang="en-US" dirty="0"/>
-              <a:t>SQL DDL - Tables</a:t>
+              <a:t>Relational Model</a:t>
             </a:r>
           </a:p>
         </p:txBody>
       </p:sp>
       <p:sp>
         <p:nvSpPr>
-          <p:cNvPr id="14" name="Content Placeholder 8">
+          <p:cNvPr id="3" name="Content Placeholder 2">
             <a:extLst>
               <a:ext uri="{FF2B5EF4-FFF2-40B4-BE49-F238E27FC236}">
-                <a16:creationId xmlns:a16="http://schemas.microsoft.com/office/drawing/2014/main" id="{8B50B277-F60C-4E92-96E4-AB9A129FF760}"/>
+                <a16:creationId xmlns:a16="http://schemas.microsoft.com/office/drawing/2014/main" id="{A4AEBA5A-AADB-40AD-B4EC-6A91048F5D79}"/>
+              </a:ext>
+            </a:extLst>
+          </p:cNvPr>
+          <p:cNvSpPr>
+            <a:spLocks noGrp="1"/>
+          </p:cNvSpPr>
+          <p:nvPr>
+            <p:ph idx="1"/>
+          </p:nvPr>
+        </p:nvSpPr>
+        <p:spPr/>
+        <p:txBody>
+          <a:bodyPr>
+            <a:normAutofit fontScale="77500" lnSpcReduction="20000"/>
+          </a:bodyPr>
+          <a:lstStyle/>
+          <a:p>
+            <a:pPr marL="285750" indent="-285750">
+              <a:buFont typeface="Arial" panose="020B0604020202020204" pitchFamily="34" charset="0"/>
+              <a:buChar char="•"/>
+            </a:pPr>
+            <a:r>
+              <a:rPr lang="en-US" dirty="0"/>
+              <a:t>Answer (</a:t>
+            </a:r>
+            <a:r>
+              <a:rPr lang="en-US" u="sng" dirty="0" err="1"/>
+              <a:t>id_product</a:t>
+            </a:r>
+            <a:r>
+              <a:rPr lang="en-US" u="sng" dirty="0"/>
+              <a:t>, </a:t>
+            </a:r>
+            <a:r>
+              <a:rPr lang="en-US" u="sng" dirty="0" err="1"/>
+              <a:t>id_user</a:t>
+            </a:r>
+            <a:r>
+              <a:rPr lang="en-US" u="sng" dirty="0"/>
+              <a:t>, </a:t>
+            </a:r>
+            <a:r>
+              <a:rPr lang="en-US" u="sng" dirty="0" err="1"/>
+              <a:t>id_question</a:t>
+            </a:r>
+            <a:r>
+              <a:rPr lang="en-US" dirty="0"/>
+              <a:t>, </a:t>
+            </a:r>
+            <a:r>
+              <a:rPr lang="en-US" dirty="0" err="1"/>
+              <a:t>answer_text</a:t>
+            </a:r>
+            <a:r>
+              <a:rPr lang="en-US" dirty="0"/>
+              <a:t>);</a:t>
+            </a:r>
+          </a:p>
+          <a:p>
+            <a:pPr marL="285750" indent="-285750">
+              <a:buFont typeface="Arial" panose="020B0604020202020204" pitchFamily="34" charset="0"/>
+              <a:buChar char="•"/>
+            </a:pPr>
+            <a:r>
+              <a:rPr lang="en-US" dirty="0"/>
+              <a:t>Product(</a:t>
+            </a:r>
+            <a:r>
+              <a:rPr lang="en-US" u="sng" dirty="0" err="1"/>
+              <a:t>id_product</a:t>
+            </a:r>
+            <a:r>
+              <a:rPr lang="en-US" dirty="0"/>
+              <a:t>, name, </a:t>
+            </a:r>
+            <a:r>
+              <a:rPr lang="en-US" dirty="0" err="1"/>
+              <a:t>product_image</a:t>
+            </a:r>
+            <a:r>
+              <a:rPr lang="en-US" dirty="0"/>
+              <a:t>, date);</a:t>
+            </a:r>
+          </a:p>
+          <a:p>
+            <a:pPr marL="285750" indent="-285750">
+              <a:buFont typeface="Arial" panose="020B0604020202020204" pitchFamily="34" charset="0"/>
+              <a:buChar char="•"/>
+            </a:pPr>
+            <a:r>
+              <a:rPr lang="en-US" dirty="0"/>
+              <a:t>Question</a:t>
+            </a:r>
+            <a:r>
+              <a:rPr lang="en-US" u="sng" dirty="0"/>
+              <a:t>(</a:t>
+            </a:r>
+            <a:r>
+              <a:rPr lang="en-US" u="sng" dirty="0" err="1"/>
+              <a:t>id_question</a:t>
+            </a:r>
+            <a:r>
+              <a:rPr lang="en-US" dirty="0" err="1"/>
+              <a:t>,question_text_points</a:t>
+            </a:r>
+            <a:r>
+              <a:rPr lang="en-US" dirty="0"/>
+              <a:t>);</a:t>
+            </a:r>
+          </a:p>
+          <a:p>
+            <a:pPr marL="285750" indent="-285750">
+              <a:buFont typeface="Arial" panose="020B0604020202020204" pitchFamily="34" charset="0"/>
+              <a:buChar char="•"/>
+            </a:pPr>
+            <a:r>
+              <a:rPr lang="en-US" dirty="0"/>
+              <a:t>Questionnaire(</a:t>
+            </a:r>
+            <a:r>
+              <a:rPr lang="en-US" u="sng" dirty="0" err="1"/>
+              <a:t>id_product</a:t>
+            </a:r>
+            <a:r>
+              <a:rPr lang="en-US" u="sng" dirty="0"/>
+              <a:t>, </a:t>
+            </a:r>
+            <a:r>
+              <a:rPr lang="en-US" u="sng" dirty="0" err="1"/>
+              <a:t>id_question</a:t>
+            </a:r>
+            <a:r>
+              <a:rPr lang="en-US" dirty="0"/>
+              <a:t>);</a:t>
+            </a:r>
+          </a:p>
+          <a:p>
+            <a:pPr marL="285750" indent="-285750">
+              <a:buFont typeface="Arial" panose="020B0604020202020204" pitchFamily="34" charset="0"/>
+              <a:buChar char="•"/>
+            </a:pPr>
+            <a:r>
+              <a:rPr lang="en-US" dirty="0" err="1"/>
+              <a:t>Questionnaire_log</a:t>
+            </a:r>
+            <a:r>
+              <a:rPr lang="en-US" dirty="0"/>
+              <a:t> (</a:t>
+            </a:r>
+            <a:r>
+              <a:rPr lang="en-US" u="sng" dirty="0" err="1"/>
+              <a:t>id_user</a:t>
+            </a:r>
+            <a:r>
+              <a:rPr lang="en-US" u="sng" dirty="0"/>
+              <a:t>, datetime</a:t>
+            </a:r>
+            <a:r>
+              <a:rPr lang="en-US" dirty="0"/>
+              <a:t>, action, </a:t>
+            </a:r>
+            <a:r>
+              <a:rPr lang="en-US" dirty="0" err="1"/>
+              <a:t>id_product</a:t>
+            </a:r>
+            <a:r>
+              <a:rPr lang="en-US" dirty="0"/>
+              <a:t>);</a:t>
+            </a:r>
+          </a:p>
+          <a:p>
+            <a:pPr marL="285750" indent="-285750">
+              <a:buFont typeface="Arial" panose="020B0604020202020204" pitchFamily="34" charset="0"/>
+              <a:buChar char="•"/>
+            </a:pPr>
+            <a:r>
+              <a:rPr lang="en-US" dirty="0"/>
+              <a:t>Review(</a:t>
+            </a:r>
+            <a:r>
+              <a:rPr lang="en-US" u="sng" dirty="0" err="1"/>
+              <a:t>id_user</a:t>
+            </a:r>
+            <a:r>
+              <a:rPr lang="en-US" u="sng" dirty="0"/>
+              <a:t>, </a:t>
+            </a:r>
+            <a:r>
+              <a:rPr lang="en-US" u="sng" dirty="0" err="1"/>
+              <a:t>id_product</a:t>
+            </a:r>
+            <a:r>
+              <a:rPr lang="en-US" dirty="0"/>
+              <a:t>, </a:t>
+            </a:r>
+            <a:r>
+              <a:rPr lang="en-US" dirty="0" err="1"/>
+              <a:t>review_text</a:t>
+            </a:r>
+            <a:r>
+              <a:rPr lang="en-US" dirty="0"/>
+              <a:t>, date);</a:t>
+            </a:r>
+          </a:p>
+          <a:p>
+            <a:pPr marL="285750" indent="-285750">
+              <a:buFont typeface="Arial" panose="020B0604020202020204" pitchFamily="34" charset="0"/>
+              <a:buChar char="•"/>
+            </a:pPr>
+            <a:r>
+              <a:rPr lang="en-US" dirty="0"/>
+              <a:t>Swears(</a:t>
+            </a:r>
+            <a:r>
+              <a:rPr lang="en-US" u="sng" dirty="0" err="1"/>
+              <a:t>swear_text</a:t>
+            </a:r>
+            <a:r>
+              <a:rPr lang="en-US" dirty="0"/>
+              <a:t>) ;</a:t>
+            </a:r>
+          </a:p>
+          <a:p>
+            <a:pPr marL="285750" indent="-285750">
+              <a:buFont typeface="Arial" panose="020B0604020202020204" pitchFamily="34" charset="0"/>
+              <a:buChar char="•"/>
+            </a:pPr>
+            <a:r>
+              <a:rPr lang="en-US" dirty="0"/>
+              <a:t>User(</a:t>
+            </a:r>
+            <a:r>
+              <a:rPr lang="en-US" u="sng" dirty="0" err="1"/>
+              <a:t>id_user</a:t>
+            </a:r>
+            <a:r>
+              <a:rPr lang="en-US" dirty="0"/>
+              <a:t>, username, email, password, authorized, points, admin, active);</a:t>
+            </a:r>
+          </a:p>
+          <a:p>
+            <a:pPr marL="285750" indent="-285750">
+              <a:buFont typeface="Arial" panose="020B0604020202020204" pitchFamily="34" charset="0"/>
+              <a:buChar char="•"/>
+            </a:pPr>
+            <a:r>
+              <a:rPr lang="en-US" dirty="0" err="1"/>
+              <a:t>User_log</a:t>
+            </a:r>
+            <a:r>
+              <a:rPr lang="en-US" dirty="0"/>
+              <a:t> (</a:t>
+            </a:r>
+            <a:r>
+              <a:rPr lang="en-US" u="sng" dirty="0" err="1"/>
+              <a:t>id_user</a:t>
+            </a:r>
+            <a:r>
+              <a:rPr lang="en-US" u="sng" dirty="0"/>
+              <a:t>, datetime</a:t>
+            </a:r>
+            <a:r>
+              <a:rPr lang="en-US" dirty="0"/>
+              <a:t>, action);</a:t>
+            </a:r>
+          </a:p>
+        </p:txBody>
+      </p:sp>
+      <p:sp>
+        <p:nvSpPr>
+          <p:cNvPr id="4" name="TextBox 3">
+            <a:extLst>
+              <a:ext uri="{FF2B5EF4-FFF2-40B4-BE49-F238E27FC236}">
+                <a16:creationId xmlns:a16="http://schemas.microsoft.com/office/drawing/2014/main" id="{28B2BA33-C079-4B8D-A1FC-8079B2FFF937}"/>
+              </a:ext>
+            </a:extLst>
+          </p:cNvPr>
+          <p:cNvSpPr txBox="1"/>
+          <p:nvPr/>
+        </p:nvSpPr>
+        <p:spPr>
+          <a:xfrm>
+            <a:off x="0" y="6415780"/>
+            <a:ext cx="9979743" cy="230832"/>
+          </a:xfrm>
+          <a:prstGeom prst="rect">
+            <a:avLst/>
+          </a:prstGeom>
+          <a:noFill/>
+        </p:spPr>
+        <p:txBody>
+          <a:bodyPr wrap="square" rtlCol="0">
+            <a:spAutoFit/>
+          </a:bodyPr>
+          <a:lstStyle/>
+          <a:p>
+            <a:r>
+              <a:rPr lang="en-US" sz="900" dirty="0"/>
+              <a:t>We preferred to add also the relational model to show all the attributes without making the ER diagram heavier.</a:t>
+            </a:r>
+          </a:p>
+        </p:txBody>
+      </p:sp>
+      <p:cxnSp>
+        <p:nvCxnSpPr>
+          <p:cNvPr id="6" name="Straight Arrow Connector 5">
+            <a:extLst>
+              <a:ext uri="{FF2B5EF4-FFF2-40B4-BE49-F238E27FC236}">
+                <a16:creationId xmlns:a16="http://schemas.microsoft.com/office/drawing/2014/main" id="{70E4E3FD-839A-4D37-BE6F-4F73E5FE0D64}"/>
+              </a:ext>
+            </a:extLst>
+          </p:cNvPr>
+          <p:cNvCxnSpPr/>
+          <p:nvPr/>
+        </p:nvCxnSpPr>
+        <p:spPr>
+          <a:xfrm flipH="1">
+            <a:off x="3825380" y="2592198"/>
+            <a:ext cx="75501" cy="285226"/>
+          </a:xfrm>
+          <a:prstGeom prst="straightConnector1">
+            <a:avLst/>
+          </a:prstGeom>
+          <a:ln>
+            <a:tailEnd type="triangle"/>
+          </a:ln>
+        </p:spPr>
+        <p:style>
+          <a:lnRef idx="1">
+            <a:schemeClr val="dk1"/>
+          </a:lnRef>
+          <a:fillRef idx="0">
+            <a:schemeClr val="dk1"/>
+          </a:fillRef>
+          <a:effectRef idx="0">
+            <a:schemeClr val="dk1"/>
+          </a:effectRef>
+          <a:fontRef idx="minor">
+            <a:schemeClr val="tx1"/>
+          </a:fontRef>
+        </p:style>
+      </p:cxnSp>
+      <p:cxnSp>
+        <p:nvCxnSpPr>
+          <p:cNvPr id="7" name="Straight Arrow Connector 6">
+            <a:extLst>
+              <a:ext uri="{FF2B5EF4-FFF2-40B4-BE49-F238E27FC236}">
+                <a16:creationId xmlns:a16="http://schemas.microsoft.com/office/drawing/2014/main" id="{84231ABE-BC5F-465D-A18B-6677122826A5}"/>
+              </a:ext>
+            </a:extLst>
+          </p:cNvPr>
+          <p:cNvCxnSpPr>
+            <a:cxnSpLocks/>
+          </p:cNvCxnSpPr>
+          <p:nvPr/>
+        </p:nvCxnSpPr>
+        <p:spPr>
+          <a:xfrm flipH="1">
+            <a:off x="3431097" y="2659310"/>
+            <a:ext cx="1375796" cy="2432807"/>
+          </a:xfrm>
+          <a:prstGeom prst="straightConnector1">
+            <a:avLst/>
+          </a:prstGeom>
+          <a:ln>
+            <a:tailEnd type="triangle"/>
+          </a:ln>
+        </p:spPr>
+        <p:style>
+          <a:lnRef idx="1">
+            <a:schemeClr val="dk1"/>
+          </a:lnRef>
+          <a:fillRef idx="0">
+            <a:schemeClr val="dk1"/>
+          </a:fillRef>
+          <a:effectRef idx="0">
+            <a:schemeClr val="dk1"/>
+          </a:effectRef>
+          <a:fontRef idx="minor">
+            <a:schemeClr val="tx1"/>
+          </a:fontRef>
+        </p:style>
+      </p:cxnSp>
+      <p:cxnSp>
+        <p:nvCxnSpPr>
+          <p:cNvPr id="10" name="Straight Arrow Connector 9">
+            <a:extLst>
+              <a:ext uri="{FF2B5EF4-FFF2-40B4-BE49-F238E27FC236}">
+                <a16:creationId xmlns:a16="http://schemas.microsoft.com/office/drawing/2014/main" id="{C281BF2D-944F-4A95-B643-C17F4CAC538E}"/>
+              </a:ext>
+            </a:extLst>
+          </p:cNvPr>
+          <p:cNvCxnSpPr>
+            <a:cxnSpLocks/>
+          </p:cNvCxnSpPr>
+          <p:nvPr/>
+        </p:nvCxnSpPr>
+        <p:spPr>
+          <a:xfrm flipH="1">
+            <a:off x="3900881" y="2659310"/>
+            <a:ext cx="1905141" cy="578840"/>
+          </a:xfrm>
+          <a:prstGeom prst="straightConnector1">
+            <a:avLst/>
+          </a:prstGeom>
+          <a:ln>
+            <a:tailEnd type="triangle"/>
+          </a:ln>
+        </p:spPr>
+        <p:style>
+          <a:lnRef idx="1">
+            <a:schemeClr val="dk1"/>
+          </a:lnRef>
+          <a:fillRef idx="0">
+            <a:schemeClr val="dk1"/>
+          </a:fillRef>
+          <a:effectRef idx="0">
+            <a:schemeClr val="dk1"/>
+          </a:effectRef>
+          <a:fontRef idx="minor">
+            <a:schemeClr val="tx1"/>
+          </a:fontRef>
+        </p:style>
+      </p:cxnSp>
+      <p:cxnSp>
+        <p:nvCxnSpPr>
+          <p:cNvPr id="12" name="Straight Arrow Connector 11">
+            <a:extLst>
+              <a:ext uri="{FF2B5EF4-FFF2-40B4-BE49-F238E27FC236}">
+                <a16:creationId xmlns:a16="http://schemas.microsoft.com/office/drawing/2014/main" id="{FF27A0BF-FF82-401E-9271-8493B04E1147}"/>
+              </a:ext>
+            </a:extLst>
+          </p:cNvPr>
+          <p:cNvCxnSpPr>
+            <a:cxnSpLocks/>
+          </p:cNvCxnSpPr>
+          <p:nvPr/>
+        </p:nvCxnSpPr>
+        <p:spPr>
+          <a:xfrm flipH="1" flipV="1">
+            <a:off x="4186106" y="3020037"/>
+            <a:ext cx="536896" cy="565147"/>
+          </a:xfrm>
+          <a:prstGeom prst="straightConnector1">
+            <a:avLst/>
+          </a:prstGeom>
+          <a:ln>
+            <a:tailEnd type="triangle"/>
+          </a:ln>
+        </p:spPr>
+        <p:style>
+          <a:lnRef idx="1">
+            <a:schemeClr val="dk1"/>
+          </a:lnRef>
+          <a:fillRef idx="0">
+            <a:schemeClr val="dk1"/>
+          </a:fillRef>
+          <a:effectRef idx="0">
+            <a:schemeClr val="dk1"/>
+          </a:effectRef>
+          <a:fontRef idx="minor">
+            <a:schemeClr val="tx1"/>
+          </a:fontRef>
+        </p:style>
+      </p:cxnSp>
+      <p:cxnSp>
+        <p:nvCxnSpPr>
+          <p:cNvPr id="16" name="Straight Arrow Connector 15">
+            <a:extLst>
+              <a:ext uri="{FF2B5EF4-FFF2-40B4-BE49-F238E27FC236}">
+                <a16:creationId xmlns:a16="http://schemas.microsoft.com/office/drawing/2014/main" id="{7F088675-C789-4FAD-9248-0DB8D2D23C0A}"/>
+              </a:ext>
+            </a:extLst>
+          </p:cNvPr>
+          <p:cNvCxnSpPr>
+            <a:cxnSpLocks/>
+          </p:cNvCxnSpPr>
+          <p:nvPr/>
+        </p:nvCxnSpPr>
+        <p:spPr>
+          <a:xfrm flipH="1" flipV="1">
+            <a:off x="4118995" y="3363985"/>
+            <a:ext cx="1468914" cy="255867"/>
+          </a:xfrm>
+          <a:prstGeom prst="straightConnector1">
+            <a:avLst/>
+          </a:prstGeom>
+          <a:ln>
+            <a:tailEnd type="triangle"/>
+          </a:ln>
+        </p:spPr>
+        <p:style>
+          <a:lnRef idx="1">
+            <a:schemeClr val="dk1"/>
+          </a:lnRef>
+          <a:fillRef idx="0">
+            <a:schemeClr val="dk1"/>
+          </a:fillRef>
+          <a:effectRef idx="0">
+            <a:schemeClr val="dk1"/>
+          </a:effectRef>
+          <a:fontRef idx="minor">
+            <a:schemeClr val="tx1"/>
+          </a:fontRef>
+        </p:style>
+      </p:cxnSp>
+      <p:cxnSp>
+        <p:nvCxnSpPr>
+          <p:cNvPr id="18" name="Straight Arrow Connector 17">
+            <a:extLst>
+              <a:ext uri="{FF2B5EF4-FFF2-40B4-BE49-F238E27FC236}">
+                <a16:creationId xmlns:a16="http://schemas.microsoft.com/office/drawing/2014/main" id="{864A42F2-266E-4972-AB3D-F0F67BA8FA77}"/>
+              </a:ext>
+            </a:extLst>
+          </p:cNvPr>
+          <p:cNvCxnSpPr>
+            <a:cxnSpLocks/>
+          </p:cNvCxnSpPr>
+          <p:nvPr/>
+        </p:nvCxnSpPr>
+        <p:spPr>
+          <a:xfrm flipH="1" flipV="1">
+            <a:off x="4295163" y="3020037"/>
+            <a:ext cx="3383003" cy="953665"/>
+          </a:xfrm>
+          <a:prstGeom prst="straightConnector1">
+            <a:avLst/>
+          </a:prstGeom>
+          <a:ln>
+            <a:tailEnd type="triangle"/>
+          </a:ln>
+        </p:spPr>
+        <p:style>
+          <a:lnRef idx="1">
+            <a:schemeClr val="dk1"/>
+          </a:lnRef>
+          <a:fillRef idx="0">
+            <a:schemeClr val="dk1"/>
+          </a:fillRef>
+          <a:effectRef idx="0">
+            <a:schemeClr val="dk1"/>
+          </a:effectRef>
+          <a:fontRef idx="minor">
+            <a:schemeClr val="tx1"/>
+          </a:fontRef>
+        </p:style>
+      </p:cxnSp>
+      <p:cxnSp>
+        <p:nvCxnSpPr>
+          <p:cNvPr id="20" name="Straight Arrow Connector 19">
+            <a:extLst>
+              <a:ext uri="{FF2B5EF4-FFF2-40B4-BE49-F238E27FC236}">
+                <a16:creationId xmlns:a16="http://schemas.microsoft.com/office/drawing/2014/main" id="{93951BD3-78B5-4CC1-AD12-0C93D564633D}"/>
+              </a:ext>
+            </a:extLst>
+          </p:cNvPr>
+          <p:cNvCxnSpPr>
+            <a:cxnSpLocks/>
+          </p:cNvCxnSpPr>
+          <p:nvPr/>
+        </p:nvCxnSpPr>
+        <p:spPr>
+          <a:xfrm flipH="1">
+            <a:off x="3565321" y="4099537"/>
+            <a:ext cx="1288131" cy="963219"/>
+          </a:xfrm>
+          <a:prstGeom prst="straightConnector1">
+            <a:avLst/>
+          </a:prstGeom>
+          <a:ln>
+            <a:tailEnd type="triangle"/>
+          </a:ln>
+        </p:spPr>
+        <p:style>
+          <a:lnRef idx="1">
+            <a:schemeClr val="dk1"/>
+          </a:lnRef>
+          <a:fillRef idx="0">
+            <a:schemeClr val="dk1"/>
+          </a:fillRef>
+          <a:effectRef idx="0">
+            <a:schemeClr val="dk1"/>
+          </a:effectRef>
+          <a:fontRef idx="minor">
+            <a:schemeClr val="tx1"/>
+          </a:fontRef>
+        </p:style>
+      </p:cxnSp>
+      <p:cxnSp>
+        <p:nvCxnSpPr>
+          <p:cNvPr id="23" name="Straight Arrow Connector 22">
+            <a:extLst>
+              <a:ext uri="{FF2B5EF4-FFF2-40B4-BE49-F238E27FC236}">
+                <a16:creationId xmlns:a16="http://schemas.microsoft.com/office/drawing/2014/main" id="{22E2E3ED-7C92-4D64-8210-F0CDA8382913}"/>
+              </a:ext>
+            </a:extLst>
+          </p:cNvPr>
+          <p:cNvCxnSpPr>
+            <a:cxnSpLocks/>
+          </p:cNvCxnSpPr>
+          <p:nvPr/>
+        </p:nvCxnSpPr>
+        <p:spPr>
+          <a:xfrm flipH="1">
+            <a:off x="3196206" y="4470397"/>
+            <a:ext cx="266142" cy="621720"/>
+          </a:xfrm>
+          <a:prstGeom prst="straightConnector1">
+            <a:avLst/>
+          </a:prstGeom>
+          <a:ln>
+            <a:tailEnd type="triangle"/>
+          </a:ln>
+        </p:spPr>
+        <p:style>
+          <a:lnRef idx="1">
+            <a:schemeClr val="dk1"/>
+          </a:lnRef>
+          <a:fillRef idx="0">
+            <a:schemeClr val="dk1"/>
+          </a:fillRef>
+          <a:effectRef idx="0">
+            <a:schemeClr val="dk1"/>
+          </a:effectRef>
+          <a:fontRef idx="minor">
+            <a:schemeClr val="tx1"/>
+          </a:fontRef>
+        </p:style>
+      </p:cxnSp>
+      <p:cxnSp>
+        <p:nvCxnSpPr>
+          <p:cNvPr id="25" name="Straight Arrow Connector 24">
+            <a:extLst>
+              <a:ext uri="{FF2B5EF4-FFF2-40B4-BE49-F238E27FC236}">
+                <a16:creationId xmlns:a16="http://schemas.microsoft.com/office/drawing/2014/main" id="{F0F5BC6A-CFF6-4CAF-83EE-303A01791728}"/>
+              </a:ext>
+            </a:extLst>
+          </p:cNvPr>
+          <p:cNvCxnSpPr>
+            <a:cxnSpLocks/>
+          </p:cNvCxnSpPr>
+          <p:nvPr/>
+        </p:nvCxnSpPr>
+        <p:spPr>
+          <a:xfrm flipH="1" flipV="1">
+            <a:off x="3596572" y="3019569"/>
+            <a:ext cx="612814" cy="1374884"/>
+          </a:xfrm>
+          <a:prstGeom prst="straightConnector1">
+            <a:avLst/>
+          </a:prstGeom>
+          <a:ln>
+            <a:tailEnd type="triangle"/>
+          </a:ln>
+        </p:spPr>
+        <p:style>
+          <a:lnRef idx="1">
+            <a:schemeClr val="dk1"/>
+          </a:lnRef>
+          <a:fillRef idx="0">
+            <a:schemeClr val="dk1"/>
+          </a:fillRef>
+          <a:effectRef idx="0">
+            <a:schemeClr val="dk1"/>
+          </a:effectRef>
+          <a:fontRef idx="minor">
+            <a:schemeClr val="tx1"/>
+          </a:fontRef>
+        </p:style>
+      </p:cxnSp>
+      <p:cxnSp>
+        <p:nvCxnSpPr>
+          <p:cNvPr id="28" name="Straight Arrow Connector 27">
+            <a:extLst>
+              <a:ext uri="{FF2B5EF4-FFF2-40B4-BE49-F238E27FC236}">
+                <a16:creationId xmlns:a16="http://schemas.microsoft.com/office/drawing/2014/main" id="{C98C68A4-D697-49A3-9EB5-D370A1804213}"/>
+              </a:ext>
+            </a:extLst>
+          </p:cNvPr>
+          <p:cNvCxnSpPr>
+            <a:cxnSpLocks/>
+          </p:cNvCxnSpPr>
+          <p:nvPr/>
+        </p:nvCxnSpPr>
+        <p:spPr>
+          <a:xfrm flipH="1" flipV="1">
+            <a:off x="3431097" y="5234263"/>
+            <a:ext cx="394283" cy="204888"/>
+          </a:xfrm>
+          <a:prstGeom prst="straightConnector1">
+            <a:avLst/>
+          </a:prstGeom>
+          <a:ln>
+            <a:tailEnd type="triangle"/>
+          </a:ln>
+        </p:spPr>
+        <p:style>
+          <a:lnRef idx="1">
+            <a:schemeClr val="dk1"/>
+          </a:lnRef>
+          <a:fillRef idx="0">
+            <a:schemeClr val="dk1"/>
+          </a:fillRef>
+          <a:effectRef idx="0">
+            <a:schemeClr val="dk1"/>
+          </a:effectRef>
+          <a:fontRef idx="minor">
+            <a:schemeClr val="tx1"/>
+          </a:fontRef>
+        </p:style>
+      </p:cxnSp>
+      <p:sp>
+        <p:nvSpPr>
+          <p:cNvPr id="31" name="Content Placeholder 2">
+            <a:extLst>
+              <a:ext uri="{FF2B5EF4-FFF2-40B4-BE49-F238E27FC236}">
+                <a16:creationId xmlns:a16="http://schemas.microsoft.com/office/drawing/2014/main" id="{F579AA24-95E3-46CB-8E25-8512A9BD04C0}"/>
               </a:ext>
             </a:extLst>
           </p:cNvPr>
@@ -13015,8 +16358,8 @@
         </p:nvSpPr>
         <p:spPr>
           <a:xfrm>
-            <a:off x="6810350" y="2178926"/>
-            <a:ext cx="5033010" cy="4583824"/>
+            <a:off x="1924854" y="2312276"/>
+            <a:ext cx="8770571" cy="3651504"/>
           </a:xfrm>
           <a:prstGeom prst="rect">
             <a:avLst/>
@@ -13024,7 +16367,7 @@
         </p:spPr>
         <p:txBody>
           <a:bodyPr vert="horz" lIns="109728" tIns="109728" rIns="109728" bIns="91440" rtlCol="0">
-            <a:noAutofit/>
+            <a:normAutofit fontScale="77500" lnSpcReduction="20000"/>
           </a:bodyPr>
           <a:lstStyle>
             <a:lvl1pPr marL="0" indent="0" algn="l" defTabSz="914400" rtl="0" eaLnBrk="1" latinLnBrk="0" hangingPunct="1">
@@ -13214,339 +16557,213 @@
             </a:lvl9pPr>
           </a:lstStyle>
           <a:p>
-            <a:pPr>
-              <a:spcBef>
-                <a:spcPts val="0"/>
-              </a:spcBef>
-            </a:pPr>
-            <a:r>
-              <a:rPr lang="en-US" sz="1000" dirty="0"/>
-              <a:t>create trigger </a:t>
-            </a:r>
-            <a:r>
-              <a:rPr lang="en-US" sz="1000" dirty="0" err="1"/>
-              <a:t>add_points</a:t>
-            </a:r>
-            <a:endParaRPr lang="en-US" sz="1000" dirty="0"/>
-          </a:p>
-          <a:p>
-            <a:pPr>
-              <a:spcBef>
-                <a:spcPts val="0"/>
-              </a:spcBef>
-            </a:pPr>
-            <a:r>
-              <a:rPr lang="en-US" sz="1000" dirty="0"/>
-              <a:t>    after insert</a:t>
-            </a:r>
-          </a:p>
-          <a:p>
-            <a:pPr>
-              <a:spcBef>
-                <a:spcPts val="0"/>
-              </a:spcBef>
-            </a:pPr>
-            <a:r>
-              <a:rPr lang="en-US" sz="1000" dirty="0"/>
-              <a:t>    on answer</a:t>
-            </a:r>
-          </a:p>
-          <a:p>
-            <a:pPr>
-              <a:spcBef>
-                <a:spcPts val="0"/>
-              </a:spcBef>
-            </a:pPr>
-            <a:r>
-              <a:rPr lang="en-US" sz="1000" dirty="0"/>
-              <a:t>    for each row</a:t>
-            </a:r>
-          </a:p>
-          <a:p>
-            <a:pPr>
-              <a:spcBef>
-                <a:spcPts val="0"/>
-              </a:spcBef>
-            </a:pPr>
-            <a:r>
-              <a:rPr lang="en-US" sz="1000" dirty="0"/>
-              <a:t>begin</a:t>
-            </a:r>
-          </a:p>
-          <a:p>
-            <a:pPr>
-              <a:spcBef>
-                <a:spcPts val="0"/>
-              </a:spcBef>
-            </a:pPr>
-            <a:r>
-              <a:rPr lang="en-US" sz="1000" dirty="0"/>
-              <a:t>        update user</a:t>
-            </a:r>
-          </a:p>
-          <a:p>
-            <a:pPr>
-              <a:spcBef>
-                <a:spcPts val="0"/>
-              </a:spcBef>
-            </a:pPr>
-            <a:r>
-              <a:rPr lang="en-US" sz="1000" dirty="0"/>
-              <a:t>        set </a:t>
-            </a:r>
-            <a:r>
-              <a:rPr lang="en-US" sz="1000" dirty="0" err="1"/>
-              <a:t>user.points</a:t>
-            </a:r>
-            <a:r>
-              <a:rPr lang="en-US" sz="1000" dirty="0"/>
-              <a:t> = </a:t>
-            </a:r>
-            <a:r>
-              <a:rPr lang="en-US" sz="1000" dirty="0" err="1"/>
-              <a:t>user.points</a:t>
-            </a:r>
-            <a:r>
-              <a:rPr lang="en-US" sz="1000" dirty="0"/>
-              <a:t> + (select </a:t>
-            </a:r>
-            <a:r>
-              <a:rPr lang="en-US" sz="1000" dirty="0" err="1"/>
-              <a:t>q.points</a:t>
-            </a:r>
-            <a:r>
-              <a:rPr lang="en-US" sz="1000" dirty="0"/>
-              <a:t> from question as q where </a:t>
-            </a:r>
-            <a:r>
-              <a:rPr lang="en-US" sz="1000" dirty="0" err="1"/>
-              <a:t>q.id_question</a:t>
-            </a:r>
-            <a:r>
-              <a:rPr lang="en-US" sz="1000" dirty="0"/>
-              <a:t> = </a:t>
-            </a:r>
-            <a:r>
-              <a:rPr lang="en-US" sz="1000" dirty="0" err="1"/>
-              <a:t>new.id_question</a:t>
-            </a:r>
-            <a:r>
-              <a:rPr lang="en-US" sz="1000" dirty="0"/>
-              <a:t>)</a:t>
-            </a:r>
-          </a:p>
-          <a:p>
-            <a:pPr>
-              <a:spcBef>
-                <a:spcPts val="0"/>
-              </a:spcBef>
-            </a:pPr>
-            <a:r>
-              <a:rPr lang="en-US" sz="1000" dirty="0"/>
-              <a:t>        where </a:t>
-            </a:r>
-            <a:r>
-              <a:rPr lang="en-US" sz="1000" dirty="0" err="1"/>
-              <a:t>user.id_user</a:t>
-            </a:r>
-            <a:r>
-              <a:rPr lang="en-US" sz="1000" dirty="0"/>
-              <a:t> = </a:t>
-            </a:r>
-            <a:r>
-              <a:rPr lang="en-US" sz="1000" dirty="0" err="1"/>
-              <a:t>new.id_user</a:t>
-            </a:r>
-            <a:r>
-              <a:rPr lang="en-US" sz="1000" dirty="0"/>
-              <a:t>;</a:t>
-            </a:r>
-          </a:p>
-          <a:p>
-            <a:pPr>
-              <a:spcBef>
-                <a:spcPts val="0"/>
-              </a:spcBef>
-            </a:pPr>
-            <a:r>
-              <a:rPr lang="en-US" sz="1000" dirty="0"/>
-              <a:t>    end;</a:t>
-            </a:r>
-          </a:p>
-          <a:p>
-            <a:pPr>
-              <a:spcBef>
-                <a:spcPts val="0"/>
-              </a:spcBef>
-            </a:pPr>
-            <a:endParaRPr lang="en-US" sz="1000" dirty="0"/>
-          </a:p>
-          <a:p>
-            <a:pPr>
-              <a:spcBef>
-                <a:spcPts val="0"/>
-              </a:spcBef>
-            </a:pPr>
-            <a:r>
-              <a:rPr lang="en-US" sz="1000" dirty="0"/>
-              <a:t>create trigger </a:t>
-            </a:r>
-            <a:r>
-              <a:rPr lang="en-US" sz="1000" dirty="0" err="1"/>
-              <a:t>rm_points</a:t>
-            </a:r>
-            <a:endParaRPr lang="en-US" sz="1000" dirty="0"/>
-          </a:p>
-          <a:p>
-            <a:pPr>
-              <a:spcBef>
-                <a:spcPts val="0"/>
-              </a:spcBef>
-            </a:pPr>
-            <a:r>
-              <a:rPr lang="en-US" sz="1000" dirty="0"/>
-              <a:t>    after delete</a:t>
-            </a:r>
-          </a:p>
-          <a:p>
-            <a:pPr>
-              <a:spcBef>
-                <a:spcPts val="0"/>
-              </a:spcBef>
-            </a:pPr>
-            <a:r>
-              <a:rPr lang="en-US" sz="1000" dirty="0"/>
-              <a:t>    on answer</a:t>
-            </a:r>
-          </a:p>
-          <a:p>
-            <a:pPr>
-              <a:spcBef>
-                <a:spcPts val="0"/>
-              </a:spcBef>
-            </a:pPr>
-            <a:r>
-              <a:rPr lang="en-US" sz="1000" dirty="0"/>
-              <a:t>    for each row</a:t>
-            </a:r>
-          </a:p>
-          <a:p>
-            <a:pPr>
-              <a:spcBef>
-                <a:spcPts val="0"/>
-              </a:spcBef>
-            </a:pPr>
-            <a:r>
-              <a:rPr lang="en-US" sz="1000" dirty="0"/>
-              <a:t>begin</a:t>
-            </a:r>
-          </a:p>
-          <a:p>
-            <a:pPr>
-              <a:spcBef>
-                <a:spcPts val="0"/>
-              </a:spcBef>
-            </a:pPr>
-            <a:r>
-              <a:rPr lang="en-US" sz="1000" dirty="0"/>
-              <a:t>        update user</a:t>
-            </a:r>
-          </a:p>
-          <a:p>
-            <a:pPr>
-              <a:spcBef>
-                <a:spcPts val="0"/>
-              </a:spcBef>
-            </a:pPr>
-            <a:r>
-              <a:rPr lang="en-US" sz="1000" dirty="0"/>
-              <a:t>        set </a:t>
-            </a:r>
-            <a:r>
-              <a:rPr lang="en-US" sz="1000" dirty="0" err="1"/>
-              <a:t>user.points</a:t>
-            </a:r>
-            <a:r>
-              <a:rPr lang="en-US" sz="1000" dirty="0"/>
-              <a:t> = </a:t>
-            </a:r>
-            <a:r>
-              <a:rPr lang="en-US" sz="1000" dirty="0" err="1"/>
-              <a:t>user.points</a:t>
-            </a:r>
-            <a:r>
-              <a:rPr lang="en-US" sz="1000" dirty="0"/>
-              <a:t> - (select </a:t>
-            </a:r>
-            <a:r>
-              <a:rPr lang="en-US" sz="1000" dirty="0" err="1"/>
-              <a:t>q.points</a:t>
-            </a:r>
-            <a:r>
-              <a:rPr lang="en-US" sz="1000" dirty="0"/>
-              <a:t> from question as q where </a:t>
-            </a:r>
-            <a:r>
-              <a:rPr lang="en-US" sz="1000" dirty="0" err="1"/>
-              <a:t>q.id_question</a:t>
-            </a:r>
-            <a:r>
-              <a:rPr lang="en-US" sz="1000" dirty="0"/>
-              <a:t> = </a:t>
-            </a:r>
-            <a:r>
-              <a:rPr lang="en-US" sz="1000" dirty="0" err="1"/>
-              <a:t>old.id_question</a:t>
-            </a:r>
-            <a:r>
-              <a:rPr lang="en-US" sz="1000" dirty="0"/>
-              <a:t>)</a:t>
-            </a:r>
-          </a:p>
-          <a:p>
-            <a:pPr>
-              <a:spcBef>
-                <a:spcPts val="0"/>
-              </a:spcBef>
-            </a:pPr>
-            <a:r>
-              <a:rPr lang="en-US" sz="1000" dirty="0"/>
-              <a:t>        where </a:t>
-            </a:r>
-            <a:r>
-              <a:rPr lang="en-US" sz="1000" dirty="0" err="1"/>
-              <a:t>user.id_user</a:t>
-            </a:r>
-            <a:r>
-              <a:rPr lang="en-US" sz="1000" dirty="0"/>
-              <a:t> = </a:t>
-            </a:r>
-            <a:r>
-              <a:rPr lang="en-US" sz="1000" dirty="0" err="1"/>
-              <a:t>old.id_user</a:t>
-            </a:r>
-            <a:r>
-              <a:rPr lang="en-US" sz="1000" dirty="0"/>
-              <a:t>;</a:t>
-            </a:r>
-          </a:p>
-          <a:p>
-            <a:pPr>
-              <a:spcBef>
-                <a:spcPts val="0"/>
-              </a:spcBef>
-            </a:pPr>
-            <a:r>
-              <a:rPr lang="en-US" sz="1000" dirty="0"/>
-              <a:t>    end;</a:t>
-            </a:r>
+            <a:pPr marL="285750" indent="-285750">
+              <a:buFont typeface="Arial" panose="020B0604020202020204" pitchFamily="34" charset="0"/>
+              <a:buChar char="•"/>
+            </a:pPr>
+            <a:r>
+              <a:rPr lang="en-US"/>
+              <a:t>Answer (</a:t>
+            </a:r>
+            <a:r>
+              <a:rPr lang="en-US" u="sng"/>
+              <a:t>id_product, id_user, id_question</a:t>
+            </a:r>
+            <a:r>
+              <a:rPr lang="en-US"/>
+              <a:t>, answer_text);</a:t>
+            </a:r>
+          </a:p>
+          <a:p>
+            <a:pPr marL="285750" indent="-285750">
+              <a:buFont typeface="Arial" panose="020B0604020202020204" pitchFamily="34" charset="0"/>
+              <a:buChar char="•"/>
+            </a:pPr>
+            <a:r>
+              <a:rPr lang="en-US"/>
+              <a:t>Product(</a:t>
+            </a:r>
+            <a:r>
+              <a:rPr lang="en-US" u="sng"/>
+              <a:t>id_product</a:t>
+            </a:r>
+            <a:r>
+              <a:rPr lang="en-US"/>
+              <a:t>, name, product_image, date);</a:t>
+            </a:r>
+          </a:p>
+          <a:p>
+            <a:pPr marL="285750" indent="-285750">
+              <a:buFont typeface="Arial" panose="020B0604020202020204" pitchFamily="34" charset="0"/>
+              <a:buChar char="•"/>
+            </a:pPr>
+            <a:r>
+              <a:rPr lang="en-US"/>
+              <a:t>Question</a:t>
+            </a:r>
+            <a:r>
+              <a:rPr lang="en-US" u="sng"/>
+              <a:t>(id_question</a:t>
+            </a:r>
+            <a:r>
+              <a:rPr lang="en-US"/>
+              <a:t>,question_text_points);</a:t>
+            </a:r>
+          </a:p>
+          <a:p>
+            <a:pPr marL="285750" indent="-285750">
+              <a:buFont typeface="Arial" panose="020B0604020202020204" pitchFamily="34" charset="0"/>
+              <a:buChar char="•"/>
+            </a:pPr>
+            <a:r>
+              <a:rPr lang="en-US"/>
+              <a:t>Questionnaire(</a:t>
+            </a:r>
+            <a:r>
+              <a:rPr lang="en-US" u="sng"/>
+              <a:t>id_product, id_question</a:t>
+            </a:r>
+            <a:r>
+              <a:rPr lang="en-US"/>
+              <a:t>);</a:t>
+            </a:r>
+          </a:p>
+          <a:p>
+            <a:pPr marL="285750" indent="-285750">
+              <a:buFont typeface="Arial" panose="020B0604020202020204" pitchFamily="34" charset="0"/>
+              <a:buChar char="•"/>
+            </a:pPr>
+            <a:r>
+              <a:rPr lang="en-US"/>
+              <a:t>Questionnaire_log (</a:t>
+            </a:r>
+            <a:r>
+              <a:rPr lang="en-US" u="sng"/>
+              <a:t>id_user, datetime</a:t>
+            </a:r>
+            <a:r>
+              <a:rPr lang="en-US"/>
+              <a:t>, action, id_product);</a:t>
+            </a:r>
+          </a:p>
+          <a:p>
+            <a:pPr marL="285750" indent="-285750">
+              <a:buFont typeface="Arial" panose="020B0604020202020204" pitchFamily="34" charset="0"/>
+              <a:buChar char="•"/>
+            </a:pPr>
+            <a:r>
+              <a:rPr lang="en-US"/>
+              <a:t>Review(</a:t>
+            </a:r>
+            <a:r>
+              <a:rPr lang="en-US" u="sng"/>
+              <a:t>id_user, id_product</a:t>
+            </a:r>
+            <a:r>
+              <a:rPr lang="en-US"/>
+              <a:t>, review_text, date);</a:t>
+            </a:r>
+          </a:p>
+          <a:p>
+            <a:pPr marL="285750" indent="-285750">
+              <a:buFont typeface="Arial" panose="020B0604020202020204" pitchFamily="34" charset="0"/>
+              <a:buChar char="•"/>
+            </a:pPr>
+            <a:r>
+              <a:rPr lang="en-US"/>
+              <a:t>Swears(</a:t>
+            </a:r>
+            <a:r>
+              <a:rPr lang="en-US" u="sng"/>
+              <a:t>swear_text</a:t>
+            </a:r>
+            <a:r>
+              <a:rPr lang="en-US"/>
+              <a:t>) ;</a:t>
+            </a:r>
+          </a:p>
+          <a:p>
+            <a:pPr marL="285750" indent="-285750">
+              <a:buFont typeface="Arial" panose="020B0604020202020204" pitchFamily="34" charset="0"/>
+              <a:buChar char="•"/>
+            </a:pPr>
+            <a:r>
+              <a:rPr lang="en-US"/>
+              <a:t>User(</a:t>
+            </a:r>
+            <a:r>
+              <a:rPr lang="en-US" u="sng"/>
+              <a:t>id_user</a:t>
+            </a:r>
+            <a:r>
+              <a:rPr lang="en-US"/>
+              <a:t>, username, email, password, authorized, points, admin, active);</a:t>
+            </a:r>
+          </a:p>
+          <a:p>
+            <a:pPr marL="285750" indent="-285750">
+              <a:buFont typeface="Arial" panose="020B0604020202020204" pitchFamily="34" charset="0"/>
+              <a:buChar char="•"/>
+            </a:pPr>
+            <a:r>
+              <a:rPr lang="en-US"/>
+              <a:t>User_log (</a:t>
+            </a:r>
+            <a:r>
+              <a:rPr lang="en-US" u="sng"/>
+              <a:t>id_user, datetime</a:t>
+            </a:r>
+            <a:r>
+              <a:rPr lang="en-US"/>
+              <a:t>, action);</a:t>
+            </a:r>
+            <a:endParaRPr lang="en-US" dirty="0"/>
           </a:p>
         </p:txBody>
       </p:sp>
+      <p:cxnSp>
+        <p:nvCxnSpPr>
+          <p:cNvPr id="32" name="Straight Arrow Connector 31">
+            <a:extLst>
+              <a:ext uri="{FF2B5EF4-FFF2-40B4-BE49-F238E27FC236}">
+                <a16:creationId xmlns:a16="http://schemas.microsoft.com/office/drawing/2014/main" id="{29870414-C32E-417C-A268-077C5F9FAE67}"/>
+              </a:ext>
+            </a:extLst>
+          </p:cNvPr>
+          <p:cNvCxnSpPr/>
+          <p:nvPr/>
+        </p:nvCxnSpPr>
+        <p:spPr>
+          <a:xfrm flipH="1">
+            <a:off x="3829994" y="2592198"/>
+            <a:ext cx="75501" cy="285226"/>
+          </a:xfrm>
+          <a:prstGeom prst="straightConnector1">
+            <a:avLst/>
+          </a:prstGeom>
+          <a:ln>
+            <a:tailEnd type="triangle"/>
+          </a:ln>
+        </p:spPr>
+        <p:style>
+          <a:lnRef idx="1">
+            <a:schemeClr val="dk1"/>
+          </a:lnRef>
+          <a:fillRef idx="0">
+            <a:schemeClr val="dk1"/>
+          </a:fillRef>
+          <a:effectRef idx="0">
+            <a:schemeClr val="dk1"/>
+          </a:effectRef>
+          <a:fontRef idx="minor">
+            <a:schemeClr val="tx1"/>
+          </a:fontRef>
+        </p:style>
+      </p:cxnSp>
     </p:spTree>
     <p:extLst>
       <p:ext uri="{BB962C8B-B14F-4D97-AF65-F5344CB8AC3E}">
-        <p14:creationId xmlns:p14="http://schemas.microsoft.com/office/powerpoint/2010/main" val="518151645"/>
+        <p14:creationId xmlns:p14="http://schemas.microsoft.com/office/powerpoint/2010/main" val="3468223647"/>
       </p:ext>
     </p:extLst>
   </p:cSld>
@@ -13575,191 +16792,10 @@
       </p:grpSpPr>
       <p:sp>
         <p:nvSpPr>
-          <p:cNvPr id="9" name="Content Placeholder 8">
+          <p:cNvPr id="2" name="Title 1">
             <a:extLst>
               <a:ext uri="{FF2B5EF4-FFF2-40B4-BE49-F238E27FC236}">
-                <a16:creationId xmlns:a16="http://schemas.microsoft.com/office/drawing/2014/main" id="{81C523DF-8F28-4498-AA49-41FC1F8C2C76}"/>
-              </a:ext>
-            </a:extLst>
-          </p:cNvPr>
-          <p:cNvSpPr>
-            <a:spLocks noGrp="1"/>
-          </p:cNvSpPr>
-          <p:nvPr>
-            <p:ph idx="1"/>
-          </p:nvPr>
-        </p:nvSpPr>
-        <p:spPr>
-          <a:xfrm>
-            <a:off x="1920240" y="2550401"/>
-            <a:ext cx="3880485" cy="3651504"/>
-          </a:xfrm>
-        </p:spPr>
-        <p:txBody>
-          <a:bodyPr>
-            <a:normAutofit/>
-          </a:bodyPr>
-          <a:lstStyle/>
-          <a:p>
-            <a:pPr>
-              <a:spcBef>
-                <a:spcPts val="0"/>
-              </a:spcBef>
-            </a:pPr>
-            <a:r>
-              <a:rPr lang="en-US" sz="1200" dirty="0"/>
-              <a:t>create table product</a:t>
-            </a:r>
-          </a:p>
-          <a:p>
-            <a:pPr>
-              <a:spcBef>
-                <a:spcPts val="0"/>
-              </a:spcBef>
-            </a:pPr>
-            <a:r>
-              <a:rPr lang="en-US" sz="1200" dirty="0"/>
-              <a:t>(</a:t>
-            </a:r>
-          </a:p>
-          <a:p>
-            <a:pPr>
-              <a:spcBef>
-                <a:spcPts val="0"/>
-              </a:spcBef>
-            </a:pPr>
-            <a:r>
-              <a:rPr lang="en-US" sz="1200" dirty="0"/>
-              <a:t>    </a:t>
-            </a:r>
-            <a:r>
-              <a:rPr lang="en-US" sz="1200" dirty="0" err="1"/>
-              <a:t>id_product</a:t>
-            </a:r>
-            <a:r>
-              <a:rPr lang="en-US" sz="1200" dirty="0"/>
-              <a:t>    int </a:t>
-            </a:r>
-            <a:r>
-              <a:rPr lang="en-US" sz="1200" dirty="0" err="1"/>
-              <a:t>auto_increment</a:t>
-            </a:r>
-            <a:endParaRPr lang="en-US" sz="1200" dirty="0"/>
-          </a:p>
-          <a:p>
-            <a:pPr>
-              <a:spcBef>
-                <a:spcPts val="0"/>
-              </a:spcBef>
-            </a:pPr>
-            <a:r>
-              <a:rPr lang="en-US" sz="1200" dirty="0"/>
-              <a:t>        primary key,</a:t>
-            </a:r>
-          </a:p>
-          <a:p>
-            <a:pPr>
-              <a:spcBef>
-                <a:spcPts val="0"/>
-              </a:spcBef>
-            </a:pPr>
-            <a:r>
-              <a:rPr lang="en-US" sz="1200" dirty="0"/>
-              <a:t>    name          varchar(64) not null,</a:t>
-            </a:r>
-          </a:p>
-          <a:p>
-            <a:pPr>
-              <a:spcBef>
-                <a:spcPts val="0"/>
-              </a:spcBef>
-            </a:pPr>
-            <a:r>
-              <a:rPr lang="en-US" sz="1200" dirty="0"/>
-              <a:t>    </a:t>
-            </a:r>
-            <a:r>
-              <a:rPr lang="en-US" sz="1200" dirty="0" err="1"/>
-              <a:t>product_image</a:t>
-            </a:r>
-            <a:r>
-              <a:rPr lang="en-US" sz="1200" dirty="0"/>
-              <a:t> </a:t>
-            </a:r>
-            <a:r>
-              <a:rPr lang="en-US" sz="1200" dirty="0" err="1"/>
-              <a:t>longblob</a:t>
-            </a:r>
-            <a:r>
-              <a:rPr lang="en-US" sz="1200" dirty="0"/>
-              <a:t>    not null,</a:t>
-            </a:r>
-          </a:p>
-          <a:p>
-            <a:pPr>
-              <a:spcBef>
-                <a:spcPts val="0"/>
-              </a:spcBef>
-            </a:pPr>
-            <a:r>
-              <a:rPr lang="en-US" sz="1200" dirty="0"/>
-              <a:t>    date          </a:t>
-            </a:r>
-            <a:r>
-              <a:rPr lang="en-US" sz="1200" dirty="0" err="1"/>
-              <a:t>date</a:t>
-            </a:r>
-            <a:r>
-              <a:rPr lang="en-US" sz="1200" dirty="0"/>
-              <a:t>        not null,</a:t>
-            </a:r>
-          </a:p>
-          <a:p>
-            <a:pPr>
-              <a:spcBef>
-                <a:spcPts val="0"/>
-              </a:spcBef>
-            </a:pPr>
-            <a:r>
-              <a:rPr lang="en-US" sz="1200" dirty="0"/>
-              <a:t>    constraint </a:t>
-            </a:r>
-            <a:r>
-              <a:rPr lang="en-US" sz="1200" dirty="0" err="1"/>
-              <a:t>product_date_uindex</a:t>
-            </a:r>
-            <a:endParaRPr lang="en-US" sz="1200" dirty="0"/>
-          </a:p>
-          <a:p>
-            <a:pPr>
-              <a:spcBef>
-                <a:spcPts val="0"/>
-              </a:spcBef>
-            </a:pPr>
-            <a:r>
-              <a:rPr lang="en-US" sz="1200" dirty="0"/>
-              <a:t>        unique (date)</a:t>
-            </a:r>
-          </a:p>
-          <a:p>
-            <a:pPr>
-              <a:spcBef>
-                <a:spcPts val="0"/>
-              </a:spcBef>
-            </a:pPr>
-            <a:r>
-              <a:rPr lang="en-US" sz="1200" dirty="0"/>
-              <a:t>);</a:t>
-            </a:r>
-          </a:p>
-        </p:txBody>
-      </p:sp>
-      <p:sp>
-        <p:nvSpPr>
-          <p:cNvPr id="11" name="Title 10">
-            <a:extLst>
-              <a:ext uri="{FF2B5EF4-FFF2-40B4-BE49-F238E27FC236}">
-                <a16:creationId xmlns:a16="http://schemas.microsoft.com/office/drawing/2014/main" id="{9CAC76C9-87A5-4F81-9454-24A6D2837827}"/>
+                <a16:creationId xmlns:a16="http://schemas.microsoft.com/office/drawing/2014/main" id="{340CCA89-4734-4AFA-87F4-AFF5A0C034AE}"/>
               </a:ext>
             </a:extLst>
           </p:cNvPr>
@@ -13777,340 +16813,37 @@
           <a:p>
             <a:r>
               <a:rPr lang="en-US" dirty="0"/>
-              <a:t>SQL DDL - Tables</a:t>
+              <a:t>Rationale</a:t>
             </a:r>
           </a:p>
         </p:txBody>
       </p:sp>
       <p:sp>
         <p:nvSpPr>
-          <p:cNvPr id="14" name="Content Placeholder 8">
+          <p:cNvPr id="3" name="Content Placeholder 2">
             <a:extLst>
               <a:ext uri="{FF2B5EF4-FFF2-40B4-BE49-F238E27FC236}">
-                <a16:creationId xmlns:a16="http://schemas.microsoft.com/office/drawing/2014/main" id="{8B50B277-F60C-4E92-96E4-AB9A129FF760}"/>
+                <a16:creationId xmlns:a16="http://schemas.microsoft.com/office/drawing/2014/main" id="{A4AEBA5A-AADB-40AD-B4EC-6A91048F5D79}"/>
               </a:ext>
             </a:extLst>
           </p:cNvPr>
-          <p:cNvSpPr txBox="1">
-            <a:spLocks/>
+          <p:cNvSpPr>
+            <a:spLocks noGrp="1"/>
           </p:cNvSpPr>
-          <p:nvPr/>
+          <p:nvPr>
+            <p:ph idx="1"/>
+          </p:nvPr>
         </p:nvSpPr>
-        <p:spPr>
-          <a:xfrm>
-            <a:off x="6096000" y="2645651"/>
-            <a:ext cx="5943599" cy="2926474"/>
-          </a:xfrm>
-          <a:prstGeom prst="rect">
-            <a:avLst/>
-          </a:prstGeom>
-        </p:spPr>
+        <p:spPr/>
         <p:txBody>
-          <a:bodyPr vert="horz" lIns="109728" tIns="109728" rIns="109728" bIns="91440" rtlCol="0">
+          <a:bodyPr>
             <a:normAutofit/>
           </a:bodyPr>
-          <a:lstStyle>
-            <a:lvl1pPr marL="0" indent="0" algn="l" defTabSz="914400" rtl="0" eaLnBrk="1" latinLnBrk="0" hangingPunct="1">
-              <a:lnSpc>
-                <a:spcPct val="140000"/>
-              </a:lnSpc>
-              <a:spcBef>
-                <a:spcPts val="930"/>
-              </a:spcBef>
-              <a:buFont typeface="Corbel" panose="020B0503020204020204" pitchFamily="34" charset="0"/>
-              <a:buNone/>
-              <a:defRPr sz="1800" b="0" kern="1200" spc="150" baseline="0">
-                <a:solidFill>
-                  <a:schemeClr val="tx1">
-                    <a:lumMod val="75000"/>
-                    <a:lumOff val="25000"/>
-                  </a:schemeClr>
-                </a:solidFill>
-                <a:latin typeface="+mn-lt"/>
-                <a:ea typeface="+mn-ea"/>
-                <a:cs typeface="+mn-cs"/>
-              </a:defRPr>
-            </a:lvl1pPr>
-            <a:lvl2pPr marL="0" indent="0" algn="l" defTabSz="914400" rtl="0" eaLnBrk="1" latinLnBrk="0" hangingPunct="1">
-              <a:lnSpc>
-                <a:spcPct val="140000"/>
-              </a:lnSpc>
-              <a:spcBef>
-                <a:spcPts val="930"/>
-              </a:spcBef>
-              <a:buFont typeface="Corbel" panose="020B0503020204020204" pitchFamily="34" charset="0"/>
-              <a:buNone/>
-              <a:defRPr sz="1600" kern="1200" spc="150" baseline="0">
-                <a:solidFill>
-                  <a:schemeClr val="tx1">
-                    <a:lumMod val="75000"/>
-                    <a:lumOff val="25000"/>
-                  </a:schemeClr>
-                </a:solidFill>
-                <a:latin typeface="+mn-lt"/>
-                <a:ea typeface="+mn-ea"/>
-                <a:cs typeface="+mn-cs"/>
-              </a:defRPr>
-            </a:lvl2pPr>
-            <a:lvl3pPr marL="0" indent="-320040" algn="l" defTabSz="914400" rtl="0" eaLnBrk="1" latinLnBrk="0" hangingPunct="1">
-              <a:lnSpc>
-                <a:spcPct val="140000"/>
-              </a:lnSpc>
-              <a:spcBef>
-                <a:spcPts val="930"/>
-              </a:spcBef>
-              <a:buFont typeface="Corbel" panose="020B0503020204020204" pitchFamily="34" charset="0"/>
-              <a:buChar char="–"/>
-              <a:defRPr sz="1400" i="1" kern="1200" spc="150" baseline="0">
-                <a:solidFill>
-                  <a:schemeClr val="tx1">
-                    <a:lumMod val="75000"/>
-                    <a:lumOff val="25000"/>
-                  </a:schemeClr>
-                </a:solidFill>
-                <a:latin typeface="+mn-lt"/>
-                <a:ea typeface="+mn-ea"/>
-                <a:cs typeface="+mn-cs"/>
-              </a:defRPr>
-            </a:lvl3pPr>
-            <a:lvl4pPr marL="0" indent="-320040" algn="l" defTabSz="914400" rtl="0" eaLnBrk="1" latinLnBrk="0" hangingPunct="1">
-              <a:lnSpc>
-                <a:spcPct val="140000"/>
-              </a:lnSpc>
-              <a:spcBef>
-                <a:spcPts val="930"/>
-              </a:spcBef>
-              <a:buFont typeface="Corbel" panose="020B0503020204020204" pitchFamily="34" charset="0"/>
-              <a:buChar char="–"/>
-              <a:defRPr sz="1400" kern="1200" spc="150" baseline="0">
-                <a:solidFill>
-                  <a:schemeClr val="tx1">
-                    <a:lumMod val="75000"/>
-                    <a:lumOff val="25000"/>
-                  </a:schemeClr>
-                </a:solidFill>
-                <a:latin typeface="+mn-lt"/>
-                <a:ea typeface="+mn-ea"/>
-                <a:cs typeface="+mn-cs"/>
-              </a:defRPr>
-            </a:lvl4pPr>
-            <a:lvl5pPr marL="0" indent="-320040" algn="l" defTabSz="914400" rtl="0" eaLnBrk="1" latinLnBrk="0" hangingPunct="1">
-              <a:lnSpc>
-                <a:spcPct val="140000"/>
-              </a:lnSpc>
-              <a:spcBef>
-                <a:spcPts val="930"/>
-              </a:spcBef>
-              <a:buFont typeface="Corbel" panose="020B0503020204020204" pitchFamily="34" charset="0"/>
-              <a:buChar char="–"/>
-              <a:defRPr sz="1400" i="1" kern="1200" spc="150" baseline="0">
-                <a:solidFill>
-                  <a:schemeClr val="tx1">
-                    <a:lumMod val="75000"/>
-                    <a:lumOff val="25000"/>
-                  </a:schemeClr>
-                </a:solidFill>
-                <a:latin typeface="+mn-lt"/>
-                <a:ea typeface="+mn-ea"/>
-                <a:cs typeface="+mn-cs"/>
-              </a:defRPr>
-            </a:lvl5pPr>
-            <a:lvl6pPr marL="1920240" indent="-320040" algn="l" defTabSz="914400" rtl="0" eaLnBrk="1" latinLnBrk="0" hangingPunct="1">
-              <a:lnSpc>
-                <a:spcPct val="111000"/>
-              </a:lnSpc>
-              <a:spcBef>
-                <a:spcPts val="930"/>
-              </a:spcBef>
-              <a:buFont typeface="Corbel" panose="020B0503020204020204" pitchFamily="34" charset="0"/>
-              <a:buChar char="–"/>
-              <a:defRPr sz="1400" kern="1200">
-                <a:solidFill>
-                  <a:schemeClr val="accent1">
-                    <a:lumMod val="75000"/>
-                  </a:schemeClr>
-                </a:solidFill>
-                <a:latin typeface="+mn-lt"/>
-                <a:ea typeface="+mn-ea"/>
-                <a:cs typeface="+mn-cs"/>
-              </a:defRPr>
-            </a:lvl6pPr>
-            <a:lvl7pPr marL="2240280" indent="-320040" algn="l" defTabSz="914400" rtl="0" eaLnBrk="1" latinLnBrk="0" hangingPunct="1">
-              <a:lnSpc>
-                <a:spcPct val="111000"/>
-              </a:lnSpc>
-              <a:spcBef>
-                <a:spcPts val="930"/>
-              </a:spcBef>
-              <a:buFont typeface="Corbel" panose="020B0503020204020204" pitchFamily="34" charset="0"/>
-              <a:buChar char="–"/>
-              <a:defRPr sz="1400" i="1" kern="1200">
-                <a:solidFill>
-                  <a:schemeClr val="accent1">
-                    <a:lumMod val="75000"/>
-                  </a:schemeClr>
-                </a:solidFill>
-                <a:latin typeface="+mn-lt"/>
-                <a:ea typeface="+mn-ea"/>
-                <a:cs typeface="+mn-cs"/>
-              </a:defRPr>
-            </a:lvl7pPr>
-            <a:lvl8pPr marL="2560320" indent="-320040" algn="l" defTabSz="914400" rtl="0" eaLnBrk="1" latinLnBrk="0" hangingPunct="1">
-              <a:lnSpc>
-                <a:spcPct val="111000"/>
-              </a:lnSpc>
-              <a:spcBef>
-                <a:spcPts val="930"/>
-              </a:spcBef>
-              <a:buFont typeface="Corbel" panose="020B0503020204020204" pitchFamily="34" charset="0"/>
-              <a:buChar char="–"/>
-              <a:defRPr sz="1400" kern="1200">
-                <a:solidFill>
-                  <a:schemeClr val="accent1">
-                    <a:lumMod val="75000"/>
-                  </a:schemeClr>
-                </a:solidFill>
-                <a:latin typeface="+mn-lt"/>
-                <a:ea typeface="+mn-ea"/>
-                <a:cs typeface="+mn-cs"/>
-              </a:defRPr>
-            </a:lvl8pPr>
-            <a:lvl9pPr marL="2880360" indent="-320040" algn="l" defTabSz="914400" rtl="0" eaLnBrk="1" latinLnBrk="0" hangingPunct="1">
-              <a:lnSpc>
-                <a:spcPct val="111000"/>
-              </a:lnSpc>
-              <a:spcBef>
-                <a:spcPts val="930"/>
-              </a:spcBef>
-              <a:buFont typeface="Corbel" panose="020B0503020204020204" pitchFamily="34" charset="0"/>
-              <a:buChar char="–"/>
-              <a:defRPr sz="1400" i="1" kern="1200">
-                <a:solidFill>
-                  <a:schemeClr val="accent1">
-                    <a:lumMod val="75000"/>
-                  </a:schemeClr>
-                </a:solidFill>
-                <a:latin typeface="+mn-lt"/>
-                <a:ea typeface="+mn-ea"/>
-                <a:cs typeface="+mn-cs"/>
-              </a:defRPr>
-            </a:lvl9pPr>
-          </a:lstStyle>
-          <a:p>
-            <a:pPr>
-              <a:spcBef>
-                <a:spcPts val="0"/>
-              </a:spcBef>
-            </a:pPr>
-            <a:r>
-              <a:rPr lang="en-US" sz="1100" dirty="0"/>
-              <a:t>create trigger </a:t>
-            </a:r>
-            <a:r>
-              <a:rPr lang="en-US" sz="1100" dirty="0" err="1"/>
-              <a:t>statistical_questions</a:t>
-            </a:r>
-            <a:endParaRPr lang="en-US" sz="1100" dirty="0"/>
-          </a:p>
-          <a:p>
-            <a:pPr>
-              <a:spcBef>
-                <a:spcPts val="0"/>
-              </a:spcBef>
-            </a:pPr>
-            <a:r>
-              <a:rPr lang="en-US" sz="1100" dirty="0"/>
-              <a:t>    after insert</a:t>
-            </a:r>
-          </a:p>
-          <a:p>
-            <a:pPr>
-              <a:spcBef>
-                <a:spcPts val="0"/>
-              </a:spcBef>
-            </a:pPr>
-            <a:r>
-              <a:rPr lang="en-US" sz="1100" dirty="0"/>
-              <a:t>    on product</a:t>
-            </a:r>
-          </a:p>
-          <a:p>
-            <a:pPr>
-              <a:spcBef>
-                <a:spcPts val="0"/>
-              </a:spcBef>
-            </a:pPr>
-            <a:r>
-              <a:rPr lang="en-US" sz="1100" dirty="0"/>
-              <a:t>    for each row</a:t>
-            </a:r>
-          </a:p>
-          <a:p>
-            <a:pPr>
-              <a:spcBef>
-                <a:spcPts val="0"/>
-              </a:spcBef>
-            </a:pPr>
-            <a:r>
-              <a:rPr lang="en-US" sz="1100" dirty="0"/>
-              <a:t>begin</a:t>
-            </a:r>
-          </a:p>
-          <a:p>
-            <a:pPr>
-              <a:spcBef>
-                <a:spcPts val="0"/>
-              </a:spcBef>
-            </a:pPr>
-            <a:r>
-              <a:rPr lang="en-US" sz="1100" dirty="0"/>
-              <a:t>    insert into questionnaire</a:t>
-            </a:r>
-          </a:p>
-          <a:p>
-            <a:pPr>
-              <a:spcBef>
-                <a:spcPts val="0"/>
-              </a:spcBef>
-            </a:pPr>
-            <a:r>
-              <a:rPr lang="en-US" sz="1100" dirty="0"/>
-              <a:t>    select </a:t>
-            </a:r>
-            <a:r>
-              <a:rPr lang="en-US" sz="1100" dirty="0" err="1"/>
-              <a:t>NEW.id_product</a:t>
-            </a:r>
-            <a:r>
-              <a:rPr lang="en-US" sz="1100" dirty="0"/>
-              <a:t>, </a:t>
-            </a:r>
-            <a:r>
-              <a:rPr lang="en-US" sz="1100" dirty="0" err="1"/>
-              <a:t>id_question</a:t>
-            </a:r>
-            <a:endParaRPr lang="en-US" sz="1100" dirty="0"/>
-          </a:p>
-          <a:p>
-            <a:pPr>
-              <a:spcBef>
-                <a:spcPts val="0"/>
-              </a:spcBef>
-            </a:pPr>
-            <a:r>
-              <a:rPr lang="en-US" sz="1100" dirty="0"/>
-              <a:t>    from question where points = 2;</a:t>
-            </a:r>
-          </a:p>
-          <a:p>
-            <a:pPr>
-              <a:spcBef>
-                <a:spcPts val="0"/>
-              </a:spcBef>
-            </a:pPr>
-            <a:r>
-              <a:rPr lang="en-US" sz="1100" dirty="0"/>
-              <a:t>end;</a:t>
+          <a:lstStyle/>
+          <a:p>
+            <a:r>
+              <a:rPr lang="en-US" dirty="0"/>
+              <a:t>We decided to define a pure-relational database schema without using any ‘Many-to-Many’ relationships. The rational of this decision consists of the will of having the full control on the data base, i.e. having a complete mapping between the data managed by JPA and the data actually stored into the data base.</a:t>
             </a:r>
           </a:p>
         </p:txBody>
@@ -14118,7 +16851,7 @@
     </p:spTree>
     <p:extLst>
       <p:ext uri="{BB962C8B-B14F-4D97-AF65-F5344CB8AC3E}">
-        <p14:creationId xmlns:p14="http://schemas.microsoft.com/office/powerpoint/2010/main" val="3415009923"/>
+        <p14:creationId xmlns:p14="http://schemas.microsoft.com/office/powerpoint/2010/main" val="2735792880"/>
       </p:ext>
     </p:extLst>
   </p:cSld>
@@ -14163,13 +16896,13 @@
         </p:nvSpPr>
         <p:spPr>
           <a:xfrm>
-            <a:off x="1663040" y="2557627"/>
-            <a:ext cx="4432960" cy="3651504"/>
+            <a:off x="967740" y="2312276"/>
+            <a:ext cx="5537835" cy="4317123"/>
           </a:xfrm>
         </p:spPr>
         <p:txBody>
           <a:bodyPr>
-            <a:normAutofit/>
+            <a:noAutofit/>
           </a:bodyPr>
           <a:lstStyle/>
           <a:p>
@@ -14179,18 +16912,18 @@
               </a:spcBef>
             </a:pPr>
             <a:r>
-              <a:rPr lang="en-US" sz="1200" dirty="0"/>
-              <a:t>create table question</a:t>
-            </a:r>
-          </a:p>
-          <a:p>
-            <a:pPr>
-              <a:spcBef>
-                <a:spcPts val="0"/>
-              </a:spcBef>
-            </a:pPr>
-            <a:r>
-              <a:rPr lang="en-US" sz="1200" dirty="0"/>
+              <a:rPr lang="en-US" sz="1050" dirty="0"/>
+              <a:t>create table answer</a:t>
+            </a:r>
+          </a:p>
+          <a:p>
+            <a:pPr>
+              <a:spcBef>
+                <a:spcPts val="0"/>
+              </a:spcBef>
+            </a:pPr>
+            <a:r>
+              <a:rPr lang="en-US" sz="1050" dirty="0"/>
               <a:t>(</a:t>
             </a:r>
           </a:p>
@@ -14201,96 +16934,166 @@
               </a:spcBef>
             </a:pPr>
             <a:r>
-              <a:rPr lang="en-US" sz="1200" dirty="0"/>
+              <a:rPr lang="en-US" sz="1050" dirty="0"/>
               <a:t>    </a:t>
             </a:r>
             <a:r>
-              <a:rPr lang="en-US" sz="1200" dirty="0" err="1"/>
+              <a:rPr lang="en-US" sz="1050" dirty="0" err="1"/>
+              <a:t>id_product</a:t>
+            </a:r>
+            <a:r>
+              <a:rPr lang="en-US" sz="1050" dirty="0"/>
+              <a:t>  int  not null,</a:t>
+            </a:r>
+          </a:p>
+          <a:p>
+            <a:pPr>
+              <a:spcBef>
+                <a:spcPts val="0"/>
+              </a:spcBef>
+            </a:pPr>
+            <a:r>
+              <a:rPr lang="en-US" sz="1050" dirty="0"/>
+              <a:t>    </a:t>
+            </a:r>
+            <a:r>
+              <a:rPr lang="en-US" sz="1050" dirty="0" err="1"/>
+              <a:t>id_user</a:t>
+            </a:r>
+            <a:r>
+              <a:rPr lang="en-US" sz="1050" dirty="0"/>
+              <a:t>     int  not null,</a:t>
+            </a:r>
+          </a:p>
+          <a:p>
+            <a:pPr>
+              <a:spcBef>
+                <a:spcPts val="0"/>
+              </a:spcBef>
+            </a:pPr>
+            <a:r>
+              <a:rPr lang="en-US" sz="1050" dirty="0"/>
+              <a:t>    </a:t>
+            </a:r>
+            <a:r>
+              <a:rPr lang="en-US" sz="1050" dirty="0" err="1"/>
               <a:t>id_question</a:t>
             </a:r>
             <a:r>
-              <a:rPr lang="en-US" sz="1200" dirty="0"/>
-              <a:t>   int </a:t>
-            </a:r>
-            <a:r>
-              <a:rPr lang="en-US" sz="1200" dirty="0" err="1"/>
-              <a:t>auto_increment</a:t>
-            </a:r>
-            <a:endParaRPr lang="en-US" sz="1200" dirty="0"/>
-          </a:p>
-          <a:p>
-            <a:pPr>
-              <a:spcBef>
-                <a:spcPts val="0"/>
-              </a:spcBef>
-            </a:pPr>
-            <a:r>
-              <a:rPr lang="en-US" sz="1200" dirty="0"/>
-              <a:t>        primary key,</a:t>
-            </a:r>
-          </a:p>
-          <a:p>
-            <a:pPr>
-              <a:spcBef>
-                <a:spcPts val="0"/>
-              </a:spcBef>
-            </a:pPr>
-            <a:r>
-              <a:rPr lang="en-US" sz="1200" dirty="0"/>
+              <a:rPr lang="en-US" sz="1050" dirty="0"/>
+              <a:t> int  not null,</a:t>
+            </a:r>
+          </a:p>
+          <a:p>
+            <a:pPr>
+              <a:spcBef>
+                <a:spcPts val="0"/>
+              </a:spcBef>
+            </a:pPr>
+            <a:r>
+              <a:rPr lang="en-US" sz="1050" dirty="0"/>
               <a:t>    </a:t>
             </a:r>
             <a:r>
-              <a:rPr lang="en-US" sz="1200" dirty="0" err="1"/>
-              <a:t>question_text</a:t>
-            </a:r>
-            <a:r>
-              <a:rPr lang="en-US" sz="1200" dirty="0"/>
-              <a:t> varchar(255) not null,</a:t>
-            </a:r>
-          </a:p>
-          <a:p>
-            <a:pPr>
-              <a:spcBef>
-                <a:spcPts val="0"/>
-              </a:spcBef>
-            </a:pPr>
-            <a:r>
-              <a:rPr lang="en-US" sz="1200" dirty="0"/>
-              <a:t>    points        int          not null,</a:t>
-            </a:r>
-          </a:p>
-          <a:p>
-            <a:pPr>
-              <a:spcBef>
-                <a:spcPts val="0"/>
-              </a:spcBef>
-            </a:pPr>
-            <a:r>
-              <a:rPr lang="en-US" sz="1200" dirty="0"/>
+              <a:rPr lang="en-US" sz="1050" dirty="0" err="1"/>
+              <a:t>answer_text</a:t>
+            </a:r>
+            <a:r>
+              <a:rPr lang="en-US" sz="1050" dirty="0"/>
+              <a:t> text not null,</a:t>
+            </a:r>
+          </a:p>
+          <a:p>
+            <a:pPr>
+              <a:spcBef>
+                <a:spcPts val="0"/>
+              </a:spcBef>
+            </a:pPr>
+            <a:r>
+              <a:rPr lang="en-US" sz="1050" dirty="0"/>
               <a:t>    constraint </a:t>
             </a:r>
             <a:r>
-              <a:rPr lang="en-US" sz="1200" dirty="0" err="1"/>
-              <a:t>question_question_text_uindex</a:t>
-            </a:r>
-            <a:endParaRPr lang="en-US" sz="1200" dirty="0"/>
-          </a:p>
-          <a:p>
-            <a:pPr>
-              <a:spcBef>
-                <a:spcPts val="0"/>
-              </a:spcBef>
-            </a:pPr>
-            <a:r>
-              <a:rPr lang="en-US" sz="1200" dirty="0"/>
+              <a:rPr lang="en-US" sz="1050" dirty="0" err="1"/>
+              <a:t>answer_pk</a:t>
+            </a:r>
+            <a:endParaRPr lang="en-US" sz="1050" dirty="0"/>
+          </a:p>
+          <a:p>
+            <a:pPr>
+              <a:spcBef>
+                <a:spcPts val="0"/>
+              </a:spcBef>
+            </a:pPr>
+            <a:r>
+              <a:rPr lang="en-US" sz="1050" dirty="0"/>
               <a:t>        unique (</a:t>
             </a:r>
             <a:r>
-              <a:rPr lang="en-US" sz="1200" dirty="0" err="1"/>
-              <a:t>question_text</a:t>
-            </a:r>
-            <a:r>
-              <a:rPr lang="en-US" sz="1200" dirty="0"/>
+              <a:rPr lang="en-US" sz="1050" dirty="0" err="1"/>
+              <a:t>id_product</a:t>
+            </a:r>
+            <a:r>
+              <a:rPr lang="en-US" sz="1050" dirty="0"/>
+              <a:t>, </a:t>
+            </a:r>
+            <a:r>
+              <a:rPr lang="en-US" sz="1050" dirty="0" err="1"/>
+              <a:t>id_user</a:t>
+            </a:r>
+            <a:r>
+              <a:rPr lang="en-US" sz="1050" dirty="0"/>
+              <a:t>, </a:t>
+            </a:r>
+            <a:r>
+              <a:rPr lang="en-US" sz="1050" dirty="0" err="1"/>
+              <a:t>id_question</a:t>
+            </a:r>
+            <a:r>
+              <a:rPr lang="en-US" sz="1050" dirty="0"/>
+              <a:t>),</a:t>
+            </a:r>
+          </a:p>
+          <a:p>
+            <a:pPr>
+              <a:spcBef>
+                <a:spcPts val="0"/>
+              </a:spcBef>
+            </a:pPr>
+            <a:r>
+              <a:rPr lang="en-US" sz="1050" dirty="0"/>
+              <a:t>    constraint </a:t>
+            </a:r>
+            <a:r>
+              <a:rPr lang="en-US" sz="1050" dirty="0" err="1"/>
+              <a:t>answer_product_id_product_fk</a:t>
+            </a:r>
+            <a:endParaRPr lang="en-US" sz="1050" dirty="0"/>
+          </a:p>
+          <a:p>
+            <a:pPr>
+              <a:spcBef>
+                <a:spcPts val="0"/>
+              </a:spcBef>
+            </a:pPr>
+            <a:r>
+              <a:rPr lang="en-US" sz="1050" dirty="0"/>
+              <a:t>        foreign key (</a:t>
+            </a:r>
+            <a:r>
+              <a:rPr lang="en-US" sz="1050" dirty="0" err="1"/>
+              <a:t>id_product</a:t>
+            </a:r>
+            <a:r>
+              <a:rPr lang="en-US" sz="1050" dirty="0"/>
+              <a:t>) references product (</a:t>
+            </a:r>
+            <a:r>
+              <a:rPr lang="en-US" sz="1050" dirty="0" err="1"/>
+              <a:t>id_product</a:t>
+            </a:r>
+            <a:r>
+              <a:rPr lang="en-US" sz="1050" dirty="0"/>
               <a:t>)</a:t>
             </a:r>
           </a:p>
@@ -14301,7 +17104,121 @@
               </a:spcBef>
             </a:pPr>
             <a:r>
-              <a:rPr lang="en-US" sz="1200" dirty="0"/>
+              <a:rPr lang="en-US" sz="1050" dirty="0"/>
+              <a:t>            on update cascade on delete cascade,</a:t>
+            </a:r>
+          </a:p>
+          <a:p>
+            <a:pPr>
+              <a:spcBef>
+                <a:spcPts val="0"/>
+              </a:spcBef>
+            </a:pPr>
+            <a:r>
+              <a:rPr lang="en-US" sz="1050" dirty="0"/>
+              <a:t>    constraint </a:t>
+            </a:r>
+            <a:r>
+              <a:rPr lang="en-US" sz="1050" dirty="0" err="1"/>
+              <a:t>answer_question_id_question_fk</a:t>
+            </a:r>
+            <a:endParaRPr lang="en-US" sz="1050" dirty="0"/>
+          </a:p>
+          <a:p>
+            <a:pPr>
+              <a:spcBef>
+                <a:spcPts val="0"/>
+              </a:spcBef>
+            </a:pPr>
+            <a:r>
+              <a:rPr lang="en-US" sz="1050" dirty="0"/>
+              <a:t>        foreign key (</a:t>
+            </a:r>
+            <a:r>
+              <a:rPr lang="en-US" sz="1050" dirty="0" err="1"/>
+              <a:t>id_question</a:t>
+            </a:r>
+            <a:r>
+              <a:rPr lang="en-US" sz="1050" dirty="0"/>
+              <a:t>) references question (</a:t>
+            </a:r>
+            <a:r>
+              <a:rPr lang="en-US" sz="1050" dirty="0" err="1"/>
+              <a:t>id_question</a:t>
+            </a:r>
+            <a:r>
+              <a:rPr lang="en-US" sz="1050" dirty="0"/>
+              <a:t>)</a:t>
+            </a:r>
+          </a:p>
+          <a:p>
+            <a:pPr>
+              <a:spcBef>
+                <a:spcPts val="0"/>
+              </a:spcBef>
+            </a:pPr>
+            <a:r>
+              <a:rPr lang="en-US" sz="1050" dirty="0"/>
+              <a:t>            on update cascade on delete cascade,</a:t>
+            </a:r>
+          </a:p>
+          <a:p>
+            <a:pPr>
+              <a:spcBef>
+                <a:spcPts val="0"/>
+              </a:spcBef>
+            </a:pPr>
+            <a:r>
+              <a:rPr lang="en-US" sz="1050" dirty="0"/>
+              <a:t>    constraint </a:t>
+            </a:r>
+            <a:r>
+              <a:rPr lang="en-US" sz="1050" dirty="0" err="1"/>
+              <a:t>answer_user_id_user_fk</a:t>
+            </a:r>
+            <a:endParaRPr lang="en-US" sz="1050" dirty="0"/>
+          </a:p>
+          <a:p>
+            <a:pPr>
+              <a:spcBef>
+                <a:spcPts val="0"/>
+              </a:spcBef>
+            </a:pPr>
+            <a:r>
+              <a:rPr lang="en-US" sz="1050" dirty="0"/>
+              <a:t>        foreign key (</a:t>
+            </a:r>
+            <a:r>
+              <a:rPr lang="en-US" sz="1050" dirty="0" err="1"/>
+              <a:t>id_user</a:t>
+            </a:r>
+            <a:r>
+              <a:rPr lang="en-US" sz="1050" dirty="0"/>
+              <a:t>) references user (</a:t>
+            </a:r>
+            <a:r>
+              <a:rPr lang="en-US" sz="1050" dirty="0" err="1"/>
+              <a:t>id_user</a:t>
+            </a:r>
+            <a:r>
+              <a:rPr lang="en-US" sz="1050" dirty="0"/>
+              <a:t>)</a:t>
+            </a:r>
+          </a:p>
+          <a:p>
+            <a:pPr>
+              <a:spcBef>
+                <a:spcPts val="0"/>
+              </a:spcBef>
+            </a:pPr>
+            <a:r>
+              <a:rPr lang="en-US" sz="1050" dirty="0"/>
+              <a:t>            on update cascade</a:t>
+            </a:r>
+          </a:p>
+          <a:p>
+            <a:r>
+              <a:rPr lang="en-US" sz="1050" dirty="0"/>
               <a:t>);</a:t>
             </a:r>
           </a:p>
@@ -14337,10 +17254,10 @@
       </p:sp>
       <p:sp>
         <p:nvSpPr>
-          <p:cNvPr id="5" name="Content Placeholder 8">
+          <p:cNvPr id="14" name="Content Placeholder 8">
             <a:extLst>
               <a:ext uri="{FF2B5EF4-FFF2-40B4-BE49-F238E27FC236}">
-                <a16:creationId xmlns:a16="http://schemas.microsoft.com/office/drawing/2014/main" id="{71B2F637-8A4B-4B36-BAB0-18CEB50AB0FE}"/>
+                <a16:creationId xmlns:a16="http://schemas.microsoft.com/office/drawing/2014/main" id="{8B50B277-F60C-4E92-96E4-AB9A129FF760}"/>
               </a:ext>
             </a:extLst>
           </p:cNvPr>
@@ -14351,8 +17268,8 @@
         </p:nvSpPr>
         <p:spPr>
           <a:xfrm>
-            <a:off x="6305525" y="2557627"/>
-            <a:ext cx="5172100" cy="3651504"/>
+            <a:off x="6810350" y="2178926"/>
+            <a:ext cx="5033010" cy="4583824"/>
           </a:xfrm>
           <a:prstGeom prst="rect">
             <a:avLst/>
@@ -14360,7 +17277,7 @@
         </p:spPr>
         <p:txBody>
           <a:bodyPr vert="horz" lIns="109728" tIns="109728" rIns="109728" bIns="91440" rtlCol="0">
-            <a:normAutofit lnSpcReduction="10000"/>
+            <a:noAutofit/>
           </a:bodyPr>
           <a:lstStyle>
             <a:lvl1pPr marL="0" indent="0" algn="l" defTabSz="914400" rtl="0" eaLnBrk="1" latinLnBrk="0" hangingPunct="1">
@@ -14556,126 +17473,118 @@
               </a:spcBef>
             </a:pPr>
             <a:r>
-              <a:rPr lang="en-US" sz="1200" dirty="0"/>
-              <a:t>create table questionnaire</a:t>
-            </a:r>
-          </a:p>
-          <a:p>
-            <a:pPr>
-              <a:spcBef>
-                <a:spcPts val="0"/>
-              </a:spcBef>
-            </a:pPr>
-            <a:r>
-              <a:rPr lang="en-US" sz="1200" dirty="0"/>
-              <a:t>(</a:t>
-            </a:r>
-          </a:p>
-          <a:p>
-            <a:pPr>
-              <a:spcBef>
-                <a:spcPts val="0"/>
-              </a:spcBef>
-            </a:pPr>
-            <a:r>
-              <a:rPr lang="en-US" sz="1200" dirty="0"/>
-              <a:t>    </a:t>
-            </a:r>
-            <a:r>
-              <a:rPr lang="en-US" sz="1200" dirty="0" err="1"/>
-              <a:t>id_product</a:t>
-            </a:r>
-            <a:r>
-              <a:rPr lang="en-US" sz="1200" dirty="0"/>
-              <a:t>  int not null,</a:t>
-            </a:r>
-          </a:p>
-          <a:p>
-            <a:pPr>
-              <a:spcBef>
-                <a:spcPts val="0"/>
-              </a:spcBef>
-            </a:pPr>
-            <a:r>
-              <a:rPr lang="en-US" sz="1200" dirty="0"/>
-              <a:t>    </a:t>
-            </a:r>
-            <a:r>
-              <a:rPr lang="en-US" sz="1200" dirty="0" err="1"/>
-              <a:t>id_question</a:t>
-            </a:r>
-            <a:r>
-              <a:rPr lang="en-US" sz="1200" dirty="0"/>
-              <a:t> int not null,</a:t>
-            </a:r>
-          </a:p>
-          <a:p>
-            <a:pPr>
-              <a:spcBef>
-                <a:spcPts val="0"/>
-              </a:spcBef>
-            </a:pPr>
-            <a:r>
-              <a:rPr lang="en-US" sz="1200" dirty="0"/>
-              <a:t>    primary key (</a:t>
-            </a:r>
-            <a:r>
-              <a:rPr lang="en-US" sz="1200" dirty="0" err="1"/>
-              <a:t>id_product</a:t>
-            </a:r>
-            <a:r>
-              <a:rPr lang="en-US" sz="1200" dirty="0"/>
-              <a:t>, </a:t>
-            </a:r>
-            <a:r>
-              <a:rPr lang="en-US" sz="1200" dirty="0" err="1"/>
-              <a:t>id_question</a:t>
-            </a:r>
-            <a:r>
-              <a:rPr lang="en-US" sz="1200" dirty="0"/>
-              <a:t>),</a:t>
-            </a:r>
-          </a:p>
-          <a:p>
-            <a:pPr>
-              <a:spcBef>
-                <a:spcPts val="0"/>
-              </a:spcBef>
-            </a:pPr>
-            <a:r>
-              <a:rPr lang="en-US" sz="1200" dirty="0"/>
-              <a:t>    constraint </a:t>
-            </a:r>
-            <a:r>
-              <a:rPr lang="en-US" sz="1200" dirty="0" err="1"/>
-              <a:t>questionnaire_product_id_product_fk</a:t>
-            </a:r>
-            <a:endParaRPr lang="en-US" sz="1200" dirty="0"/>
-          </a:p>
-          <a:p>
-            <a:pPr>
-              <a:spcBef>
-                <a:spcPts val="0"/>
-              </a:spcBef>
-            </a:pPr>
-            <a:r>
-              <a:rPr lang="en-US" sz="1200" dirty="0"/>
-              <a:t>        foreign key (</a:t>
-            </a:r>
-            <a:r>
-              <a:rPr lang="en-US" sz="1200" dirty="0" err="1"/>
-              <a:t>id_product</a:t>
-            </a:r>
-            <a:r>
-              <a:rPr lang="en-US" sz="1200" dirty="0"/>
-              <a:t>) references product (</a:t>
-            </a:r>
-            <a:r>
-              <a:rPr lang="en-US" sz="1200" dirty="0" err="1"/>
-              <a:t>id_product</a:t>
-            </a:r>
-            <a:r>
-              <a:rPr lang="en-US" sz="1200" dirty="0"/>
+              <a:rPr lang="en-US" sz="1000" dirty="0"/>
+              <a:t>create trigger </a:t>
+            </a:r>
+            <a:r>
+              <a:rPr lang="en-US" sz="1000" dirty="0" err="1"/>
+              <a:t>add_points</a:t>
+            </a:r>
+            <a:endParaRPr lang="en-US" sz="1000" dirty="0"/>
+          </a:p>
+          <a:p>
+            <a:pPr>
+              <a:spcBef>
+                <a:spcPts val="0"/>
+              </a:spcBef>
+            </a:pPr>
+            <a:r>
+              <a:rPr lang="en-US" sz="1000" dirty="0"/>
+              <a:t>    after insert</a:t>
+            </a:r>
+          </a:p>
+          <a:p>
+            <a:pPr>
+              <a:spcBef>
+                <a:spcPts val="0"/>
+              </a:spcBef>
+            </a:pPr>
+            <a:r>
+              <a:rPr lang="en-US" sz="1000" dirty="0"/>
+              <a:t>    on answer</a:t>
+            </a:r>
+          </a:p>
+          <a:p>
+            <a:pPr>
+              <a:spcBef>
+                <a:spcPts val="0"/>
+              </a:spcBef>
+            </a:pPr>
+            <a:r>
+              <a:rPr lang="en-US" sz="1000" dirty="0"/>
+              <a:t>    for each row</a:t>
+            </a:r>
+          </a:p>
+          <a:p>
+            <a:pPr>
+              <a:spcBef>
+                <a:spcPts val="0"/>
+              </a:spcBef>
+            </a:pPr>
+            <a:r>
+              <a:rPr lang="en-US" sz="1000" dirty="0"/>
+              <a:t>begin</a:t>
+            </a:r>
+          </a:p>
+          <a:p>
+            <a:pPr>
+              <a:spcBef>
+                <a:spcPts val="0"/>
+              </a:spcBef>
+            </a:pPr>
+            <a:r>
+              <a:rPr lang="en-US" sz="1000" dirty="0"/>
+              <a:t>        update user</a:t>
+            </a:r>
+          </a:p>
+          <a:p>
+            <a:pPr>
+              <a:spcBef>
+                <a:spcPts val="0"/>
+              </a:spcBef>
+            </a:pPr>
+            <a:r>
+              <a:rPr lang="en-US" sz="1000" dirty="0"/>
+              <a:t>        set </a:t>
+            </a:r>
+            <a:r>
+              <a:rPr lang="en-US" sz="1000" dirty="0" err="1"/>
+              <a:t>user.points</a:t>
+            </a:r>
+            <a:r>
+              <a:rPr lang="en-US" sz="1000" dirty="0"/>
+              <a:t> = </a:t>
+            </a:r>
+            <a:r>
+              <a:rPr lang="en-US" sz="1000" dirty="0" err="1"/>
+              <a:t>user.points</a:t>
+            </a:r>
+            <a:r>
+              <a:rPr lang="en-US" sz="1000" dirty="0"/>
+              <a:t> + (select </a:t>
+            </a:r>
+            <a:r>
+              <a:rPr lang="en-US" sz="1000" dirty="0" err="1"/>
+              <a:t>q.points</a:t>
+            </a:r>
+            <a:r>
+              <a:rPr lang="en-US" sz="1000" dirty="0"/>
+              <a:t> from question as q where </a:t>
+            </a:r>
+            <a:r>
+              <a:rPr lang="en-US" sz="1000" dirty="0" err="1"/>
+              <a:t>q.id_question</a:t>
+            </a:r>
+            <a:r>
+              <a:rPr lang="en-US" sz="1000" dirty="0"/>
+              <a:t> = </a:t>
+            </a:r>
+            <a:r>
+              <a:rPr lang="en-US" sz="1000" dirty="0" err="1"/>
+              <a:t>new.id_question</a:t>
+            </a:r>
+            <a:r>
+              <a:rPr lang="en-US" sz="1000" dirty="0"/>
               <a:t>)</a:t>
             </a:r>
           </a:p>
@@ -14686,50 +17595,164 @@
               </a:spcBef>
             </a:pPr>
             <a:r>
-              <a:rPr lang="en-US" sz="1200" dirty="0"/>
-              <a:t>            on update cascade on delete cascade,</a:t>
-            </a:r>
-          </a:p>
-          <a:p>
-            <a:pPr>
-              <a:spcBef>
-                <a:spcPts val="0"/>
-              </a:spcBef>
-            </a:pPr>
-            <a:r>
-              <a:rPr lang="en-US" sz="1200" dirty="0"/>
-              <a:t>    constraint </a:t>
-            </a:r>
-            <a:r>
-              <a:rPr lang="en-US" sz="1200" dirty="0" err="1"/>
-              <a:t>questionnaire_question_id_question_fk</a:t>
-            </a:r>
-            <a:endParaRPr lang="en-US" sz="1200" dirty="0"/>
-          </a:p>
-          <a:p>
-            <a:pPr>
-              <a:spcBef>
-                <a:spcPts val="0"/>
-              </a:spcBef>
-            </a:pPr>
-            <a:r>
-              <a:rPr lang="en-US" sz="1200" dirty="0"/>
-              <a:t>        foreign key (</a:t>
-            </a:r>
-            <a:r>
-              <a:rPr lang="en-US" sz="1200" dirty="0" err="1"/>
-              <a:t>id_question</a:t>
-            </a:r>
-            <a:r>
-              <a:rPr lang="en-US" sz="1200" dirty="0"/>
-              <a:t>) references question (</a:t>
-            </a:r>
-            <a:r>
-              <a:rPr lang="en-US" sz="1200" dirty="0" err="1"/>
-              <a:t>id_question</a:t>
-            </a:r>
-            <a:r>
-              <a:rPr lang="en-US" sz="1200" dirty="0"/>
+              <a:rPr lang="en-US" sz="1000" dirty="0"/>
+              <a:t>        where </a:t>
+            </a:r>
+            <a:r>
+              <a:rPr lang="en-US" sz="1000" dirty="0" err="1"/>
+              <a:t>user.id_user</a:t>
+            </a:r>
+            <a:r>
+              <a:rPr lang="en-US" sz="1000" dirty="0"/>
+              <a:t> = </a:t>
+            </a:r>
+            <a:r>
+              <a:rPr lang="en-US" sz="1000" dirty="0" err="1"/>
+              <a:t>new.id_user</a:t>
+            </a:r>
+            <a:r>
+              <a:rPr lang="en-US" sz="1000" dirty="0"/>
+              <a:t>;</a:t>
+            </a:r>
+          </a:p>
+          <a:p>
+            <a:pPr>
+              <a:spcBef>
+                <a:spcPts val="0"/>
+              </a:spcBef>
+            </a:pPr>
+            <a:r>
+              <a:rPr lang="en-US" sz="1000" dirty="0"/>
+              <a:t>    end;</a:t>
+            </a:r>
+          </a:p>
+          <a:p>
+            <a:pPr>
+              <a:spcBef>
+                <a:spcPts val="0"/>
+              </a:spcBef>
+            </a:pPr>
+            <a:endParaRPr lang="en-US" sz="1000" dirty="0"/>
+          </a:p>
+          <a:p>
+            <a:pPr>
+              <a:spcBef>
+                <a:spcPts val="0"/>
+              </a:spcBef>
+            </a:pPr>
+            <a:r>
+              <a:rPr lang="en-US" sz="1000" dirty="0"/>
+              <a:t>create trigger </a:t>
+            </a:r>
+            <a:r>
+              <a:rPr lang="en-US" sz="1000" dirty="0" err="1"/>
+              <a:t>rm_points</a:t>
+            </a:r>
+            <a:endParaRPr lang="en-US" sz="1000" dirty="0"/>
+          </a:p>
+          <a:p>
+            <a:pPr>
+              <a:spcBef>
+                <a:spcPts val="0"/>
+              </a:spcBef>
+            </a:pPr>
+            <a:r>
+              <a:rPr lang="en-US" sz="1000" dirty="0"/>
+              <a:t>    after delete</a:t>
+            </a:r>
+          </a:p>
+          <a:p>
+            <a:pPr>
+              <a:spcBef>
+                <a:spcPts val="0"/>
+              </a:spcBef>
+            </a:pPr>
+            <a:r>
+              <a:rPr lang="en-US" sz="1000" dirty="0"/>
+              <a:t>    on answer</a:t>
+            </a:r>
+          </a:p>
+          <a:p>
+            <a:pPr>
+              <a:spcBef>
+                <a:spcPts val="0"/>
+              </a:spcBef>
+            </a:pPr>
+            <a:r>
+              <a:rPr lang="en-US" sz="1000" dirty="0"/>
+              <a:t>    for each row</a:t>
+            </a:r>
+          </a:p>
+          <a:p>
+            <a:pPr>
+              <a:spcBef>
+                <a:spcPts val="0"/>
+              </a:spcBef>
+            </a:pPr>
+            <a:r>
+              <a:rPr lang="en-US" sz="1000" dirty="0"/>
+              <a:t>begin</a:t>
+            </a:r>
+          </a:p>
+          <a:p>
+            <a:pPr>
+              <a:spcBef>
+                <a:spcPts val="0"/>
+              </a:spcBef>
+            </a:pPr>
+            <a:r>
+              <a:rPr lang="en-US" sz="1000" dirty="0"/>
+              <a:t>        update user</a:t>
+            </a:r>
+          </a:p>
+          <a:p>
+            <a:pPr>
+              <a:spcBef>
+                <a:spcPts val="0"/>
+              </a:spcBef>
+            </a:pPr>
+            <a:r>
+              <a:rPr lang="en-US" sz="1000" dirty="0"/>
+              <a:t>        set </a:t>
+            </a:r>
+            <a:r>
+              <a:rPr lang="en-US" sz="1000" dirty="0" err="1"/>
+              <a:t>user.points</a:t>
+            </a:r>
+            <a:r>
+              <a:rPr lang="en-US" sz="1000" dirty="0"/>
+              <a:t> = </a:t>
+            </a:r>
+            <a:r>
+              <a:rPr lang="en-US" sz="1000" dirty="0" err="1"/>
+              <a:t>user.points</a:t>
+            </a:r>
+            <a:r>
+              <a:rPr lang="en-US" sz="1000" dirty="0"/>
+              <a:t> - (select </a:t>
+            </a:r>
+            <a:r>
+              <a:rPr lang="en-US" sz="1000" dirty="0" err="1"/>
+              <a:t>q.points</a:t>
+            </a:r>
+            <a:r>
+              <a:rPr lang="en-US" sz="1000" dirty="0"/>
+              <a:t> from question as q where </a:t>
+            </a:r>
+            <a:r>
+              <a:rPr lang="en-US" sz="1000" dirty="0" err="1"/>
+              <a:t>q.id_question</a:t>
+            </a:r>
+            <a:r>
+              <a:rPr lang="en-US" sz="1000" dirty="0"/>
+              <a:t> = </a:t>
+            </a:r>
+            <a:r>
+              <a:rPr lang="en-US" sz="1000" dirty="0" err="1"/>
+              <a:t>old.id_question</a:t>
+            </a:r>
+            <a:r>
+              <a:rPr lang="en-US" sz="1000" dirty="0"/>
               <a:t>)</a:t>
             </a:r>
           </a:p>
@@ -14740,19 +17763,35 @@
               </a:spcBef>
             </a:pPr>
             <a:r>
-              <a:rPr lang="en-US" sz="1200" dirty="0"/>
-              <a:t>            on update cascade on delete cascade</a:t>
-            </a:r>
-          </a:p>
-          <a:p>
-            <a:pPr>
-              <a:spcBef>
-                <a:spcPts val="0"/>
-              </a:spcBef>
-            </a:pPr>
-            <a:r>
-              <a:rPr lang="en-US" sz="1200" dirty="0"/>
-              <a:t>);</a:t>
+              <a:rPr lang="en-US" sz="1000" dirty="0"/>
+              <a:t>        where </a:t>
+            </a:r>
+            <a:r>
+              <a:rPr lang="en-US" sz="1000" dirty="0" err="1"/>
+              <a:t>user.id_user</a:t>
+            </a:r>
+            <a:r>
+              <a:rPr lang="en-US" sz="1000" dirty="0"/>
+              <a:t> = </a:t>
+            </a:r>
+            <a:r>
+              <a:rPr lang="en-US" sz="1000" dirty="0" err="1"/>
+              <a:t>old.id_user</a:t>
+            </a:r>
+            <a:r>
+              <a:rPr lang="en-US" sz="1000" dirty="0"/>
+              <a:t>;</a:t>
+            </a:r>
+          </a:p>
+          <a:p>
+            <a:pPr>
+              <a:spcBef>
+                <a:spcPts val="0"/>
+              </a:spcBef>
+            </a:pPr>
+            <a:r>
+              <a:rPr lang="en-US" sz="1000" dirty="0"/>
+              <a:t>    end;</a:t>
             </a:r>
           </a:p>
         </p:txBody>
@@ -14760,7 +17799,7 @@
     </p:spTree>
     <p:extLst>
       <p:ext uri="{BB962C8B-B14F-4D97-AF65-F5344CB8AC3E}">
-        <p14:creationId xmlns:p14="http://schemas.microsoft.com/office/powerpoint/2010/main" val="1389112326"/>
+        <p14:creationId xmlns:p14="http://schemas.microsoft.com/office/powerpoint/2010/main" val="518151645"/>
       </p:ext>
     </p:extLst>
   </p:cSld>
